--- a/doxygen/images/opentimer.pptx
+++ b/doxygen/images/opentimer.pptx
@@ -1,24 +1,20 @@
 
 <file path=ppt/presentation.xml><?xml version="1.0" encoding="utf-8"?>
-<p:presentation xmlns:a="http://schemas.openxmlformats.org/drawingml/2006/main" xmlns:r="http://schemas.openxmlformats.org/officeDocument/2006/relationships" xmlns:p="http://schemas.openxmlformats.org/presentationml/2006/main" saveSubsetFonts="1" autoCompressPictures="0">
+<p:presentation xmlns:a="http://schemas.openxmlformats.org/drawingml/2006/main" xmlns:r="http://schemas.openxmlformats.org/officeDocument/2006/relationships" xmlns:p="http://schemas.openxmlformats.org/presentationml/2006/main" autoCompressPictures="0">
   <p:sldMasterIdLst>
     <p:sldMasterId id="2147483648" r:id="rId1"/>
   </p:sldMasterIdLst>
-  <p:notesMasterIdLst>
-    <p:notesMasterId r:id="rId5"/>
-  </p:notesMasterIdLst>
   <p:sldIdLst>
-    <p:sldId id="261" r:id="rId2"/>
-    <p:sldId id="262" r:id="rId3"/>
-    <p:sldId id="263" r:id="rId4"/>
+    <p:sldId id="256" r:id="rId2"/>
+    <p:sldId id="257" r:id="rId3"/>
   </p:sldIdLst>
-  <p:sldSz cx="9144000" cy="6858000" type="screen4x3"/>
+  <p:sldSz cx="12192000" cy="6858000"/>
   <p:notesSz cx="6858000" cy="9144000"/>
   <p:defaultTextStyle>
     <a:defPPr>
       <a:defRPr lang="en-US"/>
     </a:defPPr>
-    <a:lvl1pPr marL="0" algn="l" defTabSz="457200" rtl="0" eaLnBrk="1" latinLnBrk="0" hangingPunct="1">
+    <a:lvl1pPr marL="0" algn="l" defTabSz="914400" rtl="0" eaLnBrk="1" latinLnBrk="0" hangingPunct="1">
       <a:defRPr sz="1800" kern="1200">
         <a:solidFill>
           <a:schemeClr val="tx1"/>
@@ -28,7 +24,7 @@
         <a:cs typeface="+mn-cs"/>
       </a:defRPr>
     </a:lvl1pPr>
-    <a:lvl2pPr marL="457200" algn="l" defTabSz="457200" rtl="0" eaLnBrk="1" latinLnBrk="0" hangingPunct="1">
+    <a:lvl2pPr marL="457200" algn="l" defTabSz="914400" rtl="0" eaLnBrk="1" latinLnBrk="0" hangingPunct="1">
       <a:defRPr sz="1800" kern="1200">
         <a:solidFill>
           <a:schemeClr val="tx1"/>
@@ -38,7 +34,7 @@
         <a:cs typeface="+mn-cs"/>
       </a:defRPr>
     </a:lvl2pPr>
-    <a:lvl3pPr marL="914400" algn="l" defTabSz="457200" rtl="0" eaLnBrk="1" latinLnBrk="0" hangingPunct="1">
+    <a:lvl3pPr marL="914400" algn="l" defTabSz="914400" rtl="0" eaLnBrk="1" latinLnBrk="0" hangingPunct="1">
       <a:defRPr sz="1800" kern="1200">
         <a:solidFill>
           <a:schemeClr val="tx1"/>
@@ -48,7 +44,7 @@
         <a:cs typeface="+mn-cs"/>
       </a:defRPr>
     </a:lvl3pPr>
-    <a:lvl4pPr marL="1371600" algn="l" defTabSz="457200" rtl="0" eaLnBrk="1" latinLnBrk="0" hangingPunct="1">
+    <a:lvl4pPr marL="1371600" algn="l" defTabSz="914400" rtl="0" eaLnBrk="1" latinLnBrk="0" hangingPunct="1">
       <a:defRPr sz="1800" kern="1200">
         <a:solidFill>
           <a:schemeClr val="tx1"/>
@@ -58,7 +54,7 @@
         <a:cs typeface="+mn-cs"/>
       </a:defRPr>
     </a:lvl4pPr>
-    <a:lvl5pPr marL="1828800" algn="l" defTabSz="457200" rtl="0" eaLnBrk="1" latinLnBrk="0" hangingPunct="1">
+    <a:lvl5pPr marL="1828800" algn="l" defTabSz="914400" rtl="0" eaLnBrk="1" latinLnBrk="0" hangingPunct="1">
       <a:defRPr sz="1800" kern="1200">
         <a:solidFill>
           <a:schemeClr val="tx1"/>
@@ -68,7 +64,7 @@
         <a:cs typeface="+mn-cs"/>
       </a:defRPr>
     </a:lvl5pPr>
-    <a:lvl6pPr marL="2286000" algn="l" defTabSz="457200" rtl="0" eaLnBrk="1" latinLnBrk="0" hangingPunct="1">
+    <a:lvl6pPr marL="2286000" algn="l" defTabSz="914400" rtl="0" eaLnBrk="1" latinLnBrk="0" hangingPunct="1">
       <a:defRPr sz="1800" kern="1200">
         <a:solidFill>
           <a:schemeClr val="tx1"/>
@@ -78,7 +74,7 @@
         <a:cs typeface="+mn-cs"/>
       </a:defRPr>
     </a:lvl6pPr>
-    <a:lvl7pPr marL="2743200" algn="l" defTabSz="457200" rtl="0" eaLnBrk="1" latinLnBrk="0" hangingPunct="1">
+    <a:lvl7pPr marL="2743200" algn="l" defTabSz="914400" rtl="0" eaLnBrk="1" latinLnBrk="0" hangingPunct="1">
       <a:defRPr sz="1800" kern="1200">
         <a:solidFill>
           <a:schemeClr val="tx1"/>
@@ -88,7 +84,7 @@
         <a:cs typeface="+mn-cs"/>
       </a:defRPr>
     </a:lvl7pPr>
-    <a:lvl8pPr marL="3200400" algn="l" defTabSz="457200" rtl="0" eaLnBrk="1" latinLnBrk="0" hangingPunct="1">
+    <a:lvl8pPr marL="3200400" algn="l" defTabSz="914400" rtl="0" eaLnBrk="1" latinLnBrk="0" hangingPunct="1">
       <a:defRPr sz="1800" kern="1200">
         <a:solidFill>
           <a:schemeClr val="tx1"/>
@@ -98,7 +94,7 @@
         <a:cs typeface="+mn-cs"/>
       </a:defRPr>
     </a:lvl8pPr>
-    <a:lvl9pPr marL="3657600" algn="l" defTabSz="457200" rtl="0" eaLnBrk="1" latinLnBrk="0" hangingPunct="1">
+    <a:lvl9pPr marL="3657600" algn="l" defTabSz="914400" rtl="0" eaLnBrk="1" latinLnBrk="0" hangingPunct="1">
       <a:defRPr sz="1800" kern="1200">
         <a:solidFill>
           <a:schemeClr val="tx1"/>
@@ -111,18 +107,7 @@
   </p:defaultTextStyle>
   <p:extLst>
     <p:ext uri="{EFAFB233-063F-42B5-8137-9DF3F51BA10A}">
-      <p15:sldGuideLst xmlns:p15="http://schemas.microsoft.com/office/powerpoint/2012/main">
-        <p15:guide id="1" orient="horz" pos="2160">
-          <p15:clr>
-            <a:srgbClr val="A4A3A4"/>
-          </p15:clr>
-        </p15:guide>
-        <p15:guide id="2" pos="2880">
-          <p15:clr>
-            <a:srgbClr val="A4A3A4"/>
-          </p15:clr>
-        </p15:guide>
-      </p15:sldGuideLst>
+      <p15:sldGuideLst xmlns:p15="http://schemas.microsoft.com/office/powerpoint/2012/main"/>
     </p:ext>
   </p:extLst>
 </p:presentation>
@@ -149,7 +134,7 @@
           <a:lstStyle/>
           <a:p>
             <a:pPr>
-              <a:defRPr sz="1862" b="0" i="0" u="none" strike="noStrike" kern="1200" spc="0" baseline="0">
+              <a:defRPr sz="2128" b="0" i="0" u="none" strike="noStrike" kern="1200" cap="none" spc="50" baseline="0">
                 <a:solidFill>
                   <a:schemeClr val="tx1"/>
                 </a:solidFill>
@@ -160,7 +145,7 @@
             </a:pPr>
             <a:r>
               <a:rPr lang="en-US"/>
-              <a:t>tv80 (34K tasks)</a:t>
+              <a:t>Circuit Placement</a:t>
             </a:r>
           </a:p>
         </c:rich>
@@ -178,7 +163,7 @@
         <a:lstStyle/>
         <a:p>
           <a:pPr>
-            <a:defRPr sz="1862" b="0" i="0" u="none" strike="noStrike" kern="1200" spc="0" baseline="0">
+            <a:defRPr sz="2128" b="0" i="0" u="none" strike="noStrike" kern="1200" cap="none" spc="50" baseline="0">
               <a:solidFill>
                 <a:schemeClr val="tx1"/>
               </a:solidFill>
@@ -214,7 +199,9 @@
           <c:spPr>
             <a:ln w="28575" cap="rnd">
               <a:solidFill>
-                <a:schemeClr val="accent1"/>
+                <a:schemeClr val="accent1">
+                  <a:alpha val="70000"/>
+                </a:schemeClr>
               </a:solidFill>
               <a:round/>
             </a:ln>
@@ -222,183 +209,60 @@
           </c:spPr>
           <c:marker>
             <c:symbol val="circle"/>
-            <c:size val="5"/>
+            <c:size val="6"/>
             <c:spPr>
               <a:solidFill>
-                <a:schemeClr val="accent1"/>
+                <a:schemeClr val="accent1">
+                  <a:alpha val="70000"/>
+                </a:schemeClr>
               </a:solidFill>
-              <a:ln w="9525">
+              <a:ln>
                 <a:solidFill>
-                  <a:schemeClr val="accent1"/>
+                  <a:schemeClr val="accent1">
+                    <a:lumMod val="75000"/>
+                  </a:schemeClr>
                 </a:solidFill>
               </a:ln>
               <a:effectLst/>
             </c:spPr>
           </c:marker>
           <c:cat>
-            <c:numRef>
-              <c:f>Sheet1!$A$2:$A$26</c:f>
-              <c:numCache>
-                <c:formatCode>General</c:formatCode>
-                <c:ptCount val="25"/>
+            <c:strRef>
+              <c:f>Sheet1!$A$2:$A$5</c:f>
+              <c:strCache>
+                <c:ptCount val="4"/>
                 <c:pt idx="0">
-                  <c:v>1</c:v>
+                  <c:v>1 CPU</c:v>
                 </c:pt>
                 <c:pt idx="1">
-                  <c:v>2</c:v>
+                  <c:v>4 CPUs</c:v>
                 </c:pt>
                 <c:pt idx="2">
-                  <c:v>3</c:v>
+                  <c:v>8 CPUs</c:v>
                 </c:pt>
                 <c:pt idx="3">
-                  <c:v>4</c:v>
-                </c:pt>
-                <c:pt idx="4">
-                  <c:v>5</c:v>
-                </c:pt>
-                <c:pt idx="5">
-                  <c:v>6</c:v>
-                </c:pt>
-                <c:pt idx="6">
-                  <c:v>7</c:v>
-                </c:pt>
-                <c:pt idx="7">
-                  <c:v>8</c:v>
-                </c:pt>
-                <c:pt idx="8">
-                  <c:v>9</c:v>
-                </c:pt>
-                <c:pt idx="9">
-                  <c:v>10</c:v>
-                </c:pt>
-                <c:pt idx="10">
-                  <c:v>11</c:v>
-                </c:pt>
-                <c:pt idx="11">
-                  <c:v>12</c:v>
-                </c:pt>
-                <c:pt idx="12">
-                  <c:v>13</c:v>
-                </c:pt>
-                <c:pt idx="13">
-                  <c:v>14</c:v>
-                </c:pt>
-                <c:pt idx="14">
-                  <c:v>15</c:v>
-                </c:pt>
-                <c:pt idx="15">
-                  <c:v>17</c:v>
-                </c:pt>
-                <c:pt idx="16">
-                  <c:v>19</c:v>
-                </c:pt>
-                <c:pt idx="17">
-                  <c:v>20</c:v>
-                </c:pt>
-                <c:pt idx="18">
-                  <c:v>21</c:v>
-                </c:pt>
-                <c:pt idx="19">
-                  <c:v>22</c:v>
-                </c:pt>
-                <c:pt idx="20">
-                  <c:v>23</c:v>
-                </c:pt>
-                <c:pt idx="21">
-                  <c:v>25</c:v>
-                </c:pt>
-                <c:pt idx="22">
-                  <c:v>26</c:v>
-                </c:pt>
-                <c:pt idx="23">
-                  <c:v>27</c:v>
-                </c:pt>
-                <c:pt idx="24">
-                  <c:v>30</c:v>
-                </c:pt>
-              </c:numCache>
-            </c:numRef>
+                  <c:v>16 CPUs</c:v>
+                </c:pt>
+              </c:strCache>
+            </c:strRef>
           </c:cat>
           <c:val>
             <c:numRef>
-              <c:f>Sheet1!$B$2:$B$26</c:f>
+              <c:f>Sheet1!$B$2:$B$5</c:f>
               <c:numCache>
                 <c:formatCode>General</c:formatCode>
-                <c:ptCount val="25"/>
+                <c:ptCount val="4"/>
                 <c:pt idx="0">
-                  <c:v>7.6289999999999996</c:v>
+                  <c:v>18.829999999999998</c:v>
                 </c:pt>
                 <c:pt idx="1">
-                  <c:v>7.4980000000000002</c:v>
+                  <c:v>9.98</c:v>
                 </c:pt>
                 <c:pt idx="2">
-                  <c:v>3.4950000000000001</c:v>
+                  <c:v>8.65</c:v>
                 </c:pt>
                 <c:pt idx="3">
-                  <c:v>15.702</c:v>
-                </c:pt>
-                <c:pt idx="4">
-                  <c:v>7.476</c:v>
-                </c:pt>
-                <c:pt idx="5">
-                  <c:v>7.367</c:v>
-                </c:pt>
-                <c:pt idx="6">
-                  <c:v>4.5060000000000002</c:v>
-                </c:pt>
-                <c:pt idx="7">
-                  <c:v>13.962</c:v>
-                </c:pt>
-                <c:pt idx="8">
-                  <c:v>7.2569999999999997</c:v>
-                </c:pt>
-                <c:pt idx="9">
-                  <c:v>7.1669999999999998</c:v>
-                </c:pt>
-                <c:pt idx="10">
-                  <c:v>5.4909999999999997</c:v>
-                </c:pt>
-                <c:pt idx="11">
-                  <c:v>13.544</c:v>
-                </c:pt>
-                <c:pt idx="12">
-                  <c:v>6.5049999999999999</c:v>
-                </c:pt>
-                <c:pt idx="13">
-                  <c:v>3.117</c:v>
-                </c:pt>
-                <c:pt idx="14">
-                  <c:v>3.456</c:v>
-                </c:pt>
-                <c:pt idx="15">
-                  <c:v>6.9589999999999996</c:v>
-                </c:pt>
-                <c:pt idx="16">
-                  <c:v>3.085</c:v>
-                </c:pt>
-                <c:pt idx="17">
-                  <c:v>6.3019999999999996</c:v>
-                </c:pt>
-                <c:pt idx="18">
-                  <c:v>6.99</c:v>
-                </c:pt>
-                <c:pt idx="19">
-                  <c:v>7.3259999999999996</c:v>
-                </c:pt>
-                <c:pt idx="20">
-                  <c:v>7.2690000000000001</c:v>
-                </c:pt>
-                <c:pt idx="21">
-                  <c:v>13.821999999999999</c:v>
-                </c:pt>
-                <c:pt idx="22">
-                  <c:v>8.5069999999999997</c:v>
-                </c:pt>
-                <c:pt idx="23">
-                  <c:v>7.2329999999999997</c:v>
-                </c:pt>
-                <c:pt idx="24">
-                  <c:v>7.2809999999999997</c:v>
+                  <c:v>7.41</c:v>
                 </c:pt>
               </c:numCache>
             </c:numRef>
@@ -406,7 +270,7 @@
           <c:smooth val="0"/>
           <c:extLst>
             <c:ext xmlns:c16="http://schemas.microsoft.com/office/drawing/2014/chart" uri="{C3380CC4-5D6E-409C-BE32-E72D297353CC}">
-              <c16:uniqueId val="{00000000-AC3E-D247-9231-0AA26F1F1B1A}"/>
+              <c16:uniqueId val="{00000000-337A-0049-A420-367548DE4182}"/>
             </c:ext>
           </c:extLst>
         </c:ser>
@@ -419,7 +283,7 @@
               <c:strCache>
                 <c:ptCount val="1"/>
                 <c:pt idx="0">
-                  <c:v>OpenMP</c:v>
+                  <c:v>TBB</c:v>
                 </c:pt>
               </c:strCache>
             </c:strRef>
@@ -427,7 +291,9 @@
           <c:spPr>
             <a:ln w="28575" cap="rnd">
               <a:solidFill>
-                <a:schemeClr val="accent2"/>
+                <a:schemeClr val="accent2">
+                  <a:alpha val="70000"/>
+                </a:schemeClr>
               </a:solidFill>
               <a:round/>
             </a:ln>
@@ -435,183 +301,60 @@
           </c:spPr>
           <c:marker>
             <c:symbol val="circle"/>
-            <c:size val="5"/>
+            <c:size val="6"/>
             <c:spPr>
               <a:solidFill>
-                <a:schemeClr val="accent2"/>
+                <a:schemeClr val="accent2">
+                  <a:alpha val="70000"/>
+                </a:schemeClr>
               </a:solidFill>
-              <a:ln w="9525">
+              <a:ln>
                 <a:solidFill>
-                  <a:schemeClr val="accent2"/>
+                  <a:schemeClr val="accent2">
+                    <a:lumMod val="75000"/>
+                  </a:schemeClr>
                 </a:solidFill>
               </a:ln>
               <a:effectLst/>
             </c:spPr>
           </c:marker>
           <c:cat>
-            <c:numRef>
-              <c:f>Sheet1!$A$2:$A$26</c:f>
-              <c:numCache>
-                <c:formatCode>General</c:formatCode>
-                <c:ptCount val="25"/>
+            <c:strRef>
+              <c:f>Sheet1!$A$2:$A$5</c:f>
+              <c:strCache>
+                <c:ptCount val="4"/>
                 <c:pt idx="0">
-                  <c:v>1</c:v>
+                  <c:v>1 CPU</c:v>
                 </c:pt>
                 <c:pt idx="1">
-                  <c:v>2</c:v>
+                  <c:v>4 CPUs</c:v>
                 </c:pt>
                 <c:pt idx="2">
-                  <c:v>3</c:v>
+                  <c:v>8 CPUs</c:v>
                 </c:pt>
                 <c:pt idx="3">
-                  <c:v>4</c:v>
-                </c:pt>
-                <c:pt idx="4">
-                  <c:v>5</c:v>
-                </c:pt>
-                <c:pt idx="5">
-                  <c:v>6</c:v>
-                </c:pt>
-                <c:pt idx="6">
-                  <c:v>7</c:v>
-                </c:pt>
-                <c:pt idx="7">
-                  <c:v>8</c:v>
-                </c:pt>
-                <c:pt idx="8">
-                  <c:v>9</c:v>
-                </c:pt>
-                <c:pt idx="9">
-                  <c:v>10</c:v>
-                </c:pt>
-                <c:pt idx="10">
-                  <c:v>11</c:v>
-                </c:pt>
-                <c:pt idx="11">
-                  <c:v>12</c:v>
-                </c:pt>
-                <c:pt idx="12">
-                  <c:v>13</c:v>
-                </c:pt>
-                <c:pt idx="13">
-                  <c:v>14</c:v>
-                </c:pt>
-                <c:pt idx="14">
-                  <c:v>15</c:v>
-                </c:pt>
-                <c:pt idx="15">
-                  <c:v>17</c:v>
-                </c:pt>
-                <c:pt idx="16">
-                  <c:v>19</c:v>
-                </c:pt>
-                <c:pt idx="17">
-                  <c:v>20</c:v>
-                </c:pt>
-                <c:pt idx="18">
-                  <c:v>21</c:v>
-                </c:pt>
-                <c:pt idx="19">
-                  <c:v>22</c:v>
-                </c:pt>
-                <c:pt idx="20">
-                  <c:v>23</c:v>
-                </c:pt>
-                <c:pt idx="21">
-                  <c:v>25</c:v>
-                </c:pt>
-                <c:pt idx="22">
-                  <c:v>26</c:v>
-                </c:pt>
-                <c:pt idx="23">
-                  <c:v>27</c:v>
-                </c:pt>
-                <c:pt idx="24">
-                  <c:v>30</c:v>
-                </c:pt>
-              </c:numCache>
-            </c:numRef>
+                  <c:v>16 CPUs</c:v>
+                </c:pt>
+              </c:strCache>
+            </c:strRef>
           </c:cat>
           <c:val>
             <c:numRef>
-              <c:f>Sheet1!$C$2:$C$26</c:f>
+              <c:f>Sheet1!$C$2:$C$5</c:f>
               <c:numCache>
                 <c:formatCode>General</c:formatCode>
-                <c:ptCount val="25"/>
+                <c:ptCount val="4"/>
                 <c:pt idx="0">
-                  <c:v>26.239000000000001</c:v>
+                  <c:v>20.18</c:v>
                 </c:pt>
                 <c:pt idx="1">
-                  <c:v>10.954000000000001</c:v>
+                  <c:v>15.32</c:v>
                 </c:pt>
                 <c:pt idx="2">
-                  <c:v>16.151</c:v>
+                  <c:v>10.039999999999999</c:v>
                 </c:pt>
                 <c:pt idx="3">
-                  <c:v>18.353000000000002</c:v>
-                </c:pt>
-                <c:pt idx="4">
-                  <c:v>73.17</c:v>
-                </c:pt>
-                <c:pt idx="5">
-                  <c:v>21.922999999999998</c:v>
-                </c:pt>
-                <c:pt idx="6">
-                  <c:v>30.285</c:v>
-                </c:pt>
-                <c:pt idx="7">
-                  <c:v>15.029</c:v>
-                </c:pt>
-                <c:pt idx="8">
-                  <c:v>15.497</c:v>
-                </c:pt>
-                <c:pt idx="9">
-                  <c:v>12.313000000000001</c:v>
-                </c:pt>
-                <c:pt idx="10">
-                  <c:v>14.956</c:v>
-                </c:pt>
-                <c:pt idx="11">
-                  <c:v>15.52</c:v>
-                </c:pt>
-                <c:pt idx="12">
-                  <c:v>17.75</c:v>
-                </c:pt>
-                <c:pt idx="13">
-                  <c:v>15.134</c:v>
-                </c:pt>
-                <c:pt idx="14">
-                  <c:v>13.241</c:v>
-                </c:pt>
-                <c:pt idx="15">
-                  <c:v>12.987</c:v>
-                </c:pt>
-                <c:pt idx="16">
-                  <c:v>14</c:v>
-                </c:pt>
-                <c:pt idx="17">
-                  <c:v>14.961</c:v>
-                </c:pt>
-                <c:pt idx="18">
-                  <c:v>14.808999999999999</c:v>
-                </c:pt>
-                <c:pt idx="19">
-                  <c:v>13.55</c:v>
-                </c:pt>
-                <c:pt idx="20">
-                  <c:v>15.204000000000001</c:v>
-                </c:pt>
-                <c:pt idx="21">
-                  <c:v>21.28</c:v>
-                </c:pt>
-                <c:pt idx="22">
-                  <c:v>15.099</c:v>
-                </c:pt>
-                <c:pt idx="23">
-                  <c:v>15.731999999999999</c:v>
-                </c:pt>
-                <c:pt idx="24">
-                  <c:v>11.52</c:v>
+                  <c:v>7.27</c:v>
                 </c:pt>
               </c:numCache>
             </c:numRef>
@@ -619,7 +362,99 @@
           <c:smooth val="0"/>
           <c:extLst>
             <c:ext xmlns:c16="http://schemas.microsoft.com/office/drawing/2014/chart" uri="{C3380CC4-5D6E-409C-BE32-E72D297353CC}">
-              <c16:uniqueId val="{00000001-AC3E-D247-9231-0AA26F1F1B1A}"/>
+              <c16:uniqueId val="{00000001-337A-0049-A420-367548DE4182}"/>
+            </c:ext>
+          </c:extLst>
+        </c:ser>
+        <c:ser>
+          <c:idx val="2"/>
+          <c:order val="2"/>
+          <c:tx>
+            <c:strRef>
+              <c:f>Sheet1!$D$1</c:f>
+              <c:strCache>
+                <c:ptCount val="1"/>
+                <c:pt idx="0">
+                  <c:v>StarPU</c:v>
+                </c:pt>
+              </c:strCache>
+            </c:strRef>
+          </c:tx>
+          <c:spPr>
+            <a:ln w="28575" cap="rnd">
+              <a:solidFill>
+                <a:schemeClr val="accent3">
+                  <a:alpha val="70000"/>
+                </a:schemeClr>
+              </a:solidFill>
+              <a:round/>
+            </a:ln>
+            <a:effectLst/>
+          </c:spPr>
+          <c:marker>
+            <c:symbol val="circle"/>
+            <c:size val="6"/>
+            <c:spPr>
+              <a:solidFill>
+                <a:schemeClr val="accent3">
+                  <a:alpha val="70000"/>
+                </a:schemeClr>
+              </a:solidFill>
+              <a:ln>
+                <a:solidFill>
+                  <a:schemeClr val="accent3">
+                    <a:lumMod val="75000"/>
+                  </a:schemeClr>
+                </a:solidFill>
+              </a:ln>
+              <a:effectLst/>
+            </c:spPr>
+          </c:marker>
+          <c:cat>
+            <c:strRef>
+              <c:f>Sheet1!$A$2:$A$5</c:f>
+              <c:strCache>
+                <c:ptCount val="4"/>
+                <c:pt idx="0">
+                  <c:v>1 CPU</c:v>
+                </c:pt>
+                <c:pt idx="1">
+                  <c:v>4 CPUs</c:v>
+                </c:pt>
+                <c:pt idx="2">
+                  <c:v>8 CPUs</c:v>
+                </c:pt>
+                <c:pt idx="3">
+                  <c:v>16 CPUs</c:v>
+                </c:pt>
+              </c:strCache>
+            </c:strRef>
+          </c:cat>
+          <c:val>
+            <c:numRef>
+              <c:f>Sheet1!$D$2:$D$5</c:f>
+              <c:numCache>
+                <c:formatCode>General</c:formatCode>
+                <c:ptCount val="4"/>
+                <c:pt idx="0">
+                  <c:v>20.41</c:v>
+                </c:pt>
+                <c:pt idx="1">
+                  <c:v>13.67</c:v>
+                </c:pt>
+                <c:pt idx="2">
+                  <c:v>10.47</c:v>
+                </c:pt>
+                <c:pt idx="3">
+                  <c:v>7.53</c:v>
+                </c:pt>
+              </c:numCache>
+            </c:numRef>
+          </c:val>
+          <c:smooth val="0"/>
+          <c:extLst>
+            <c:ext xmlns:c16="http://schemas.microsoft.com/office/drawing/2014/chart" uri="{C3380CC4-5D6E-409C-BE32-E72D297353CC}">
+              <c16:uniqueId val="{00000002-337A-0049-A420-367548DE4182}"/>
             </c:ext>
           </c:extLst>
         </c:ser>
@@ -633,79 +468,24 @@
         </c:dLbls>
         <c:marker val="1"/>
         <c:smooth val="0"/>
-        <c:axId val="1383275920"/>
-        <c:axId val="1424055584"/>
+        <c:axId val="1381742352"/>
+        <c:axId val="1381743984"/>
       </c:lineChart>
       <c:catAx>
-        <c:axId val="1383275920"/>
+        <c:axId val="1381742352"/>
         <c:scaling>
           <c:orientation val="minMax"/>
         </c:scaling>
         <c:delete val="0"/>
         <c:axPos val="b"/>
-        <c:title>
-          <c:tx>
-            <c:rich>
-              <a:bodyPr rot="0" spcFirstLastPara="1" vertOverflow="ellipsis" vert="horz" wrap="square" anchor="ctr" anchorCtr="1"/>
-              <a:lstStyle/>
-              <a:p>
-                <a:pPr>
-                  <a:defRPr sz="1330" b="0" i="0" u="none" strike="noStrike" kern="1200" baseline="0">
-                    <a:solidFill>
-                      <a:schemeClr val="tx1"/>
-                    </a:solidFill>
-                    <a:latin typeface="Times" pitchFamily="2" charset="0"/>
-                    <a:ea typeface="+mn-ea"/>
-                    <a:cs typeface="+mn-cs"/>
-                  </a:defRPr>
-                </a:pPr>
-                <a:r>
-                  <a:rPr lang="en-US"/>
-                  <a:t>Incremental Timing Iteration</a:t>
-                </a:r>
-              </a:p>
-            </c:rich>
-          </c:tx>
-          <c:overlay val="0"/>
-          <c:spPr>
-            <a:noFill/>
-            <a:ln>
-              <a:noFill/>
-            </a:ln>
-            <a:effectLst/>
-          </c:spPr>
-          <c:txPr>
-            <a:bodyPr rot="0" spcFirstLastPara="1" vertOverflow="ellipsis" vert="horz" wrap="square" anchor="ctr" anchorCtr="1"/>
-            <a:lstStyle/>
-            <a:p>
-              <a:pPr>
-                <a:defRPr sz="1330" b="0" i="0" u="none" strike="noStrike" kern="1200" baseline="0">
-                  <a:solidFill>
-                    <a:schemeClr val="tx1"/>
-                  </a:solidFill>
-                  <a:latin typeface="Times" pitchFamily="2" charset="0"/>
-                  <a:ea typeface="+mn-ea"/>
-                  <a:cs typeface="+mn-cs"/>
-                </a:defRPr>
-              </a:pPr>
-              <a:endParaRPr lang="en-US"/>
-            </a:p>
-          </c:txPr>
-        </c:title>
         <c:numFmt formatCode="General" sourceLinked="1"/>
         <c:majorTickMark val="none"/>
         <c:minorTickMark val="none"/>
         <c:tickLblPos val="nextTo"/>
         <c:spPr>
           <a:noFill/>
-          <a:ln w="9525" cap="flat" cmpd="sng" algn="ctr">
-            <a:solidFill>
-              <a:schemeClr val="tx1">
-                <a:lumMod val="15000"/>
-                <a:lumOff val="85000"/>
-              </a:schemeClr>
-            </a:solidFill>
-            <a:round/>
+          <a:ln>
+            <a:noFill/>
           </a:ln>
           <a:effectLst/>
         </c:spPr>
@@ -726,7 +506,7 @@
             <a:endParaRPr lang="en-US"/>
           </a:p>
         </c:txPr>
-        <c:crossAx val="1424055584"/>
+        <c:crossAx val="1381743984"/>
         <c:crosses val="autoZero"/>
         <c:auto val="1"/>
         <c:lblAlgn val="ctr"/>
@@ -734,7 +514,7 @@
         <c:noMultiLvlLbl val="0"/>
       </c:catAx>
       <c:valAx>
-        <c:axId val="1424055584"/>
+        <c:axId val="1381743984"/>
         <c:scaling>
           <c:orientation val="minMax"/>
         </c:scaling>
@@ -745,8 +525,8 @@
             <a:ln w="9525" cap="flat" cmpd="sng" algn="ctr">
               <a:solidFill>
                 <a:schemeClr val="tx1">
-                  <a:lumMod val="15000"/>
-                  <a:lumOff val="85000"/>
+                  <a:lumMod val="5000"/>
+                  <a:lumOff val="95000"/>
                 </a:schemeClr>
               </a:solidFill>
               <a:round/>
@@ -761,7 +541,7 @@
               <a:lstStyle/>
               <a:p>
                 <a:pPr>
-                  <a:defRPr sz="1330" b="0" i="0" u="none" strike="noStrike" kern="1200" baseline="0">
+                  <a:defRPr sz="1197" b="0" i="0" u="none" strike="noStrike" kern="1200" baseline="0">
                     <a:solidFill>
                       <a:schemeClr val="tx1"/>
                     </a:solidFill>
@@ -772,11 +552,19 @@
                 </a:pPr>
                 <a:r>
                   <a:rPr lang="en-US"/>
-                  <a:t>Runtime (ms)</a:t>
+                  <a:t>Runtime (s)</a:t>
                 </a:r>
               </a:p>
             </c:rich>
           </c:tx>
+          <c:layout>
+            <c:manualLayout>
+              <c:xMode val="edge"/>
+              <c:yMode val="edge"/>
+              <c:x val="4.6503798967907989E-2"/>
+              <c:y val="0.35703842975374384"/>
+            </c:manualLayout>
+          </c:layout>
           <c:overlay val="0"/>
           <c:spPr>
             <a:noFill/>
@@ -790,7 +578,7 @@
             <a:lstStyle/>
             <a:p>
               <a:pPr>
-                <a:defRPr sz="1330" b="0" i="0" u="none" strike="noStrike" kern="1200" baseline="0">
+                <a:defRPr sz="1197" b="0" i="0" u="none" strike="noStrike" kern="1200" baseline="0">
                   <a:solidFill>
                     <a:schemeClr val="tx1"/>
                   </a:solidFill>
@@ -831,7 +619,7 @@
             <a:endParaRPr lang="en-US"/>
           </a:p>
         </c:txPr>
-        <c:crossAx val="1383275920"/>
+        <c:crossAx val="1381742352"/>
         <c:crosses val="autoZero"/>
         <c:crossBetween val="between"/>
       </c:valAx>
@@ -931,7 +719,7 @@
           <a:lstStyle/>
           <a:p>
             <a:pPr>
-              <a:defRPr sz="1862" b="0" i="0" u="none" strike="noStrike" kern="1200" spc="0" baseline="0">
+              <a:defRPr sz="2128" b="0" i="0" u="none" strike="noStrike" kern="1200" cap="none" spc="50" baseline="0">
                 <a:solidFill>
                   <a:schemeClr val="tx1"/>
                 </a:solidFill>
@@ -942,7 +730,7 @@
             </a:pPr>
             <a:r>
               <a:rPr lang="en-US"/>
-              <a:t>vga_lcd (0.8M tasks)</a:t>
+              <a:t>Machine Learning</a:t>
             </a:r>
           </a:p>
         </c:rich>
@@ -960,7 +748,7 @@
         <a:lstStyle/>
         <a:p>
           <a:pPr>
-            <a:defRPr sz="1862" b="0" i="0" u="none" strike="noStrike" kern="1200" spc="0" baseline="0">
+            <a:defRPr sz="2128" b="0" i="0" u="none" strike="noStrike" kern="1200" cap="none" spc="50" baseline="0">
               <a:solidFill>
                 <a:schemeClr val="tx1"/>
               </a:solidFill>
@@ -996,7 +784,9 @@
           <c:spPr>
             <a:ln w="28575" cap="rnd">
               <a:solidFill>
-                <a:schemeClr val="accent1"/>
+                <a:schemeClr val="accent1">
+                  <a:alpha val="70000"/>
+                </a:schemeClr>
               </a:solidFill>
               <a:round/>
             </a:ln>
@@ -1004,291 +794,60 @@
           </c:spPr>
           <c:marker>
             <c:symbol val="circle"/>
-            <c:size val="5"/>
+            <c:size val="6"/>
             <c:spPr>
               <a:solidFill>
-                <a:schemeClr val="accent1"/>
+                <a:schemeClr val="accent1">
+                  <a:alpha val="70000"/>
+                </a:schemeClr>
               </a:solidFill>
-              <a:ln w="9525">
+              <a:ln>
                 <a:solidFill>
-                  <a:schemeClr val="accent1"/>
+                  <a:schemeClr val="accent1">
+                    <a:lumMod val="75000"/>
+                  </a:schemeClr>
                 </a:solidFill>
               </a:ln>
               <a:effectLst/>
             </c:spPr>
           </c:marker>
           <c:cat>
-            <c:numRef>
-              <c:f>Sheet1!$A$2:$A$44</c:f>
-              <c:numCache>
-                <c:formatCode>General</c:formatCode>
-                <c:ptCount val="43"/>
+            <c:strRef>
+              <c:f>Sheet1!$A$2:$A$5</c:f>
+              <c:strCache>
+                <c:ptCount val="4"/>
                 <c:pt idx="0">
-                  <c:v>1</c:v>
+                  <c:v>1 GPU</c:v>
                 </c:pt>
                 <c:pt idx="1">
-                  <c:v>3</c:v>
+                  <c:v>2 GPUs</c:v>
                 </c:pt>
                 <c:pt idx="2">
-                  <c:v>6</c:v>
+                  <c:v>3 GPUs</c:v>
                 </c:pt>
                 <c:pt idx="3">
-                  <c:v>8</c:v>
-                </c:pt>
-                <c:pt idx="4">
-                  <c:v>11</c:v>
-                </c:pt>
-                <c:pt idx="5">
-                  <c:v>13</c:v>
-                </c:pt>
-                <c:pt idx="6">
-                  <c:v>16</c:v>
-                </c:pt>
-                <c:pt idx="7">
-                  <c:v>18</c:v>
-                </c:pt>
-                <c:pt idx="8">
-                  <c:v>21</c:v>
-                </c:pt>
-                <c:pt idx="9">
-                  <c:v>23</c:v>
-                </c:pt>
-                <c:pt idx="10">
-                  <c:v>26</c:v>
-                </c:pt>
-                <c:pt idx="11">
-                  <c:v>28</c:v>
-                </c:pt>
-                <c:pt idx="12">
-                  <c:v>31</c:v>
-                </c:pt>
-                <c:pt idx="13">
-                  <c:v>33</c:v>
-                </c:pt>
-                <c:pt idx="14">
-                  <c:v>35</c:v>
-                </c:pt>
-                <c:pt idx="15">
-                  <c:v>36</c:v>
-                </c:pt>
-                <c:pt idx="16">
-                  <c:v>38</c:v>
-                </c:pt>
-                <c:pt idx="17">
-                  <c:v>40</c:v>
-                </c:pt>
-                <c:pt idx="18">
-                  <c:v>42</c:v>
-                </c:pt>
-                <c:pt idx="19">
-                  <c:v>45</c:v>
-                </c:pt>
-                <c:pt idx="20">
-                  <c:v>47</c:v>
-                </c:pt>
-                <c:pt idx="21">
-                  <c:v>50</c:v>
-                </c:pt>
-                <c:pt idx="22">
-                  <c:v>52</c:v>
-                </c:pt>
-                <c:pt idx="23">
-                  <c:v>55</c:v>
-                </c:pt>
-                <c:pt idx="24">
-                  <c:v>57</c:v>
-                </c:pt>
-                <c:pt idx="25">
-                  <c:v>60</c:v>
-                </c:pt>
-                <c:pt idx="26">
-                  <c:v>62</c:v>
-                </c:pt>
-                <c:pt idx="27">
-                  <c:v>65</c:v>
-                </c:pt>
-                <c:pt idx="28">
-                  <c:v>67</c:v>
-                </c:pt>
-                <c:pt idx="29">
-                  <c:v>70</c:v>
-                </c:pt>
-                <c:pt idx="30">
-                  <c:v>72</c:v>
-                </c:pt>
-                <c:pt idx="31">
-                  <c:v>75</c:v>
-                </c:pt>
-                <c:pt idx="32">
-                  <c:v>77</c:v>
-                </c:pt>
-                <c:pt idx="33">
-                  <c:v>79</c:v>
-                </c:pt>
-                <c:pt idx="34">
-                  <c:v>80</c:v>
-                </c:pt>
-                <c:pt idx="35">
-                  <c:v>82</c:v>
-                </c:pt>
-                <c:pt idx="36">
-                  <c:v>84</c:v>
-                </c:pt>
-                <c:pt idx="37">
-                  <c:v>86</c:v>
-                </c:pt>
-                <c:pt idx="38">
-                  <c:v>89</c:v>
-                </c:pt>
-                <c:pt idx="39">
-                  <c:v>91</c:v>
-                </c:pt>
-                <c:pt idx="40">
-                  <c:v>94</c:v>
-                </c:pt>
-                <c:pt idx="41">
-                  <c:v>96</c:v>
-                </c:pt>
-                <c:pt idx="42">
-                  <c:v>99</c:v>
-                </c:pt>
-              </c:numCache>
-            </c:numRef>
+                  <c:v>4 GPUs</c:v>
+                </c:pt>
+              </c:strCache>
+            </c:strRef>
           </c:cat>
           <c:val>
             <c:numRef>
-              <c:f>Sheet1!$B$2:$B$44</c:f>
+              <c:f>Sheet1!$B$2:$B$5</c:f>
               <c:numCache>
                 <c:formatCode>General</c:formatCode>
-                <c:ptCount val="43"/>
+                <c:ptCount val="4"/>
                 <c:pt idx="0">
-                  <c:v>9.8339999999999996</c:v>
+                  <c:v>54.22</c:v>
                 </c:pt>
                 <c:pt idx="1">
-                  <c:v>9.7759999999999998</c:v>
+                  <c:v>28.39</c:v>
                 </c:pt>
                 <c:pt idx="2">
-                  <c:v>10.016</c:v>
+                  <c:v>19.98</c:v>
                 </c:pt>
                 <c:pt idx="3">
-                  <c:v>9.8480000000000008</c:v>
-                </c:pt>
-                <c:pt idx="4">
-                  <c:v>10.199</c:v>
-                </c:pt>
-                <c:pt idx="5">
-                  <c:v>9.8390000000000004</c:v>
-                </c:pt>
-                <c:pt idx="6">
-                  <c:v>9.7609999999999992</c:v>
-                </c:pt>
-                <c:pt idx="7">
-                  <c:v>9.8840000000000003</c:v>
-                </c:pt>
-                <c:pt idx="8">
-                  <c:v>10.081</c:v>
-                </c:pt>
-                <c:pt idx="9">
-                  <c:v>9.7379999999999995</c:v>
-                </c:pt>
-                <c:pt idx="10">
-                  <c:v>10.003</c:v>
-                </c:pt>
-                <c:pt idx="11">
-                  <c:v>9.7970000000000006</c:v>
-                </c:pt>
-                <c:pt idx="12">
-                  <c:v>9.9429999999999996</c:v>
-                </c:pt>
-                <c:pt idx="13">
-                  <c:v>9.8840000000000003</c:v>
-                </c:pt>
-                <c:pt idx="14">
-                  <c:v>12.096</c:v>
-                </c:pt>
-                <c:pt idx="15">
-                  <c:v>9.7899999999999991</c:v>
-                </c:pt>
-                <c:pt idx="16">
-                  <c:v>12.167</c:v>
-                </c:pt>
-                <c:pt idx="17">
-                  <c:v>9.923</c:v>
-                </c:pt>
-                <c:pt idx="18">
-                  <c:v>9.9760000000000009</c:v>
-                </c:pt>
-                <c:pt idx="19">
-                  <c:v>9.76</c:v>
-                </c:pt>
-                <c:pt idx="20">
-                  <c:v>9.8870000000000005</c:v>
-                </c:pt>
-                <c:pt idx="21">
-                  <c:v>9.8559999999999999</c:v>
-                </c:pt>
-                <c:pt idx="22">
-                  <c:v>10.026999999999999</c:v>
-                </c:pt>
-                <c:pt idx="23">
-                  <c:v>9.8699999999999992</c:v>
-                </c:pt>
-                <c:pt idx="24">
-                  <c:v>9.8539999999999992</c:v>
-                </c:pt>
-                <c:pt idx="25">
-                  <c:v>9.8780000000000001</c:v>
-                </c:pt>
-                <c:pt idx="26">
-                  <c:v>9.7970000000000006</c:v>
-                </c:pt>
-                <c:pt idx="27">
-                  <c:v>9.7940000000000005</c:v>
-                </c:pt>
-                <c:pt idx="28">
-                  <c:v>9.7379999999999995</c:v>
-                </c:pt>
-                <c:pt idx="29">
-                  <c:v>9.8279999999999994</c:v>
-                </c:pt>
-                <c:pt idx="30">
-                  <c:v>9.7639999999999993</c:v>
-                </c:pt>
-                <c:pt idx="31">
-                  <c:v>9.9570000000000007</c:v>
-                </c:pt>
-                <c:pt idx="32">
-                  <c:v>9.83</c:v>
-                </c:pt>
-                <c:pt idx="33">
-                  <c:v>12.007999999999999</c:v>
-                </c:pt>
-                <c:pt idx="34">
-                  <c:v>9.9090000000000007</c:v>
-                </c:pt>
-                <c:pt idx="35">
-                  <c:v>12.151</c:v>
-                </c:pt>
-                <c:pt idx="36">
-                  <c:v>9.9280000000000008</c:v>
-                </c:pt>
-                <c:pt idx="37">
-                  <c:v>9.8510000000000009</c:v>
-                </c:pt>
-                <c:pt idx="38">
-                  <c:v>9.9179999999999993</c:v>
-                </c:pt>
-                <c:pt idx="39">
-                  <c:v>9.9689999999999994</c:v>
-                </c:pt>
-                <c:pt idx="40">
-                  <c:v>9.8249999999999993</c:v>
-                </c:pt>
-                <c:pt idx="41">
-                  <c:v>9.8369999999999997</c:v>
-                </c:pt>
-                <c:pt idx="42">
-                  <c:v>9.9600000000000009</c:v>
+                  <c:v>15.24</c:v>
                 </c:pt>
               </c:numCache>
             </c:numRef>
@@ -1296,7 +855,7 @@
           <c:smooth val="0"/>
           <c:extLst>
             <c:ext xmlns:c16="http://schemas.microsoft.com/office/drawing/2014/chart" uri="{C3380CC4-5D6E-409C-BE32-E72D297353CC}">
-              <c16:uniqueId val="{00000000-5B50-154B-ADB2-3C832461EB27}"/>
+              <c16:uniqueId val="{00000000-99C7-6D4F-8DF0-D5E80FE25449}"/>
             </c:ext>
           </c:extLst>
         </c:ser>
@@ -1309,7 +868,7 @@
               <c:strCache>
                 <c:ptCount val="1"/>
                 <c:pt idx="0">
-                  <c:v>OpenMP</c:v>
+                  <c:v>Pipeline</c:v>
                 </c:pt>
               </c:strCache>
             </c:strRef>
@@ -1317,7 +876,9 @@
           <c:spPr>
             <a:ln w="28575" cap="rnd">
               <a:solidFill>
-                <a:schemeClr val="accent2"/>
+                <a:schemeClr val="accent2">
+                  <a:alpha val="70000"/>
+                </a:schemeClr>
               </a:solidFill>
               <a:round/>
             </a:ln>
@@ -1325,291 +886,60 @@
           </c:spPr>
           <c:marker>
             <c:symbol val="circle"/>
-            <c:size val="5"/>
+            <c:size val="6"/>
             <c:spPr>
               <a:solidFill>
-                <a:schemeClr val="accent2"/>
+                <a:schemeClr val="accent2">
+                  <a:alpha val="70000"/>
+                </a:schemeClr>
               </a:solidFill>
-              <a:ln w="9525">
+              <a:ln>
                 <a:solidFill>
-                  <a:schemeClr val="accent2"/>
+                  <a:schemeClr val="accent2">
+                    <a:lumMod val="75000"/>
+                  </a:schemeClr>
                 </a:solidFill>
               </a:ln>
               <a:effectLst/>
             </c:spPr>
           </c:marker>
           <c:cat>
-            <c:numRef>
-              <c:f>Sheet1!$A$2:$A$44</c:f>
-              <c:numCache>
-                <c:formatCode>General</c:formatCode>
-                <c:ptCount val="43"/>
+            <c:strRef>
+              <c:f>Sheet1!$A$2:$A$5</c:f>
+              <c:strCache>
+                <c:ptCount val="4"/>
                 <c:pt idx="0">
-                  <c:v>1</c:v>
+                  <c:v>1 GPU</c:v>
                 </c:pt>
                 <c:pt idx="1">
-                  <c:v>3</c:v>
+                  <c:v>2 GPUs</c:v>
                 </c:pt>
                 <c:pt idx="2">
-                  <c:v>6</c:v>
+                  <c:v>3 GPUs</c:v>
                 </c:pt>
                 <c:pt idx="3">
-                  <c:v>8</c:v>
-                </c:pt>
-                <c:pt idx="4">
-                  <c:v>11</c:v>
-                </c:pt>
-                <c:pt idx="5">
-                  <c:v>13</c:v>
-                </c:pt>
-                <c:pt idx="6">
-                  <c:v>16</c:v>
-                </c:pt>
-                <c:pt idx="7">
-                  <c:v>18</c:v>
-                </c:pt>
-                <c:pt idx="8">
-                  <c:v>21</c:v>
-                </c:pt>
-                <c:pt idx="9">
-                  <c:v>23</c:v>
-                </c:pt>
-                <c:pt idx="10">
-                  <c:v>26</c:v>
-                </c:pt>
-                <c:pt idx="11">
-                  <c:v>28</c:v>
-                </c:pt>
-                <c:pt idx="12">
-                  <c:v>31</c:v>
-                </c:pt>
-                <c:pt idx="13">
-                  <c:v>33</c:v>
-                </c:pt>
-                <c:pt idx="14">
-                  <c:v>35</c:v>
-                </c:pt>
-                <c:pt idx="15">
-                  <c:v>36</c:v>
-                </c:pt>
-                <c:pt idx="16">
-                  <c:v>38</c:v>
-                </c:pt>
-                <c:pt idx="17">
-                  <c:v>40</c:v>
-                </c:pt>
-                <c:pt idx="18">
-                  <c:v>42</c:v>
-                </c:pt>
-                <c:pt idx="19">
-                  <c:v>45</c:v>
-                </c:pt>
-                <c:pt idx="20">
-                  <c:v>47</c:v>
-                </c:pt>
-                <c:pt idx="21">
-                  <c:v>50</c:v>
-                </c:pt>
-                <c:pt idx="22">
-                  <c:v>52</c:v>
-                </c:pt>
-                <c:pt idx="23">
-                  <c:v>55</c:v>
-                </c:pt>
-                <c:pt idx="24">
-                  <c:v>57</c:v>
-                </c:pt>
-                <c:pt idx="25">
-                  <c:v>60</c:v>
-                </c:pt>
-                <c:pt idx="26">
-                  <c:v>62</c:v>
-                </c:pt>
-                <c:pt idx="27">
-                  <c:v>65</c:v>
-                </c:pt>
-                <c:pt idx="28">
-                  <c:v>67</c:v>
-                </c:pt>
-                <c:pt idx="29">
-                  <c:v>70</c:v>
-                </c:pt>
-                <c:pt idx="30">
-                  <c:v>72</c:v>
-                </c:pt>
-                <c:pt idx="31">
-                  <c:v>75</c:v>
-                </c:pt>
-                <c:pt idx="32">
-                  <c:v>77</c:v>
-                </c:pt>
-                <c:pt idx="33">
-                  <c:v>79</c:v>
-                </c:pt>
-                <c:pt idx="34">
-                  <c:v>80</c:v>
-                </c:pt>
-                <c:pt idx="35">
-                  <c:v>82</c:v>
-                </c:pt>
-                <c:pt idx="36">
-                  <c:v>84</c:v>
-                </c:pt>
-                <c:pt idx="37">
-                  <c:v>86</c:v>
-                </c:pt>
-                <c:pt idx="38">
-                  <c:v>89</c:v>
-                </c:pt>
-                <c:pt idx="39">
-                  <c:v>91</c:v>
-                </c:pt>
-                <c:pt idx="40">
-                  <c:v>94</c:v>
-                </c:pt>
-                <c:pt idx="41">
-                  <c:v>96</c:v>
-                </c:pt>
-                <c:pt idx="42">
-                  <c:v>99</c:v>
-                </c:pt>
-              </c:numCache>
-            </c:numRef>
+                  <c:v>4 GPUs</c:v>
+                </c:pt>
+              </c:strCache>
+            </c:strRef>
           </c:cat>
           <c:val>
             <c:numRef>
-              <c:f>Sheet1!$C$2:$C$44</c:f>
+              <c:f>Sheet1!$C$2:$C$5</c:f>
               <c:numCache>
                 <c:formatCode>General</c:formatCode>
-                <c:ptCount val="43"/>
+                <c:ptCount val="4"/>
                 <c:pt idx="0">
-                  <c:v>17.783999999999999</c:v>
+                  <c:v>91.04</c:v>
                 </c:pt>
                 <c:pt idx="1">
-                  <c:v>18.896999999999998</c:v>
+                  <c:v>50</c:v>
                 </c:pt>
                 <c:pt idx="2">
-                  <c:v>20.721</c:v>
+                  <c:v>33.380000000000003</c:v>
                 </c:pt>
                 <c:pt idx="3">
-                  <c:v>20.707999999999998</c:v>
-                </c:pt>
-                <c:pt idx="4">
-                  <c:v>17.768000000000001</c:v>
-                </c:pt>
-                <c:pt idx="5">
-                  <c:v>17.82</c:v>
-                </c:pt>
-                <c:pt idx="6">
-                  <c:v>19.908000000000001</c:v>
-                </c:pt>
-                <c:pt idx="7">
-                  <c:v>18.795000000000002</c:v>
-                </c:pt>
-                <c:pt idx="8">
-                  <c:v>18.312000000000001</c:v>
-                </c:pt>
-                <c:pt idx="9">
-                  <c:v>19.731999999999999</c:v>
-                </c:pt>
-                <c:pt idx="10">
-                  <c:v>19.204000000000001</c:v>
-                </c:pt>
-                <c:pt idx="11">
-                  <c:v>19.771000000000001</c:v>
-                </c:pt>
-                <c:pt idx="12">
-                  <c:v>24.321000000000002</c:v>
-                </c:pt>
-                <c:pt idx="13">
-                  <c:v>16.661000000000001</c:v>
-                </c:pt>
-                <c:pt idx="14">
-                  <c:v>21.940999999999999</c:v>
-                </c:pt>
-                <c:pt idx="15">
-                  <c:v>16.873999999999999</c:v>
-                </c:pt>
-                <c:pt idx="16">
-                  <c:v>25.074999999999999</c:v>
-                </c:pt>
-                <c:pt idx="17">
-                  <c:v>18.827999999999999</c:v>
-                </c:pt>
-                <c:pt idx="18">
-                  <c:v>17.611999999999998</c:v>
-                </c:pt>
-                <c:pt idx="19">
-                  <c:v>19.616</c:v>
-                </c:pt>
-                <c:pt idx="20">
-                  <c:v>19.713999999999999</c:v>
-                </c:pt>
-                <c:pt idx="21">
-                  <c:v>18.298999999999999</c:v>
-                </c:pt>
-                <c:pt idx="22">
-                  <c:v>20.988</c:v>
-                </c:pt>
-                <c:pt idx="23">
-                  <c:v>18.552</c:v>
-                </c:pt>
-                <c:pt idx="24">
-                  <c:v>19.648</c:v>
-                </c:pt>
-                <c:pt idx="25">
-                  <c:v>18.838000000000001</c:v>
-                </c:pt>
-                <c:pt idx="26">
-                  <c:v>19.844000000000001</c:v>
-                </c:pt>
-                <c:pt idx="27">
-                  <c:v>18.436</c:v>
-                </c:pt>
-                <c:pt idx="28">
-                  <c:v>19.542999999999999</c:v>
-                </c:pt>
-                <c:pt idx="29">
-                  <c:v>19.701000000000001</c:v>
-                </c:pt>
-                <c:pt idx="30">
-                  <c:v>19.623000000000001</c:v>
-                </c:pt>
-                <c:pt idx="31">
-                  <c:v>19.181999999999999</c:v>
-                </c:pt>
-                <c:pt idx="32">
-                  <c:v>17.904</c:v>
-                </c:pt>
-                <c:pt idx="33">
-                  <c:v>24.768000000000001</c:v>
-                </c:pt>
-                <c:pt idx="34">
-                  <c:v>25.89</c:v>
-                </c:pt>
-                <c:pt idx="35">
-                  <c:v>23.69</c:v>
-                </c:pt>
-                <c:pt idx="36">
-                  <c:v>19.652000000000001</c:v>
-                </c:pt>
-                <c:pt idx="37">
-                  <c:v>19.045999999999999</c:v>
-                </c:pt>
-                <c:pt idx="38">
-                  <c:v>21.164000000000001</c:v>
-                </c:pt>
-                <c:pt idx="39">
-                  <c:v>19.116</c:v>
-                </c:pt>
-                <c:pt idx="40">
-                  <c:v>22.748000000000001</c:v>
-                </c:pt>
-                <c:pt idx="41">
-                  <c:v>30.562999999999999</c:v>
-                </c:pt>
-                <c:pt idx="42">
-                  <c:v>22.992999999999999</c:v>
+                  <c:v>27.01</c:v>
                 </c:pt>
               </c:numCache>
             </c:numRef>
@@ -1617,7 +947,7 @@
           <c:smooth val="0"/>
           <c:extLst>
             <c:ext xmlns:c16="http://schemas.microsoft.com/office/drawing/2014/chart" uri="{C3380CC4-5D6E-409C-BE32-E72D297353CC}">
-              <c16:uniqueId val="{00000001-5B50-154B-ADB2-3C832461EB27}"/>
+              <c16:uniqueId val="{00000001-99C7-6D4F-8DF0-D5E80FE25449}"/>
             </c:ext>
           </c:extLst>
         </c:ser>
@@ -1631,79 +961,24 @@
         </c:dLbls>
         <c:marker val="1"/>
         <c:smooth val="0"/>
-        <c:axId val="1383275920"/>
-        <c:axId val="1424055584"/>
+        <c:axId val="1381742352"/>
+        <c:axId val="1381743984"/>
       </c:lineChart>
-      <c:dateAx>
-        <c:axId val="1383275920"/>
+      <c:catAx>
+        <c:axId val="1381742352"/>
         <c:scaling>
           <c:orientation val="minMax"/>
         </c:scaling>
         <c:delete val="0"/>
         <c:axPos val="b"/>
-        <c:title>
-          <c:tx>
-            <c:rich>
-              <a:bodyPr rot="0" spcFirstLastPara="1" vertOverflow="ellipsis" vert="horz" wrap="square" anchor="ctr" anchorCtr="1"/>
-              <a:lstStyle/>
-              <a:p>
-                <a:pPr>
-                  <a:defRPr sz="1330" b="0" i="0" u="none" strike="noStrike" kern="1200" baseline="0">
-                    <a:solidFill>
-                      <a:schemeClr val="tx1"/>
-                    </a:solidFill>
-                    <a:latin typeface="Times" pitchFamily="2" charset="0"/>
-                    <a:ea typeface="+mn-ea"/>
-                    <a:cs typeface="+mn-cs"/>
-                  </a:defRPr>
-                </a:pPr>
-                <a:r>
-                  <a:rPr lang="en-US"/>
-                  <a:t>Incremental Timing Iteration</a:t>
-                </a:r>
-              </a:p>
-            </c:rich>
-          </c:tx>
-          <c:overlay val="0"/>
-          <c:spPr>
-            <a:noFill/>
-            <a:ln>
-              <a:noFill/>
-            </a:ln>
-            <a:effectLst/>
-          </c:spPr>
-          <c:txPr>
-            <a:bodyPr rot="0" spcFirstLastPara="1" vertOverflow="ellipsis" vert="horz" wrap="square" anchor="ctr" anchorCtr="1"/>
-            <a:lstStyle/>
-            <a:p>
-              <a:pPr>
-                <a:defRPr sz="1330" b="0" i="0" u="none" strike="noStrike" kern="1200" baseline="0">
-                  <a:solidFill>
-                    <a:schemeClr val="tx1"/>
-                  </a:solidFill>
-                  <a:latin typeface="Times" pitchFamily="2" charset="0"/>
-                  <a:ea typeface="+mn-ea"/>
-                  <a:cs typeface="+mn-cs"/>
-                </a:defRPr>
-              </a:pPr>
-              <a:endParaRPr lang="en-US"/>
-            </a:p>
-          </c:txPr>
-        </c:title>
         <c:numFmt formatCode="General" sourceLinked="1"/>
         <c:majorTickMark val="none"/>
         <c:minorTickMark val="none"/>
         <c:tickLblPos val="nextTo"/>
         <c:spPr>
           <a:noFill/>
-          <a:ln w="9525" cap="flat" cmpd="sng" algn="ctr">
-            <a:solidFill>
-              <a:schemeClr val="tx1">
-                <a:lumMod val="15000"/>
-                <a:lumOff val="85000"/>
-              </a:schemeClr>
-            </a:solidFill>
-            <a:round/>
+          <a:ln>
+            <a:noFill/>
           </a:ln>
           <a:effectLst/>
         </c:spPr>
@@ -1724,14 +999,15 @@
             <a:endParaRPr lang="en-US"/>
           </a:p>
         </c:txPr>
-        <c:crossAx val="1424055584"/>
+        <c:crossAx val="1381743984"/>
         <c:crosses val="autoZero"/>
-        <c:auto val="0"/>
+        <c:auto val="1"/>
+        <c:lblAlgn val="ctr"/>
         <c:lblOffset val="100"/>
-        <c:baseTimeUnit val="days"/>
-      </c:dateAx>
+        <c:noMultiLvlLbl val="0"/>
+      </c:catAx>
       <c:valAx>
-        <c:axId val="1424055584"/>
+        <c:axId val="1381743984"/>
         <c:scaling>
           <c:orientation val="minMax"/>
         </c:scaling>
@@ -1742,8 +1018,8 @@
             <a:ln w="9525" cap="flat" cmpd="sng" algn="ctr">
               <a:solidFill>
                 <a:schemeClr val="tx1">
-                  <a:lumMod val="15000"/>
-                  <a:lumOff val="85000"/>
+                  <a:lumMod val="5000"/>
+                  <a:lumOff val="95000"/>
                 </a:schemeClr>
               </a:solidFill>
               <a:round/>
@@ -1758,7 +1034,7 @@
               <a:lstStyle/>
               <a:p>
                 <a:pPr>
-                  <a:defRPr sz="1330" b="0" i="0" u="none" strike="noStrike" kern="1200" baseline="0">
+                  <a:defRPr sz="1197" b="0" i="0" u="none" strike="noStrike" kern="1200" baseline="0">
                     <a:solidFill>
                       <a:schemeClr val="tx1"/>
                     </a:solidFill>
@@ -1769,11 +1045,19 @@
                 </a:pPr>
                 <a:r>
                   <a:rPr lang="en-US"/>
-                  <a:t>Runtime (ms)</a:t>
+                  <a:t>Runtime (s)</a:t>
                 </a:r>
               </a:p>
             </c:rich>
           </c:tx>
+          <c:layout>
+            <c:manualLayout>
+              <c:xMode val="edge"/>
+              <c:yMode val="edge"/>
+              <c:x val="5.0751070218034211E-2"/>
+              <c:y val="0.36132459120950017"/>
+            </c:manualLayout>
+          </c:layout>
           <c:overlay val="0"/>
           <c:spPr>
             <a:noFill/>
@@ -1787,7 +1071,7 @@
             <a:lstStyle/>
             <a:p>
               <a:pPr>
-                <a:defRPr sz="1330" b="0" i="0" u="none" strike="noStrike" kern="1200" baseline="0">
+                <a:defRPr sz="1197" b="0" i="0" u="none" strike="noStrike" kern="1200" baseline="0">
                   <a:solidFill>
                     <a:schemeClr val="tx1"/>
                   </a:solidFill>
@@ -1828,7 +1112,7 @@
             <a:endParaRPr lang="en-US"/>
           </a:p>
         </c:txPr>
-        <c:crossAx val="1383275920"/>
+        <c:crossAx val="1381742352"/>
         <c:crosses val="autoZero"/>
         <c:crossBetween val="between"/>
       </c:valAx>
@@ -1928,7 +1212,7 @@
           <a:lstStyle/>
           <a:p>
             <a:pPr>
-              <a:defRPr sz="1862" b="0" i="0" u="none" strike="noStrike" kern="1200" spc="0" baseline="0">
+              <a:defRPr sz="2128" b="0" i="0" u="none" strike="noStrike" kern="1200" cap="none" spc="50" baseline="0">
                 <a:solidFill>
                   <a:schemeClr val="tx1"/>
                 </a:solidFill>
@@ -1938,14 +1222,14 @@
               </a:defRPr>
             </a:pPr>
             <a:r>
-              <a:rPr lang="en-US" dirty="0" err="1"/>
-              <a:t>netcard</a:t>
+              <a:rPr lang="en-US" dirty="0">
+                <a:solidFill>
+                  <a:schemeClr val="tx1"/>
+                </a:solidFill>
+                <a:latin typeface="Times" pitchFamily="2" charset="0"/>
+              </a:rPr>
+              <a:t>Graph Traversal</a:t>
             </a:r>
-            <a:r>
-              <a:rPr lang="en-US" baseline="0" dirty="0"/>
-              <a:t> (8M tasks)</a:t>
-            </a:r>
-            <a:endParaRPr lang="en-US" dirty="0"/>
           </a:p>
         </c:rich>
       </c:tx>
@@ -1962,7 +1246,7 @@
         <a:lstStyle/>
         <a:p>
           <a:pPr>
-            <a:defRPr sz="1862" b="0" i="0" u="none" strike="noStrike" kern="1200" spc="0" baseline="0">
+            <a:defRPr sz="2128" b="0" i="0" u="none" strike="noStrike" kern="1200" cap="none" spc="50" baseline="0">
               <a:solidFill>
                 <a:schemeClr val="tx1"/>
               </a:solidFill>
@@ -1998,7 +1282,9 @@
           <c:spPr>
             <a:ln w="28575" cap="rnd">
               <a:solidFill>
-                <a:schemeClr val="accent1"/>
+                <a:schemeClr val="accent1">
+                  <a:alpha val="70000"/>
+                </a:schemeClr>
               </a:solidFill>
               <a:round/>
             </a:ln>
@@ -2006,14 +1292,18 @@
           </c:spPr>
           <c:marker>
             <c:symbol val="circle"/>
-            <c:size val="5"/>
+            <c:size val="6"/>
             <c:spPr>
               <a:solidFill>
-                <a:schemeClr val="accent1"/>
+                <a:schemeClr val="accent1">
+                  <a:alpha val="70000"/>
+                </a:schemeClr>
               </a:solidFill>
-              <a:ln w="9525">
+              <a:ln>
                 <a:solidFill>
-                  <a:schemeClr val="accent1"/>
+                  <a:schemeClr val="accent1">
+                    <a:lumMod val="75000"/>
+                  </a:schemeClr>
                 </a:solidFill>
               </a:ln>
               <a:effectLst/>
@@ -2021,78 +1311,144 @@
           </c:marker>
           <c:cat>
             <c:numRef>
-              <c:f>Sheet1!$A$2:$A$11</c:f>
+              <c:f>Sheet1!$A$2:$A$22</c:f>
               <c:numCache>
                 <c:formatCode>General</c:formatCode>
-                <c:ptCount val="10"/>
+                <c:ptCount val="21"/>
                 <c:pt idx="0">
-                  <c:v>1</c:v>
+                  <c:v>50</c:v>
                 </c:pt>
                 <c:pt idx="1">
-                  <c:v>4</c:v>
+                  <c:v>5050</c:v>
                 </c:pt>
                 <c:pt idx="2">
-                  <c:v>8</c:v>
+                  <c:v>10050</c:v>
                 </c:pt>
                 <c:pt idx="3">
-                  <c:v>16</c:v>
+                  <c:v>15050</c:v>
                 </c:pt>
                 <c:pt idx="4">
-                  <c:v>24</c:v>
+                  <c:v>20050</c:v>
                 </c:pt>
                 <c:pt idx="5">
-                  <c:v>32</c:v>
+                  <c:v>25050</c:v>
                 </c:pt>
                 <c:pt idx="6">
-                  <c:v>40</c:v>
+                  <c:v>30050</c:v>
                 </c:pt>
                 <c:pt idx="7">
-                  <c:v>48</c:v>
+                  <c:v>35050</c:v>
                 </c:pt>
                 <c:pt idx="8">
-                  <c:v>56</c:v>
+                  <c:v>40050</c:v>
                 </c:pt>
                 <c:pt idx="9">
-                  <c:v>64</c:v>
+                  <c:v>45050</c:v>
+                </c:pt>
+                <c:pt idx="10">
+                  <c:v>50050</c:v>
+                </c:pt>
+                <c:pt idx="11">
+                  <c:v>55050</c:v>
+                </c:pt>
+                <c:pt idx="12">
+                  <c:v>60050</c:v>
+                </c:pt>
+                <c:pt idx="13">
+                  <c:v>65050</c:v>
+                </c:pt>
+                <c:pt idx="14">
+                  <c:v>70050</c:v>
+                </c:pt>
+                <c:pt idx="15">
+                  <c:v>75050</c:v>
+                </c:pt>
+                <c:pt idx="16">
+                  <c:v>80050</c:v>
+                </c:pt>
+                <c:pt idx="17">
+                  <c:v>85050</c:v>
+                </c:pt>
+                <c:pt idx="18">
+                  <c:v>90050</c:v>
+                </c:pt>
+                <c:pt idx="19">
+                  <c:v>95050</c:v>
+                </c:pt>
+                <c:pt idx="20">
+                  <c:v>100050</c:v>
                 </c:pt>
               </c:numCache>
             </c:numRef>
           </c:cat>
           <c:val>
             <c:numRef>
-              <c:f>Sheet1!$B$2:$B$11</c:f>
+              <c:f>Sheet1!$B$2:$B$22</c:f>
               <c:numCache>
                 <c:formatCode>General</c:formatCode>
-                <c:ptCount val="10"/>
+                <c:ptCount val="21"/>
                 <c:pt idx="0">
-                  <c:v>158.44</c:v>
+                  <c:v>6.9269999999999996</c:v>
                 </c:pt>
                 <c:pt idx="1">
-                  <c:v>55.87</c:v>
+                  <c:v>236.239</c:v>
                 </c:pt>
                 <c:pt idx="2">
-                  <c:v>30.13</c:v>
+                  <c:v>440.86500000000001</c:v>
                 </c:pt>
                 <c:pt idx="3">
-                  <c:v>19.78</c:v>
+                  <c:v>582.00599999999997</c:v>
                 </c:pt>
                 <c:pt idx="4">
-                  <c:v>20.04</c:v>
+                  <c:v>822.15200000000004</c:v>
                 </c:pt>
                 <c:pt idx="5">
-                  <c:v>15.68</c:v>
+                  <c:v>878.21600000000001</c:v>
                 </c:pt>
                 <c:pt idx="6">
-                  <c:v>15.07</c:v>
+                  <c:v>995.86599999999999</c:v>
                 </c:pt>
                 <c:pt idx="7">
-                  <c:v>16.75</c:v>
+                  <c:v>1338.98</c:v>
                 </c:pt>
                 <c:pt idx="8">
-                  <c:v>14.98</c:v>
+                  <c:v>1600.2</c:v>
                 </c:pt>
                 <c:pt idx="9">
-                  <c:v>15.83</c:v>
+                  <c:v>1891.36</c:v>
+                </c:pt>
+                <c:pt idx="10">
+                  <c:v>2021.64</c:v>
+                </c:pt>
+                <c:pt idx="11">
+                  <c:v>1934.49</c:v>
+                </c:pt>
+                <c:pt idx="12">
+                  <c:v>2276.7199999999998</c:v>
+                </c:pt>
+                <c:pt idx="13">
+                  <c:v>2519.66</c:v>
+                </c:pt>
+                <c:pt idx="14">
+                  <c:v>2687.71</c:v>
+                </c:pt>
+                <c:pt idx="15">
+                  <c:v>2766.43</c:v>
+                </c:pt>
+                <c:pt idx="16">
+                  <c:v>2959.14</c:v>
+                </c:pt>
+                <c:pt idx="17">
+                  <c:v>3209.2</c:v>
+                </c:pt>
+                <c:pt idx="18">
+                  <c:v>3380.51</c:v>
+                </c:pt>
+                <c:pt idx="19">
+                  <c:v>3780.88</c:v>
+                </c:pt>
+                <c:pt idx="20">
+                  <c:v>3752.4</c:v>
                 </c:pt>
               </c:numCache>
             </c:numRef>
@@ -2100,7 +1456,7 @@
           <c:smooth val="0"/>
           <c:extLst>
             <c:ext xmlns:c16="http://schemas.microsoft.com/office/drawing/2014/chart" uri="{C3380CC4-5D6E-409C-BE32-E72D297353CC}">
-              <c16:uniqueId val="{00000000-E556-EC42-AF41-4F4208614D70}"/>
+              <c16:uniqueId val="{00000000-DDD0-A74E-B649-604842130B57}"/>
             </c:ext>
           </c:extLst>
         </c:ser>
@@ -2113,7 +1469,7 @@
               <c:strCache>
                 <c:ptCount val="1"/>
                 <c:pt idx="0">
-                  <c:v>OpenMP</c:v>
+                  <c:v>TBB</c:v>
                 </c:pt>
               </c:strCache>
             </c:strRef>
@@ -2121,7 +1477,9 @@
           <c:spPr>
             <a:ln w="28575" cap="rnd">
               <a:solidFill>
-                <a:schemeClr val="accent2"/>
+                <a:schemeClr val="accent2">
+                  <a:alpha val="70000"/>
+                </a:schemeClr>
               </a:solidFill>
               <a:round/>
             </a:ln>
@@ -2129,14 +1487,18 @@
           </c:spPr>
           <c:marker>
             <c:symbol val="circle"/>
-            <c:size val="5"/>
+            <c:size val="6"/>
             <c:spPr>
               <a:solidFill>
-                <a:schemeClr val="accent2"/>
+                <a:schemeClr val="accent2">
+                  <a:alpha val="70000"/>
+                </a:schemeClr>
               </a:solidFill>
-              <a:ln w="9525">
+              <a:ln>
                 <a:solidFill>
-                  <a:schemeClr val="accent2"/>
+                  <a:schemeClr val="accent2">
+                    <a:lumMod val="75000"/>
+                  </a:schemeClr>
                 </a:solidFill>
               </a:ln>
               <a:effectLst/>
@@ -2144,78 +1506,144 @@
           </c:marker>
           <c:cat>
             <c:numRef>
-              <c:f>Sheet1!$A$2:$A$11</c:f>
+              <c:f>Sheet1!$A$2:$A$22</c:f>
               <c:numCache>
                 <c:formatCode>General</c:formatCode>
-                <c:ptCount val="10"/>
+                <c:ptCount val="21"/>
                 <c:pt idx="0">
-                  <c:v>1</c:v>
+                  <c:v>50</c:v>
                 </c:pt>
                 <c:pt idx="1">
-                  <c:v>4</c:v>
+                  <c:v>5050</c:v>
                 </c:pt>
                 <c:pt idx="2">
-                  <c:v>8</c:v>
+                  <c:v>10050</c:v>
                 </c:pt>
                 <c:pt idx="3">
-                  <c:v>16</c:v>
+                  <c:v>15050</c:v>
                 </c:pt>
                 <c:pt idx="4">
-                  <c:v>24</c:v>
+                  <c:v>20050</c:v>
                 </c:pt>
                 <c:pt idx="5">
-                  <c:v>32</c:v>
+                  <c:v>25050</c:v>
                 </c:pt>
                 <c:pt idx="6">
-                  <c:v>40</c:v>
+                  <c:v>30050</c:v>
                 </c:pt>
                 <c:pt idx="7">
-                  <c:v>48</c:v>
+                  <c:v>35050</c:v>
                 </c:pt>
                 <c:pt idx="8">
-                  <c:v>56</c:v>
+                  <c:v>40050</c:v>
                 </c:pt>
                 <c:pt idx="9">
-                  <c:v>64</c:v>
+                  <c:v>45050</c:v>
+                </c:pt>
+                <c:pt idx="10">
+                  <c:v>50050</c:v>
+                </c:pt>
+                <c:pt idx="11">
+                  <c:v>55050</c:v>
+                </c:pt>
+                <c:pt idx="12">
+                  <c:v>60050</c:v>
+                </c:pt>
+                <c:pt idx="13">
+                  <c:v>65050</c:v>
+                </c:pt>
+                <c:pt idx="14">
+                  <c:v>70050</c:v>
+                </c:pt>
+                <c:pt idx="15">
+                  <c:v>75050</c:v>
+                </c:pt>
+                <c:pt idx="16">
+                  <c:v>80050</c:v>
+                </c:pt>
+                <c:pt idx="17">
+                  <c:v>85050</c:v>
+                </c:pt>
+                <c:pt idx="18">
+                  <c:v>90050</c:v>
+                </c:pt>
+                <c:pt idx="19">
+                  <c:v>95050</c:v>
+                </c:pt>
+                <c:pt idx="20">
+                  <c:v>100050</c:v>
                 </c:pt>
               </c:numCache>
             </c:numRef>
           </c:cat>
           <c:val>
             <c:numRef>
-              <c:f>Sheet1!$C$2:$C$11</c:f>
+              <c:f>Sheet1!$C$2:$C$22</c:f>
               <c:numCache>
                 <c:formatCode>General</c:formatCode>
-                <c:ptCount val="10"/>
+                <c:ptCount val="21"/>
                 <c:pt idx="0">
-                  <c:v>153.65</c:v>
+                  <c:v>5.2843999999999998</c:v>
                 </c:pt>
                 <c:pt idx="1">
-                  <c:v>98.89</c:v>
+                  <c:v>324.41899999999998</c:v>
                 </c:pt>
                 <c:pt idx="2">
-                  <c:v>51.22</c:v>
+                  <c:v>629.94799999999998</c:v>
                 </c:pt>
                 <c:pt idx="3">
-                  <c:v>35.43</c:v>
+                  <c:v>882.82399999999996</c:v>
                 </c:pt>
                 <c:pt idx="4">
-                  <c:v>36.86</c:v>
+                  <c:v>1206.95</c:v>
                 </c:pt>
                 <c:pt idx="5">
-                  <c:v>34.229999999999997</c:v>
+                  <c:v>1516.82</c:v>
                 </c:pt>
                 <c:pt idx="6">
-                  <c:v>33.229999999999997</c:v>
+                  <c:v>1781.32</c:v>
                 </c:pt>
                 <c:pt idx="7">
-                  <c:v>32.17</c:v>
+                  <c:v>2088.06</c:v>
                 </c:pt>
                 <c:pt idx="8">
-                  <c:v>31.54</c:v>
+                  <c:v>2410.3200000000002</c:v>
                 </c:pt>
                 <c:pt idx="9">
-                  <c:v>32.14</c:v>
+                  <c:v>2751.55</c:v>
+                </c:pt>
+                <c:pt idx="10">
+                  <c:v>2991.46</c:v>
+                </c:pt>
+                <c:pt idx="11">
+                  <c:v>3266.34</c:v>
+                </c:pt>
+                <c:pt idx="12">
+                  <c:v>3618.54</c:v>
+                </c:pt>
+                <c:pt idx="13">
+                  <c:v>3989.31</c:v>
+                </c:pt>
+                <c:pt idx="14">
+                  <c:v>4226.8599999999997</c:v>
+                </c:pt>
+                <c:pt idx="15">
+                  <c:v>4529.08</c:v>
+                </c:pt>
+                <c:pt idx="16">
+                  <c:v>4828.26</c:v>
+                </c:pt>
+                <c:pt idx="17">
+                  <c:v>5154.9799999999996</c:v>
+                </c:pt>
+                <c:pt idx="18">
+                  <c:v>5437.16</c:v>
+                </c:pt>
+                <c:pt idx="19">
+                  <c:v>5821.86</c:v>
+                </c:pt>
+                <c:pt idx="20">
+                  <c:v>6068.11</c:v>
                 </c:pt>
               </c:numCache>
             </c:numRef>
@@ -2223,7 +1651,397 @@
           <c:smooth val="0"/>
           <c:extLst>
             <c:ext xmlns:c16="http://schemas.microsoft.com/office/drawing/2014/chart" uri="{C3380CC4-5D6E-409C-BE32-E72D297353CC}">
-              <c16:uniqueId val="{00000001-E556-EC42-AF41-4F4208614D70}"/>
+              <c16:uniqueId val="{00000001-DDD0-A74E-B649-604842130B57}"/>
+            </c:ext>
+          </c:extLst>
+        </c:ser>
+        <c:ser>
+          <c:idx val="2"/>
+          <c:order val="2"/>
+          <c:tx>
+            <c:strRef>
+              <c:f>Sheet1!$D$1</c:f>
+              <c:strCache>
+                <c:ptCount val="1"/>
+                <c:pt idx="0">
+                  <c:v>StarPU</c:v>
+                </c:pt>
+              </c:strCache>
+            </c:strRef>
+          </c:tx>
+          <c:spPr>
+            <a:ln w="28575" cap="rnd">
+              <a:solidFill>
+                <a:schemeClr val="accent3">
+                  <a:alpha val="70000"/>
+                </a:schemeClr>
+              </a:solidFill>
+              <a:round/>
+            </a:ln>
+            <a:effectLst/>
+          </c:spPr>
+          <c:marker>
+            <c:symbol val="circle"/>
+            <c:size val="6"/>
+            <c:spPr>
+              <a:solidFill>
+                <a:schemeClr val="accent3">
+                  <a:alpha val="70000"/>
+                </a:schemeClr>
+              </a:solidFill>
+              <a:ln>
+                <a:solidFill>
+                  <a:schemeClr val="accent3">
+                    <a:lumMod val="75000"/>
+                  </a:schemeClr>
+                </a:solidFill>
+              </a:ln>
+              <a:effectLst/>
+            </c:spPr>
+          </c:marker>
+          <c:cat>
+            <c:numRef>
+              <c:f>Sheet1!$A$2:$A$22</c:f>
+              <c:numCache>
+                <c:formatCode>General</c:formatCode>
+                <c:ptCount val="21"/>
+                <c:pt idx="0">
+                  <c:v>50</c:v>
+                </c:pt>
+                <c:pt idx="1">
+                  <c:v>5050</c:v>
+                </c:pt>
+                <c:pt idx="2">
+                  <c:v>10050</c:v>
+                </c:pt>
+                <c:pt idx="3">
+                  <c:v>15050</c:v>
+                </c:pt>
+                <c:pt idx="4">
+                  <c:v>20050</c:v>
+                </c:pt>
+                <c:pt idx="5">
+                  <c:v>25050</c:v>
+                </c:pt>
+                <c:pt idx="6">
+                  <c:v>30050</c:v>
+                </c:pt>
+                <c:pt idx="7">
+                  <c:v>35050</c:v>
+                </c:pt>
+                <c:pt idx="8">
+                  <c:v>40050</c:v>
+                </c:pt>
+                <c:pt idx="9">
+                  <c:v>45050</c:v>
+                </c:pt>
+                <c:pt idx="10">
+                  <c:v>50050</c:v>
+                </c:pt>
+                <c:pt idx="11">
+                  <c:v>55050</c:v>
+                </c:pt>
+                <c:pt idx="12">
+                  <c:v>60050</c:v>
+                </c:pt>
+                <c:pt idx="13">
+                  <c:v>65050</c:v>
+                </c:pt>
+                <c:pt idx="14">
+                  <c:v>70050</c:v>
+                </c:pt>
+                <c:pt idx="15">
+                  <c:v>75050</c:v>
+                </c:pt>
+                <c:pt idx="16">
+                  <c:v>80050</c:v>
+                </c:pt>
+                <c:pt idx="17">
+                  <c:v>85050</c:v>
+                </c:pt>
+                <c:pt idx="18">
+                  <c:v>90050</c:v>
+                </c:pt>
+                <c:pt idx="19">
+                  <c:v>95050</c:v>
+                </c:pt>
+                <c:pt idx="20">
+                  <c:v>100050</c:v>
+                </c:pt>
+              </c:numCache>
+            </c:numRef>
+          </c:cat>
+          <c:val>
+            <c:numRef>
+              <c:f>Sheet1!$D$2:$D$22</c:f>
+              <c:numCache>
+                <c:formatCode>General</c:formatCode>
+                <c:ptCount val="21"/>
+                <c:pt idx="0">
+                  <c:v>252.77699999999999</c:v>
+                </c:pt>
+                <c:pt idx="1">
+                  <c:v>271.41199999999998</c:v>
+                </c:pt>
+                <c:pt idx="2">
+                  <c:v>415.79700000000003</c:v>
+                </c:pt>
+                <c:pt idx="3">
+                  <c:v>557.57500000000005</c:v>
+                </c:pt>
+                <c:pt idx="4">
+                  <c:v>721.053</c:v>
+                </c:pt>
+                <c:pt idx="5">
+                  <c:v>918.06399999999996</c:v>
+                </c:pt>
+                <c:pt idx="6">
+                  <c:v>1165.81</c:v>
+                </c:pt>
+                <c:pt idx="7">
+                  <c:v>1404.8</c:v>
+                </c:pt>
+                <c:pt idx="8">
+                  <c:v>1646.95</c:v>
+                </c:pt>
+                <c:pt idx="9">
+                  <c:v>1919.49</c:v>
+                </c:pt>
+                <c:pt idx="10">
+                  <c:v>2247.39</c:v>
+                </c:pt>
+                <c:pt idx="11">
+                  <c:v>2602.44</c:v>
+                </c:pt>
+                <c:pt idx="12">
+                  <c:v>3020.83</c:v>
+                </c:pt>
+                <c:pt idx="13">
+                  <c:v>3469.83</c:v>
+                </c:pt>
+                <c:pt idx="14">
+                  <c:v>3639.67</c:v>
+                </c:pt>
+                <c:pt idx="15">
+                  <c:v>4213.1899999999996</c:v>
+                </c:pt>
+                <c:pt idx="16">
+                  <c:v>4731.54</c:v>
+                </c:pt>
+                <c:pt idx="17">
+                  <c:v>4821.33</c:v>
+                </c:pt>
+                <c:pt idx="18">
+                  <c:v>4955.33</c:v>
+                </c:pt>
+                <c:pt idx="19">
+                  <c:v>5324.58</c:v>
+                </c:pt>
+                <c:pt idx="20">
+                  <c:v>5399.81</c:v>
+                </c:pt>
+              </c:numCache>
+            </c:numRef>
+          </c:val>
+          <c:smooth val="0"/>
+          <c:extLst>
+            <c:ext xmlns:c16="http://schemas.microsoft.com/office/drawing/2014/chart" uri="{C3380CC4-5D6E-409C-BE32-E72D297353CC}">
+              <c16:uniqueId val="{00000002-DDD0-A74E-B649-604842130B57}"/>
+            </c:ext>
+          </c:extLst>
+        </c:ser>
+        <c:ser>
+          <c:idx val="3"/>
+          <c:order val="3"/>
+          <c:tx>
+            <c:strRef>
+              <c:f>Sheet1!$E$1</c:f>
+              <c:strCache>
+                <c:ptCount val="1"/>
+                <c:pt idx="0">
+                  <c:v>OpenMP</c:v>
+                </c:pt>
+              </c:strCache>
+            </c:strRef>
+          </c:tx>
+          <c:spPr>
+            <a:ln w="28575" cap="rnd">
+              <a:solidFill>
+                <a:schemeClr val="accent4">
+                  <a:alpha val="70000"/>
+                </a:schemeClr>
+              </a:solidFill>
+              <a:round/>
+            </a:ln>
+            <a:effectLst/>
+          </c:spPr>
+          <c:marker>
+            <c:symbol val="circle"/>
+            <c:size val="6"/>
+            <c:spPr>
+              <a:solidFill>
+                <a:schemeClr val="accent4">
+                  <a:alpha val="70000"/>
+                </a:schemeClr>
+              </a:solidFill>
+              <a:ln>
+                <a:solidFill>
+                  <a:schemeClr val="accent4">
+                    <a:lumMod val="75000"/>
+                  </a:schemeClr>
+                </a:solidFill>
+              </a:ln>
+              <a:effectLst/>
+            </c:spPr>
+          </c:marker>
+          <c:cat>
+            <c:numRef>
+              <c:f>Sheet1!$A$2:$A$22</c:f>
+              <c:numCache>
+                <c:formatCode>General</c:formatCode>
+                <c:ptCount val="21"/>
+                <c:pt idx="0">
+                  <c:v>50</c:v>
+                </c:pt>
+                <c:pt idx="1">
+                  <c:v>5050</c:v>
+                </c:pt>
+                <c:pt idx="2">
+                  <c:v>10050</c:v>
+                </c:pt>
+                <c:pt idx="3">
+                  <c:v>15050</c:v>
+                </c:pt>
+                <c:pt idx="4">
+                  <c:v>20050</c:v>
+                </c:pt>
+                <c:pt idx="5">
+                  <c:v>25050</c:v>
+                </c:pt>
+                <c:pt idx="6">
+                  <c:v>30050</c:v>
+                </c:pt>
+                <c:pt idx="7">
+                  <c:v>35050</c:v>
+                </c:pt>
+                <c:pt idx="8">
+                  <c:v>40050</c:v>
+                </c:pt>
+                <c:pt idx="9">
+                  <c:v>45050</c:v>
+                </c:pt>
+                <c:pt idx="10">
+                  <c:v>50050</c:v>
+                </c:pt>
+                <c:pt idx="11">
+                  <c:v>55050</c:v>
+                </c:pt>
+                <c:pt idx="12">
+                  <c:v>60050</c:v>
+                </c:pt>
+                <c:pt idx="13">
+                  <c:v>65050</c:v>
+                </c:pt>
+                <c:pt idx="14">
+                  <c:v>70050</c:v>
+                </c:pt>
+                <c:pt idx="15">
+                  <c:v>75050</c:v>
+                </c:pt>
+                <c:pt idx="16">
+                  <c:v>80050</c:v>
+                </c:pt>
+                <c:pt idx="17">
+                  <c:v>85050</c:v>
+                </c:pt>
+                <c:pt idx="18">
+                  <c:v>90050</c:v>
+                </c:pt>
+                <c:pt idx="19">
+                  <c:v>95050</c:v>
+                </c:pt>
+                <c:pt idx="20">
+                  <c:v>100050</c:v>
+                </c:pt>
+              </c:numCache>
+            </c:numRef>
+          </c:cat>
+          <c:val>
+            <c:numRef>
+              <c:f>Sheet1!$E$2:$E$22</c:f>
+              <c:numCache>
+                <c:formatCode>General</c:formatCode>
+                <c:ptCount val="21"/>
+                <c:pt idx="0">
+                  <c:v>4.5560999999999998</c:v>
+                </c:pt>
+                <c:pt idx="1">
+                  <c:v>129.648</c:v>
+                </c:pt>
+                <c:pt idx="2">
+                  <c:v>307.34500000000003</c:v>
+                </c:pt>
+                <c:pt idx="3">
+                  <c:v>573.673</c:v>
+                </c:pt>
+                <c:pt idx="4">
+                  <c:v>752.899</c:v>
+                </c:pt>
+                <c:pt idx="5">
+                  <c:v>1233.22</c:v>
+                </c:pt>
+                <c:pt idx="6">
+                  <c:v>1525.78</c:v>
+                </c:pt>
+                <c:pt idx="7">
+                  <c:v>1614.12</c:v>
+                </c:pt>
+                <c:pt idx="8">
+                  <c:v>1986.93</c:v>
+                </c:pt>
+                <c:pt idx="9">
+                  <c:v>2394.23</c:v>
+                </c:pt>
+                <c:pt idx="10">
+                  <c:v>2506.86</c:v>
+                </c:pt>
+                <c:pt idx="11">
+                  <c:v>2759.85</c:v>
+                </c:pt>
+                <c:pt idx="12">
+                  <c:v>3283.47</c:v>
+                </c:pt>
+                <c:pt idx="13">
+                  <c:v>3786.24</c:v>
+                </c:pt>
+                <c:pt idx="14">
+                  <c:v>3940.88</c:v>
+                </c:pt>
+                <c:pt idx="15">
+                  <c:v>3942.97</c:v>
+                </c:pt>
+                <c:pt idx="16">
+                  <c:v>4311.29</c:v>
+                </c:pt>
+                <c:pt idx="17">
+                  <c:v>4599.17</c:v>
+                </c:pt>
+                <c:pt idx="18">
+                  <c:v>4729.32</c:v>
+                </c:pt>
+                <c:pt idx="19">
+                  <c:v>5154.92</c:v>
+                </c:pt>
+                <c:pt idx="20">
+                  <c:v>5399.81</c:v>
+                </c:pt>
+              </c:numCache>
+            </c:numRef>
+          </c:val>
+          <c:smooth val="0"/>
+          <c:extLst>
+            <c:ext xmlns:c16="http://schemas.microsoft.com/office/drawing/2014/chart" uri="{C3380CC4-5D6E-409C-BE32-E72D297353CC}">
+              <c16:uniqueId val="{00000003-DDD0-A74E-B649-604842130B57}"/>
             </c:ext>
           </c:extLst>
         </c:ser>
@@ -2237,79 +2055,24 @@
         </c:dLbls>
         <c:marker val="1"/>
         <c:smooth val="0"/>
-        <c:axId val="1383275920"/>
-        <c:axId val="1424055584"/>
+        <c:axId val="1381742352"/>
+        <c:axId val="1381743984"/>
       </c:lineChart>
       <c:catAx>
-        <c:axId val="1383275920"/>
+        <c:axId val="1381742352"/>
         <c:scaling>
           <c:orientation val="minMax"/>
         </c:scaling>
         <c:delete val="0"/>
         <c:axPos val="b"/>
-        <c:title>
-          <c:tx>
-            <c:rich>
-              <a:bodyPr rot="0" spcFirstLastPara="1" vertOverflow="ellipsis" vert="horz" wrap="square" anchor="ctr" anchorCtr="1"/>
-              <a:lstStyle/>
-              <a:p>
-                <a:pPr>
-                  <a:defRPr sz="1330" b="0" i="0" u="none" strike="noStrike" kern="1200" baseline="0">
-                    <a:solidFill>
-                      <a:schemeClr val="tx1"/>
-                    </a:solidFill>
-                    <a:latin typeface="Times" pitchFamily="2" charset="0"/>
-                    <a:ea typeface="+mn-ea"/>
-                    <a:cs typeface="+mn-cs"/>
-                  </a:defRPr>
-                </a:pPr>
-                <a:r>
-                  <a:rPr lang="en-US"/>
-                  <a:t>Number of CPUs</a:t>
-                </a:r>
-              </a:p>
-            </c:rich>
-          </c:tx>
-          <c:overlay val="0"/>
-          <c:spPr>
-            <a:noFill/>
-            <a:ln>
-              <a:noFill/>
-            </a:ln>
-            <a:effectLst/>
-          </c:spPr>
-          <c:txPr>
-            <a:bodyPr rot="0" spcFirstLastPara="1" vertOverflow="ellipsis" vert="horz" wrap="square" anchor="ctr" anchorCtr="1"/>
-            <a:lstStyle/>
-            <a:p>
-              <a:pPr>
-                <a:defRPr sz="1330" b="0" i="0" u="none" strike="noStrike" kern="1200" baseline="0">
-                  <a:solidFill>
-                    <a:schemeClr val="tx1"/>
-                  </a:solidFill>
-                  <a:latin typeface="Times" pitchFamily="2" charset="0"/>
-                  <a:ea typeface="+mn-ea"/>
-                  <a:cs typeface="+mn-cs"/>
-                </a:defRPr>
-              </a:pPr>
-              <a:endParaRPr lang="en-US"/>
-            </a:p>
-          </c:txPr>
-        </c:title>
         <c:numFmt formatCode="General" sourceLinked="1"/>
         <c:majorTickMark val="none"/>
         <c:minorTickMark val="none"/>
         <c:tickLblPos val="nextTo"/>
         <c:spPr>
           <a:noFill/>
-          <a:ln w="9525" cap="flat" cmpd="sng" algn="ctr">
-            <a:solidFill>
-              <a:schemeClr val="tx1">
-                <a:lumMod val="15000"/>
-                <a:lumOff val="85000"/>
-              </a:schemeClr>
-            </a:solidFill>
-            <a:round/>
+          <a:ln>
+            <a:noFill/>
           </a:ln>
           <a:effectLst/>
         </c:spPr>
@@ -2330,7 +2093,7 @@
             <a:endParaRPr lang="en-US"/>
           </a:p>
         </c:txPr>
-        <c:crossAx val="1424055584"/>
+        <c:crossAx val="1381743984"/>
         <c:crosses val="autoZero"/>
         <c:auto val="1"/>
         <c:lblAlgn val="ctr"/>
@@ -2338,7 +2101,7 @@
         <c:noMultiLvlLbl val="0"/>
       </c:catAx>
       <c:valAx>
-        <c:axId val="1424055584"/>
+        <c:axId val="1381743984"/>
         <c:scaling>
           <c:orientation val="minMax"/>
         </c:scaling>
@@ -2349,8 +2112,8 @@
             <a:ln w="9525" cap="flat" cmpd="sng" algn="ctr">
               <a:solidFill>
                 <a:schemeClr val="tx1">
-                  <a:lumMod val="15000"/>
-                  <a:lumOff val="85000"/>
+                  <a:lumMod val="5000"/>
+                  <a:lumOff val="95000"/>
                 </a:schemeClr>
               </a:solidFill>
               <a:round/>
@@ -2365,7 +2128,7 @@
               <a:lstStyle/>
               <a:p>
                 <a:pPr>
-                  <a:defRPr sz="1330" b="0" i="0" u="none" strike="noStrike" kern="1200" baseline="0">
+                  <a:defRPr sz="1197" b="0" i="0" u="none" strike="noStrike" kern="1200" baseline="0">
                     <a:solidFill>
                       <a:schemeClr val="tx1"/>
                     </a:solidFill>
@@ -2375,12 +2138,43 @@
                   </a:defRPr>
                 </a:pPr>
                 <a:r>
-                  <a:rPr lang="en-US"/>
-                  <a:t>Runtime (m)</a:t>
+                  <a:rPr lang="en-US" dirty="0">
+                    <a:solidFill>
+                      <a:schemeClr val="tx1"/>
+                    </a:solidFill>
+                    <a:latin typeface="Times" pitchFamily="2" charset="0"/>
+                  </a:rPr>
+                  <a:t>Runtime (</a:t>
+                </a:r>
+                <a:r>
+                  <a:rPr lang="en-US" dirty="0" err="1">
+                    <a:solidFill>
+                      <a:schemeClr val="tx1"/>
+                    </a:solidFill>
+                    <a:latin typeface="Times" pitchFamily="2" charset="0"/>
+                  </a:rPr>
+                  <a:t>ms</a:t>
+                </a:r>
+                <a:r>
+                  <a:rPr lang="en-US" dirty="0">
+                    <a:solidFill>
+                      <a:schemeClr val="tx1"/>
+                    </a:solidFill>
+                    <a:latin typeface="Times" pitchFamily="2" charset="0"/>
+                  </a:rPr>
+                  <a:t>)</a:t>
                 </a:r>
               </a:p>
             </c:rich>
           </c:tx>
+          <c:layout>
+            <c:manualLayout>
+              <c:xMode val="edge"/>
+              <c:yMode val="edge"/>
+              <c:x val="8.8006229270317492E-3"/>
+              <c:y val="0.32914484856604925"/>
+            </c:manualLayout>
+          </c:layout>
           <c:overlay val="0"/>
           <c:spPr>
             <a:noFill/>
@@ -2394,7 +2188,7 @@
             <a:lstStyle/>
             <a:p>
               <a:pPr>
-                <a:defRPr sz="1330" b="0" i="0" u="none" strike="noStrike" kern="1200" baseline="0">
+                <a:defRPr sz="1197" b="0" i="0" u="none" strike="noStrike" kern="1200" baseline="0">
                   <a:solidFill>
                     <a:schemeClr val="tx1"/>
                   </a:solidFill>
@@ -2435,7 +2229,7 @@
             <a:endParaRPr lang="en-US"/>
           </a:p>
         </c:txPr>
-        <c:crossAx val="1383275920"/>
+        <c:crossAx val="1381742352"/>
         <c:crosses val="autoZero"/>
         <c:crossBetween val="between"/>
       </c:valAx>
@@ -2449,6 +2243,16 @@
     </c:plotArea>
     <c:legend>
       <c:legendPos val="b"/>
+      <c:layout>
+        <c:manualLayout>
+          <c:xMode val="edge"/>
+          <c:yMode val="edge"/>
+          <c:x val="3.0982906272506994E-2"/>
+          <c:y val="0.81160602997121434"/>
+          <c:w val="0.92708011724170258"/>
+          <c:h val="0.16026896656852443"/>
+        </c:manualLayout>
+      </c:layout>
       <c:overlay val="0"/>
       <c:spPr>
         <a:noFill/>
@@ -2498,12 +2302,7 @@
     <a:lstStyle/>
     <a:p>
       <a:pPr>
-        <a:defRPr>
-          <a:solidFill>
-            <a:schemeClr val="tx1"/>
-          </a:solidFill>
-          <a:latin typeface="Times" pitchFamily="2" charset="0"/>
-        </a:defRPr>
+        <a:defRPr/>
       </a:pPr>
       <a:endParaRPr lang="en-US"/>
     </a:p>
@@ -2535,7 +2334,7 @@
           <a:lstStyle/>
           <a:p>
             <a:pPr>
-              <a:defRPr sz="1862" b="0" i="0" u="none" strike="noStrike" kern="1200" spc="0" baseline="0">
+              <a:defRPr sz="2128" b="0" i="0" u="none" strike="noStrike" kern="1200" cap="none" spc="50" baseline="0">
                 <a:solidFill>
                   <a:schemeClr val="tx1"/>
                 </a:solidFill>
@@ -2545,8 +2344,8 @@
               </a:defRPr>
             </a:pPr>
             <a:r>
-              <a:rPr lang="en-US" dirty="0"/>
-              <a:t>leon3mp (6.7M tasks) </a:t>
+              <a:rPr lang="en-US"/>
+              <a:t>Programming Effort</a:t>
             </a:r>
           </a:p>
         </c:rich>
@@ -2564,7 +2363,7 @@
         <a:lstStyle/>
         <a:p>
           <a:pPr>
-            <a:defRPr sz="1862" b="0" i="0" u="none" strike="noStrike" kern="1200" spc="0" baseline="0">
+            <a:defRPr sz="2128" b="0" i="0" u="none" strike="noStrike" kern="1200" cap="none" spc="50" baseline="0">
               <a:solidFill>
                 <a:schemeClr val="tx1"/>
               </a:solidFill>
@@ -2578,10 +2377,54 @@
       </c:txPr>
     </c:title>
     <c:autoTitleDeleted val="0"/>
+    <c:view3D>
+      <c:rotX val="15"/>
+      <c:rotY val="20"/>
+      <c:depthPercent val="100"/>
+      <c:rAngAx val="1"/>
+    </c:view3D>
+    <c:floor>
+      <c:thickness val="0"/>
+      <c:spPr>
+        <a:solidFill>
+          <a:schemeClr val="lt1">
+            <a:alpha val="27000"/>
+          </a:schemeClr>
+        </a:solidFill>
+        <a:ln>
+          <a:noFill/>
+        </a:ln>
+        <a:effectLst/>
+        <a:sp3d/>
+      </c:spPr>
+    </c:floor>
+    <c:sideWall>
+      <c:thickness val="0"/>
+      <c:spPr>
+        <a:noFill/>
+        <a:ln>
+          <a:noFill/>
+        </a:ln>
+        <a:effectLst/>
+        <a:sp3d/>
+      </c:spPr>
+    </c:sideWall>
+    <c:backWall>
+      <c:thickness val="0"/>
+      <c:spPr>
+        <a:noFill/>
+        <a:ln>
+          <a:noFill/>
+        </a:ln>
+        <a:effectLst/>
+        <a:sp3d/>
+      </c:spPr>
+    </c:backWall>
     <c:plotArea>
       <c:layout/>
-      <c:lineChart>
-        <c:grouping val="standard"/>
+      <c:bar3DChart>
+        <c:barDir val="col"/>
+        <c:grouping val="clustered"/>
         <c:varyColors val="0"/>
         <c:ser>
           <c:idx val="0"/>
@@ -2598,111 +2441,62 @@
             </c:strRef>
           </c:tx>
           <c:spPr>
-            <a:ln w="28575" cap="rnd">
+            <a:solidFill>
+              <a:schemeClr val="accent1"/>
+            </a:solidFill>
+            <a:ln>
               <a:solidFill>
-                <a:schemeClr val="accent1"/>
+                <a:schemeClr val="accent1">
+                  <a:lumMod val="75000"/>
+                </a:schemeClr>
               </a:solidFill>
-              <a:round/>
             </a:ln>
             <a:effectLst/>
+            <a:scene3d>
+              <a:camera prst="orthographicFront"/>
+              <a:lightRig rig="threePt" dir="t"/>
+            </a:scene3d>
+            <a:sp3d prstMaterial="translucentPowder">
+              <a:contourClr>
+                <a:schemeClr val="accent1">
+                  <a:lumMod val="75000"/>
+                </a:schemeClr>
+              </a:contourClr>
+            </a:sp3d>
           </c:spPr>
-          <c:marker>
-            <c:symbol val="circle"/>
-            <c:size val="5"/>
-            <c:spPr>
-              <a:solidFill>
-                <a:schemeClr val="accent1"/>
-              </a:solidFill>
-              <a:ln w="9525">
-                <a:solidFill>
-                  <a:schemeClr val="accent1"/>
-                </a:solidFill>
-              </a:ln>
-              <a:effectLst/>
-            </c:spPr>
-          </c:marker>
+          <c:invertIfNegative val="0"/>
           <c:cat>
-            <c:numRef>
-              <c:f>Sheet1!$A$2:$A$11</c:f>
-              <c:numCache>
-                <c:formatCode>General</c:formatCode>
-                <c:ptCount val="10"/>
+            <c:strRef>
+              <c:f>Sheet1!$A$2:$A$3</c:f>
+              <c:strCache>
+                <c:ptCount val="2"/>
                 <c:pt idx="0">
-                  <c:v>1</c:v>
+                  <c:v>Lines of Code</c:v>
                 </c:pt>
                 <c:pt idx="1">
-                  <c:v>4</c:v>
-                </c:pt>
-                <c:pt idx="2">
-                  <c:v>8</c:v>
-                </c:pt>
-                <c:pt idx="3">
-                  <c:v>16</c:v>
-                </c:pt>
-                <c:pt idx="4">
-                  <c:v>24</c:v>
-                </c:pt>
-                <c:pt idx="5">
-                  <c:v>32</c:v>
-                </c:pt>
-                <c:pt idx="6">
-                  <c:v>40</c:v>
-                </c:pt>
-                <c:pt idx="7">
-                  <c:v>48</c:v>
-                </c:pt>
-                <c:pt idx="8">
-                  <c:v>56</c:v>
-                </c:pt>
-                <c:pt idx="9">
-                  <c:v>64</c:v>
-                </c:pt>
-              </c:numCache>
-            </c:numRef>
+                  <c:v>Token Count</c:v>
+                </c:pt>
+              </c:strCache>
+            </c:strRef>
           </c:cat>
           <c:val>
             <c:numRef>
-              <c:f>Sheet1!$B$2:$B$11</c:f>
+              <c:f>Sheet1!$B$2:$B$3</c:f>
               <c:numCache>
                 <c:formatCode>General</c:formatCode>
-                <c:ptCount val="10"/>
+                <c:ptCount val="2"/>
                 <c:pt idx="0">
-                  <c:v>312.54000000000002</c:v>
+                  <c:v>677</c:v>
                 </c:pt>
                 <c:pt idx="1">
-                  <c:v>131.02000000000001</c:v>
-                </c:pt>
-                <c:pt idx="2">
-                  <c:v>70.84</c:v>
-                </c:pt>
-                <c:pt idx="3">
-                  <c:v>44.77</c:v>
-                </c:pt>
-                <c:pt idx="4">
-                  <c:v>37.74</c:v>
-                </c:pt>
-                <c:pt idx="5">
-                  <c:v>30.2</c:v>
-                </c:pt>
-                <c:pt idx="6">
-                  <c:v>32.33</c:v>
-                </c:pt>
-                <c:pt idx="7">
-                  <c:v>28.66</c:v>
-                </c:pt>
-                <c:pt idx="8">
-                  <c:v>28.76</c:v>
-                </c:pt>
-                <c:pt idx="9">
-                  <c:v>31.15</c:v>
+                  <c:v>4180</c:v>
                 </c:pt>
               </c:numCache>
             </c:numRef>
           </c:val>
-          <c:smooth val="0"/>
           <c:extLst>
             <c:ext xmlns:c16="http://schemas.microsoft.com/office/drawing/2014/chart" uri="{C3380CC4-5D6E-409C-BE32-E72D297353CC}">
-              <c16:uniqueId val="{00000000-9EC2-6C43-A54D-3FDCB5D2417C}"/>
+              <c16:uniqueId val="{00000000-8594-FA4E-B520-131213C2FFAD}"/>
             </c:ext>
           </c:extLst>
         </c:ser>
@@ -2715,117 +2509,142 @@
               <c:strCache>
                 <c:ptCount val="1"/>
                 <c:pt idx="0">
-                  <c:v>OpenMP</c:v>
+                  <c:v>TBB</c:v>
                 </c:pt>
               </c:strCache>
             </c:strRef>
           </c:tx>
           <c:spPr>
-            <a:ln w="28575" cap="rnd">
+            <a:solidFill>
+              <a:schemeClr val="accent2"/>
+            </a:solidFill>
+            <a:ln>
               <a:solidFill>
-                <a:schemeClr val="accent2"/>
+                <a:schemeClr val="accent2">
+                  <a:lumMod val="75000"/>
+                </a:schemeClr>
               </a:solidFill>
-              <a:round/>
             </a:ln>
             <a:effectLst/>
+            <a:scene3d>
+              <a:camera prst="orthographicFront"/>
+              <a:lightRig rig="threePt" dir="t"/>
+            </a:scene3d>
+            <a:sp3d prstMaterial="translucentPowder">
+              <a:contourClr>
+                <a:schemeClr val="accent2">
+                  <a:lumMod val="75000"/>
+                </a:schemeClr>
+              </a:contourClr>
+            </a:sp3d>
           </c:spPr>
-          <c:marker>
-            <c:symbol val="circle"/>
-            <c:size val="5"/>
-            <c:spPr>
-              <a:solidFill>
-                <a:schemeClr val="accent2"/>
-              </a:solidFill>
-              <a:ln w="9525">
-                <a:solidFill>
-                  <a:schemeClr val="accent2"/>
-                </a:solidFill>
-              </a:ln>
-              <a:effectLst/>
-            </c:spPr>
-          </c:marker>
+          <c:invertIfNegative val="0"/>
           <c:cat>
-            <c:numRef>
-              <c:f>Sheet1!$A$2:$A$11</c:f>
-              <c:numCache>
-                <c:formatCode>General</c:formatCode>
-                <c:ptCount val="10"/>
+            <c:strRef>
+              <c:f>Sheet1!$A$2:$A$3</c:f>
+              <c:strCache>
+                <c:ptCount val="2"/>
                 <c:pt idx="0">
-                  <c:v>1</c:v>
+                  <c:v>Lines of Code</c:v>
                 </c:pt>
                 <c:pt idx="1">
-                  <c:v>4</c:v>
-                </c:pt>
-                <c:pt idx="2">
-                  <c:v>8</c:v>
-                </c:pt>
-                <c:pt idx="3">
-                  <c:v>16</c:v>
-                </c:pt>
-                <c:pt idx="4">
-                  <c:v>24</c:v>
-                </c:pt>
-                <c:pt idx="5">
-                  <c:v>32</c:v>
-                </c:pt>
-                <c:pt idx="6">
-                  <c:v>40</c:v>
-                </c:pt>
-                <c:pt idx="7">
-                  <c:v>48</c:v>
-                </c:pt>
-                <c:pt idx="8">
-                  <c:v>56</c:v>
-                </c:pt>
-                <c:pt idx="9">
-                  <c:v>64</c:v>
-                </c:pt>
-              </c:numCache>
-            </c:numRef>
+                  <c:v>Token Count</c:v>
+                </c:pt>
+              </c:strCache>
+            </c:strRef>
           </c:cat>
           <c:val>
             <c:numRef>
-              <c:f>Sheet1!$C$2:$C$11</c:f>
+              <c:f>Sheet1!$C$2:$C$3</c:f>
               <c:numCache>
                 <c:formatCode>General</c:formatCode>
-                <c:ptCount val="10"/>
+                <c:ptCount val="2"/>
                 <c:pt idx="0">
-                  <c:v>300.57</c:v>
+                  <c:v>1000</c:v>
                 </c:pt>
                 <c:pt idx="1">
-                  <c:v>194.34</c:v>
-                </c:pt>
-                <c:pt idx="2">
-                  <c:v>114.24</c:v>
-                </c:pt>
-                <c:pt idx="3">
-                  <c:v>76.430000000000007</c:v>
-                </c:pt>
-                <c:pt idx="4">
-                  <c:v>64.56</c:v>
-                </c:pt>
-                <c:pt idx="5">
-                  <c:v>56.41</c:v>
-                </c:pt>
-                <c:pt idx="6">
-                  <c:v>55.34</c:v>
-                </c:pt>
-                <c:pt idx="7">
-                  <c:v>51.56</c:v>
-                </c:pt>
-                <c:pt idx="8">
-                  <c:v>54.45</c:v>
-                </c:pt>
-                <c:pt idx="9">
-                  <c:v>57.44</c:v>
+                  <c:v>6415</c:v>
                 </c:pt>
               </c:numCache>
             </c:numRef>
           </c:val>
-          <c:smooth val="0"/>
           <c:extLst>
             <c:ext xmlns:c16="http://schemas.microsoft.com/office/drawing/2014/chart" uri="{C3380CC4-5D6E-409C-BE32-E72D297353CC}">
-              <c16:uniqueId val="{00000001-9EC2-6C43-A54D-3FDCB5D2417C}"/>
+              <c16:uniqueId val="{00000001-8594-FA4E-B520-131213C2FFAD}"/>
+            </c:ext>
+          </c:extLst>
+        </c:ser>
+        <c:ser>
+          <c:idx val="2"/>
+          <c:order val="2"/>
+          <c:tx>
+            <c:strRef>
+              <c:f>Sheet1!$D$1</c:f>
+              <c:strCache>
+                <c:ptCount val="1"/>
+                <c:pt idx="0">
+                  <c:v>StarPU</c:v>
+                </c:pt>
+              </c:strCache>
+            </c:strRef>
+          </c:tx>
+          <c:spPr>
+            <a:solidFill>
+              <a:schemeClr val="accent3"/>
+            </a:solidFill>
+            <a:ln>
+              <a:solidFill>
+                <a:schemeClr val="accent3">
+                  <a:lumMod val="75000"/>
+                </a:schemeClr>
+              </a:solidFill>
+            </a:ln>
+            <a:effectLst/>
+            <a:scene3d>
+              <a:camera prst="orthographicFront"/>
+              <a:lightRig rig="threePt" dir="t"/>
+            </a:scene3d>
+            <a:sp3d prstMaterial="translucentPowder">
+              <a:contourClr>
+                <a:schemeClr val="accent3">
+                  <a:lumMod val="75000"/>
+                </a:schemeClr>
+              </a:contourClr>
+            </a:sp3d>
+          </c:spPr>
+          <c:invertIfNegative val="0"/>
+          <c:cat>
+            <c:strRef>
+              <c:f>Sheet1!$A$2:$A$3</c:f>
+              <c:strCache>
+                <c:ptCount val="2"/>
+                <c:pt idx="0">
+                  <c:v>Lines of Code</c:v>
+                </c:pt>
+                <c:pt idx="1">
+                  <c:v>Token Count</c:v>
+                </c:pt>
+              </c:strCache>
+            </c:strRef>
+          </c:cat>
+          <c:val>
+            <c:numRef>
+              <c:f>Sheet1!$D$2:$D$3</c:f>
+              <c:numCache>
+                <c:formatCode>General</c:formatCode>
+                <c:ptCount val="2"/>
+                <c:pt idx="0">
+                  <c:v>1279</c:v>
+                </c:pt>
+                <c:pt idx="1">
+                  <c:v>8136</c:v>
+                </c:pt>
+              </c:numCache>
+            </c:numRef>
+          </c:val>
+          <c:extLst>
+            <c:ext xmlns:c16="http://schemas.microsoft.com/office/drawing/2014/chart" uri="{C3380CC4-5D6E-409C-BE32-E72D297353CC}">
+              <c16:uniqueId val="{00000002-8594-FA4E-B520-131213C2FFAD}"/>
             </c:ext>
           </c:extLst>
         </c:ser>
@@ -2837,178 +2656,19 @@
           <c:showPercent val="0"/>
           <c:showBubbleSize val="0"/>
         </c:dLbls>
-        <c:marker val="1"/>
-        <c:smooth val="0"/>
-        <c:axId val="1383275920"/>
-        <c:axId val="1424055584"/>
-      </c:lineChart>
+        <c:gapWidth val="150"/>
+        <c:shape val="box"/>
+        <c:axId val="1381742352"/>
+        <c:axId val="1381743984"/>
+        <c:axId val="0"/>
+      </c:bar3DChart>
       <c:catAx>
-        <c:axId val="1383275920"/>
+        <c:axId val="1381742352"/>
         <c:scaling>
           <c:orientation val="minMax"/>
         </c:scaling>
         <c:delete val="0"/>
         <c:axPos val="b"/>
-        <c:title>
-          <c:tx>
-            <c:rich>
-              <a:bodyPr rot="0" spcFirstLastPara="1" vertOverflow="ellipsis" vert="horz" wrap="square" anchor="ctr" anchorCtr="1"/>
-              <a:lstStyle/>
-              <a:p>
-                <a:pPr>
-                  <a:defRPr sz="1330" b="0" i="0" u="none" strike="noStrike" kern="1200" baseline="0">
-                    <a:solidFill>
-                      <a:schemeClr val="tx1"/>
-                    </a:solidFill>
-                    <a:latin typeface="Times" pitchFamily="2" charset="0"/>
-                    <a:ea typeface="+mn-ea"/>
-                    <a:cs typeface="+mn-cs"/>
-                  </a:defRPr>
-                </a:pPr>
-                <a:r>
-                  <a:rPr lang="en-US"/>
-                  <a:t>Number of CPUs</a:t>
-                </a:r>
-              </a:p>
-            </c:rich>
-          </c:tx>
-          <c:overlay val="0"/>
-          <c:spPr>
-            <a:noFill/>
-            <a:ln>
-              <a:noFill/>
-            </a:ln>
-            <a:effectLst/>
-          </c:spPr>
-          <c:txPr>
-            <a:bodyPr rot="0" spcFirstLastPara="1" vertOverflow="ellipsis" vert="horz" wrap="square" anchor="ctr" anchorCtr="1"/>
-            <a:lstStyle/>
-            <a:p>
-              <a:pPr>
-                <a:defRPr sz="1330" b="0" i="0" u="none" strike="noStrike" kern="1200" baseline="0">
-                  <a:solidFill>
-                    <a:schemeClr val="tx1"/>
-                  </a:solidFill>
-                  <a:latin typeface="Times" pitchFamily="2" charset="0"/>
-                  <a:ea typeface="+mn-ea"/>
-                  <a:cs typeface="+mn-cs"/>
-                </a:defRPr>
-              </a:pPr>
-              <a:endParaRPr lang="en-US"/>
-            </a:p>
-          </c:txPr>
-        </c:title>
-        <c:numFmt formatCode="General" sourceLinked="1"/>
-        <c:majorTickMark val="none"/>
-        <c:minorTickMark val="none"/>
-        <c:tickLblPos val="nextTo"/>
-        <c:spPr>
-          <a:noFill/>
-          <a:ln w="9525" cap="flat" cmpd="sng" algn="ctr">
-            <a:solidFill>
-              <a:schemeClr val="tx1">
-                <a:lumMod val="15000"/>
-                <a:lumOff val="85000"/>
-              </a:schemeClr>
-            </a:solidFill>
-            <a:round/>
-          </a:ln>
-          <a:effectLst/>
-        </c:spPr>
-        <c:txPr>
-          <a:bodyPr rot="-60000000" spcFirstLastPara="1" vertOverflow="ellipsis" vert="horz" wrap="square" anchor="ctr" anchorCtr="1"/>
-          <a:lstStyle/>
-          <a:p>
-            <a:pPr>
-              <a:defRPr sz="1197" b="0" i="0" u="none" strike="noStrike" kern="1200" baseline="0">
-                <a:solidFill>
-                  <a:schemeClr val="tx1"/>
-                </a:solidFill>
-                <a:latin typeface="Times" pitchFamily="2" charset="0"/>
-                <a:ea typeface="+mn-ea"/>
-                <a:cs typeface="+mn-cs"/>
-              </a:defRPr>
-            </a:pPr>
-            <a:endParaRPr lang="en-US"/>
-          </a:p>
-        </c:txPr>
-        <c:crossAx val="1424055584"/>
-        <c:crosses val="autoZero"/>
-        <c:auto val="0"/>
-        <c:lblAlgn val="ctr"/>
-        <c:lblOffset val="100"/>
-        <c:noMultiLvlLbl val="0"/>
-      </c:catAx>
-      <c:valAx>
-        <c:axId val="1424055584"/>
-        <c:scaling>
-          <c:orientation val="minMax"/>
-        </c:scaling>
-        <c:delete val="0"/>
-        <c:axPos val="l"/>
-        <c:majorGridlines>
-          <c:spPr>
-            <a:ln w="9525" cap="flat" cmpd="sng" algn="ctr">
-              <a:solidFill>
-                <a:schemeClr val="tx1">
-                  <a:lumMod val="15000"/>
-                  <a:lumOff val="85000"/>
-                </a:schemeClr>
-              </a:solidFill>
-              <a:round/>
-            </a:ln>
-            <a:effectLst/>
-          </c:spPr>
-        </c:majorGridlines>
-        <c:title>
-          <c:tx>
-            <c:rich>
-              <a:bodyPr rot="-5400000" spcFirstLastPara="1" vertOverflow="ellipsis" vert="horz" wrap="square" anchor="ctr" anchorCtr="1"/>
-              <a:lstStyle/>
-              <a:p>
-                <a:pPr>
-                  <a:defRPr sz="1330" b="0" i="0" u="none" strike="noStrike" kern="1200" baseline="0">
-                    <a:solidFill>
-                      <a:schemeClr val="tx1"/>
-                    </a:solidFill>
-                    <a:latin typeface="Times" pitchFamily="2" charset="0"/>
-                    <a:ea typeface="+mn-ea"/>
-                    <a:cs typeface="+mn-cs"/>
-                  </a:defRPr>
-                </a:pPr>
-                <a:r>
-                  <a:rPr lang="en-US"/>
-                  <a:t>Runtime (m)</a:t>
-                </a:r>
-              </a:p>
-            </c:rich>
-          </c:tx>
-          <c:overlay val="0"/>
-          <c:spPr>
-            <a:noFill/>
-            <a:ln>
-              <a:noFill/>
-            </a:ln>
-            <a:effectLst/>
-          </c:spPr>
-          <c:txPr>
-            <a:bodyPr rot="-5400000" spcFirstLastPara="1" vertOverflow="ellipsis" vert="horz" wrap="square" anchor="ctr" anchorCtr="1"/>
-            <a:lstStyle/>
-            <a:p>
-              <a:pPr>
-                <a:defRPr sz="1330" b="0" i="0" u="none" strike="noStrike" kern="1200" baseline="0">
-                  <a:solidFill>
-                    <a:schemeClr val="tx1"/>
-                  </a:solidFill>
-                  <a:latin typeface="Times" pitchFamily="2" charset="0"/>
-                  <a:ea typeface="+mn-ea"/>
-                  <a:cs typeface="+mn-cs"/>
-                </a:defRPr>
-              </a:pPr>
-              <a:endParaRPr lang="en-US"/>
-            </a:p>
-          </c:txPr>
-        </c:title>
         <c:numFmt formatCode="General" sourceLinked="1"/>
         <c:majorTickMark val="none"/>
         <c:minorTickMark val="none"/>
@@ -3037,7 +2697,63 @@
             <a:endParaRPr lang="en-US"/>
           </a:p>
         </c:txPr>
-        <c:crossAx val="1383275920"/>
+        <c:crossAx val="1381743984"/>
+        <c:crosses val="autoZero"/>
+        <c:auto val="1"/>
+        <c:lblAlgn val="ctr"/>
+        <c:lblOffset val="100"/>
+        <c:noMultiLvlLbl val="0"/>
+      </c:catAx>
+      <c:valAx>
+        <c:axId val="1381743984"/>
+        <c:scaling>
+          <c:orientation val="minMax"/>
+        </c:scaling>
+        <c:delete val="0"/>
+        <c:axPos val="l"/>
+        <c:majorGridlines>
+          <c:spPr>
+            <a:ln w="9525" cap="flat" cmpd="sng" algn="ctr">
+              <a:solidFill>
+                <a:schemeClr val="tx1">
+                  <a:lumMod val="5000"/>
+                  <a:lumOff val="95000"/>
+                </a:schemeClr>
+              </a:solidFill>
+              <a:round/>
+            </a:ln>
+            <a:effectLst/>
+          </c:spPr>
+        </c:majorGridlines>
+        <c:numFmt formatCode="General" sourceLinked="1"/>
+        <c:majorTickMark val="none"/>
+        <c:minorTickMark val="none"/>
+        <c:tickLblPos val="nextTo"/>
+        <c:spPr>
+          <a:noFill/>
+          <a:ln>
+            <a:noFill/>
+          </a:ln>
+          <a:effectLst/>
+        </c:spPr>
+        <c:txPr>
+          <a:bodyPr rot="-60000000" spcFirstLastPara="1" vertOverflow="ellipsis" vert="horz" wrap="square" anchor="ctr" anchorCtr="1"/>
+          <a:lstStyle/>
+          <a:p>
+            <a:pPr>
+              <a:defRPr sz="1197" b="0" i="0" u="none" strike="noStrike" kern="1200" baseline="0">
+                <a:solidFill>
+                  <a:schemeClr val="tx1"/>
+                </a:solidFill>
+                <a:latin typeface="Times" pitchFamily="2" charset="0"/>
+                <a:ea typeface="+mn-ea"/>
+                <a:cs typeface="+mn-cs"/>
+              </a:defRPr>
+            </a:pPr>
+            <a:endParaRPr lang="en-US"/>
+          </a:p>
+        </c:txPr>
+        <c:crossAx val="1381742352"/>
         <c:crosses val="autoZero"/>
         <c:crossBetween val="between"/>
       </c:valAx>
@@ -3277,18 +2993,18 @@
 </file>
 
 <file path=ppt/charts/style1.xml><?xml version="1.0" encoding="utf-8"?>
-<cs:chartStyle xmlns:cs="http://schemas.microsoft.com/office/drawing/2012/chartStyle" xmlns:a="http://schemas.openxmlformats.org/drawingml/2006/main" id="332">
+<cs:chartStyle xmlns:cs="http://schemas.microsoft.com/office/drawing/2012/chartStyle" xmlns:a="http://schemas.openxmlformats.org/drawingml/2006/main" id="292">
   <cs:axisTitle>
     <cs:lnRef idx="0"/>
     <cs:fillRef idx="0"/>
     <cs:effectRef idx="0"/>
     <cs:fontRef idx="minor">
       <a:schemeClr val="tx1">
-        <a:lumMod val="65000"/>
-        <a:lumOff val="35000"/>
+        <a:lumMod val="50000"/>
+        <a:lumOff val="50000"/>
       </a:schemeClr>
     </cs:fontRef>
-    <cs:defRPr sz="1330" kern="1200"/>
+    <cs:defRPr sz="1197" kern="1200"/>
   </cs:axisTitle>
   <cs:categoryAxis>
     <cs:lnRef idx="0"/>
@@ -3296,21 +3012,10 @@
     <cs:effectRef idx="0"/>
     <cs:fontRef idx="minor">
       <a:schemeClr val="tx1">
-        <a:lumMod val="65000"/>
-        <a:lumOff val="35000"/>
+        <a:lumMod val="50000"/>
+        <a:lumOff val="50000"/>
       </a:schemeClr>
     </cs:fontRef>
-    <cs:spPr>
-      <a:ln w="9525" cap="flat" cmpd="sng" algn="ctr">
-        <a:solidFill>
-          <a:schemeClr val="tx1">
-            <a:lumMod val="15000"/>
-            <a:lumOff val="85000"/>
-          </a:schemeClr>
-        </a:solidFill>
-        <a:round/>
-      </a:ln>
-    </cs:spPr>
     <cs:defRPr sz="1197" kern="1200"/>
   </cs:categoryAxis>
   <cs:chartArea mods="allowNoFillOverride allowNoLineOverride">
@@ -3342,8 +3047,8 @@
     <cs:effectRef idx="0"/>
     <cs:fontRef idx="minor">
       <a:schemeClr val="tx1">
-        <a:lumMod val="75000"/>
-        <a:lumOff val="25000"/>
+        <a:lumMod val="50000"/>
+        <a:lumOff val="50000"/>
       </a:schemeClr>
     </cs:fontRef>
     <cs:defRPr sz="1197" kern="1200"/>
@@ -3377,30 +3082,63 @@
     </cs:bodyPr>
   </cs:dataLabelCallout>
   <cs:dataPoint>
-    <cs:lnRef idx="0"/>
-    <cs:fillRef idx="1">
+    <cs:lnRef idx="0">
+      <cs:styleClr val="auto"/>
+    </cs:lnRef>
+    <cs:fillRef idx="0">
       <cs:styleClr val="auto"/>
     </cs:fillRef>
     <cs:effectRef idx="0"/>
     <cs:fontRef idx="minor">
       <a:schemeClr val="tx1"/>
     </cs:fontRef>
+    <cs:spPr>
+      <a:solidFill>
+        <a:schemeClr val="phClr"/>
+      </a:solidFill>
+      <a:ln>
+        <a:solidFill>
+          <a:schemeClr val="phClr">
+            <a:lumMod val="75000"/>
+          </a:schemeClr>
+        </a:solidFill>
+      </a:ln>
+    </cs:spPr>
   </cs:dataPoint>
   <cs:dataPoint3D>
-    <cs:lnRef idx="0"/>
-    <cs:fillRef idx="1">
+    <cs:lnRef idx="0">
+      <cs:styleClr val="auto"/>
+    </cs:lnRef>
+    <cs:fillRef idx="0">
       <cs:styleClr val="auto"/>
     </cs:fillRef>
     <cs:effectRef idx="0"/>
     <cs:fontRef idx="minor">
       <a:schemeClr val="tx1"/>
     </cs:fontRef>
+    <cs:spPr>
+      <a:solidFill>
+        <a:schemeClr val="phClr"/>
+      </a:solidFill>
+      <a:ln>
+        <a:solidFill>
+          <a:schemeClr val="phClr">
+            <a:lumMod val="75000"/>
+          </a:schemeClr>
+        </a:solidFill>
+      </a:ln>
+      <a:scene3d>
+        <a:camera prst="orthographicFront"/>
+        <a:lightRig rig="threePt" dir="t"/>
+      </a:scene3d>
+      <a:sp3d prstMaterial="translucentPowder"/>
+    </cs:spPr>
   </cs:dataPoint3D>
   <cs:dataPointLine>
     <cs:lnRef idx="0">
       <cs:styleClr val="auto"/>
     </cs:lnRef>
-    <cs:fillRef idx="1"/>
+    <cs:fillRef idx="0"/>
     <cs:effectRef idx="0"/>
     <cs:fontRef idx="minor">
       <a:schemeClr val="tx1"/>
@@ -3408,7 +3146,9 @@
     <cs:spPr>
       <a:ln w="28575" cap="rnd">
         <a:solidFill>
-          <a:schemeClr val="phClr"/>
+          <a:schemeClr val="phClr">
+            <a:alpha val="70000"/>
+          </a:schemeClr>
         </a:solidFill>
         <a:round/>
       </a:ln>
@@ -3418,27 +3158,34 @@
     <cs:lnRef idx="0">
       <cs:styleClr val="auto"/>
     </cs:lnRef>
-    <cs:fillRef idx="1">
+    <cs:fillRef idx="0">
       <cs:styleClr val="auto"/>
     </cs:fillRef>
     <cs:effectRef idx="0"/>
     <cs:fontRef idx="minor">
-      <a:schemeClr val="tx1"/>
+      <a:schemeClr val="dk1"/>
     </cs:fontRef>
     <cs:spPr>
-      <a:ln w="9525">
+      <a:solidFill>
+        <a:schemeClr val="phClr">
+          <a:alpha val="70000"/>
+        </a:schemeClr>
+      </a:solidFill>
+      <a:ln>
         <a:solidFill>
-          <a:schemeClr val="phClr"/>
+          <a:schemeClr val="phClr">
+            <a:lumMod val="75000"/>
+          </a:schemeClr>
         </a:solidFill>
       </a:ln>
     </cs:spPr>
   </cs:dataPointMarker>
-  <cs:dataPointMarkerLayout symbol="circle" size="5"/>
+  <cs:dataPointMarkerLayout symbol="circle" size="6"/>
   <cs:dataPointWireframe>
     <cs:lnRef idx="0">
       <cs:styleClr val="auto"/>
     </cs:lnRef>
-    <cs:fillRef idx="1"/>
+    <cs:fillRef idx="0"/>
     <cs:effectRef idx="0"/>
     <cs:fontRef idx="minor">
       <a:schemeClr val="tx1"/>
@@ -3458,20 +3205,18 @@
     <cs:effectRef idx="0"/>
     <cs:fontRef idx="minor">
       <a:schemeClr val="tx1">
-        <a:lumMod val="65000"/>
-        <a:lumOff val="35000"/>
+        <a:lumMod val="50000"/>
+        <a:lumOff val="50000"/>
       </a:schemeClr>
     </cs:fontRef>
     <cs:spPr>
-      <a:noFill/>
-      <a:ln w="9525" cap="flat" cmpd="sng" algn="ctr">
+      <a:ln w="9525">
         <a:solidFill>
           <a:schemeClr val="tx1">
             <a:lumMod val="15000"/>
             <a:lumOff val="85000"/>
           </a:schemeClr>
         </a:solidFill>
-        <a:round/>
       </a:ln>
     </cs:spPr>
     <cs:defRPr sz="1197" kern="1200"/>
@@ -3486,8 +3231,8 @@
     <cs:spPr>
       <a:solidFill>
         <a:schemeClr val="dk1">
-          <a:lumMod val="65000"/>
-          <a:lumOff val="35000"/>
+          <a:lumMod val="75000"/>
+          <a:lumOff val="25000"/>
         </a:schemeClr>
       </a:solidFill>
       <a:ln w="9525">
@@ -3505,10 +3250,10 @@
     <cs:fillRef idx="0"/>
     <cs:effectRef idx="0"/>
     <cs:fontRef idx="minor">
-      <a:schemeClr val="tx1"/>
+      <a:schemeClr val="dk1"/>
     </cs:fontRef>
     <cs:spPr>
-      <a:ln w="9525" cap="flat" cmpd="sng" algn="ctr">
+      <a:ln w="9525">
         <a:solidFill>
           <a:schemeClr val="tx1">
             <a:lumMod val="35000"/>
@@ -3524,14 +3269,14 @@
     <cs:fillRef idx="0"/>
     <cs:effectRef idx="0"/>
     <cs:fontRef idx="minor">
-      <a:schemeClr val="tx1"/>
+      <a:schemeClr val="dk1"/>
     </cs:fontRef>
     <cs:spPr>
-      <a:ln w="9525" cap="flat" cmpd="sng" algn="ctr">
+      <a:ln w="9525">
         <a:solidFill>
           <a:schemeClr val="tx1">
-            <a:lumMod val="65000"/>
-            <a:lumOff val="35000"/>
+            <a:lumMod val="50000"/>
+            <a:lumOff val="50000"/>
           </a:schemeClr>
         </a:solidFill>
         <a:round/>
@@ -3546,32 +3291,15 @@
       <a:schemeClr val="tx1"/>
     </cs:fontRef>
     <cs:spPr>
-      <a:noFill/>
-      <a:ln>
-        <a:noFill/>
-      </a:ln>
+      <a:solidFill>
+        <a:schemeClr val="lt1">
+          <a:alpha val="27000"/>
+        </a:schemeClr>
+      </a:solidFill>
+      <a:sp3d/>
     </cs:spPr>
   </cs:floor>
   <cs:gridlineMajor>
-    <cs:lnRef idx="0"/>
-    <cs:fillRef idx="0"/>
-    <cs:effectRef idx="0"/>
-    <cs:fontRef idx="minor">
-      <a:schemeClr val="tx1"/>
-    </cs:fontRef>
-    <cs:spPr>
-      <a:ln w="9525" cap="flat" cmpd="sng" algn="ctr">
-        <a:solidFill>
-          <a:schemeClr val="tx1">
-            <a:lumMod val="15000"/>
-            <a:lumOff val="85000"/>
-          </a:schemeClr>
-        </a:solidFill>
-        <a:round/>
-      </a:ln>
-    </cs:spPr>
-  </cs:gridlineMajor>
-  <cs:gridlineMinor>
     <cs:lnRef idx="0"/>
     <cs:fillRef idx="0"/>
     <cs:effectRef idx="0"/>
@@ -3589,35 +3317,34 @@
         <a:round/>
       </a:ln>
     </cs:spPr>
+  </cs:gridlineMajor>
+  <cs:gridlineMinor>
+    <cs:lnRef idx="0"/>
+    <cs:fillRef idx="0"/>
+    <cs:effectRef idx="0"/>
+    <cs:fontRef idx="minor">
+      <a:schemeClr val="tx1"/>
+    </cs:fontRef>
+    <cs:spPr>
+      <a:ln>
+        <a:solidFill>
+          <a:schemeClr val="tx1">
+            <a:lumMod val="5000"/>
+            <a:lumOff val="95000"/>
+          </a:schemeClr>
+        </a:solidFill>
+      </a:ln>
+    </cs:spPr>
   </cs:gridlineMinor>
   <cs:hiLoLine>
     <cs:lnRef idx="0"/>
     <cs:fillRef idx="0"/>
     <cs:effectRef idx="0"/>
     <cs:fontRef idx="minor">
-      <a:schemeClr val="tx1"/>
+      <a:schemeClr val="dk1"/>
     </cs:fontRef>
     <cs:spPr>
-      <a:ln w="9525" cap="flat" cmpd="sng" algn="ctr">
-        <a:solidFill>
-          <a:schemeClr val="tx1">
-            <a:lumMod val="75000"/>
-            <a:lumOff val="25000"/>
-          </a:schemeClr>
-        </a:solidFill>
-        <a:round/>
-      </a:ln>
-    </cs:spPr>
-  </cs:hiLoLine>
-  <cs:leaderLine>
-    <cs:lnRef idx="0"/>
-    <cs:fillRef idx="0"/>
-    <cs:effectRef idx="0"/>
-    <cs:fontRef idx="minor">
-      <a:schemeClr val="tx1"/>
-    </cs:fontRef>
-    <cs:spPr>
-      <a:ln w="9525" cap="flat" cmpd="sng" algn="ctr">
+      <a:ln w="9525">
         <a:solidFill>
           <a:schemeClr val="tx1">
             <a:lumMod val="35000"/>
@@ -3627,6 +3354,24 @@
         <a:round/>
       </a:ln>
     </cs:spPr>
+  </cs:hiLoLine>
+  <cs:leaderLine>
+    <cs:lnRef idx="0"/>
+    <cs:fillRef idx="0"/>
+    <cs:effectRef idx="0"/>
+    <cs:fontRef idx="minor">
+      <a:schemeClr val="dk1"/>
+    </cs:fontRef>
+    <cs:spPr>
+      <a:ln w="9525">
+        <a:solidFill>
+          <a:schemeClr val="tx1">
+            <a:lumMod val="35000"/>
+            <a:lumOff val="65000"/>
+          </a:schemeClr>
+        </a:solidFill>
+      </a:ln>
+    </cs:spPr>
   </cs:leaderLine>
   <cs:legend>
     <cs:lnRef idx="0"/>
@@ -3634,8 +3379,8 @@
     <cs:effectRef idx="0"/>
     <cs:fontRef idx="minor">
       <a:schemeClr val="tx1">
-        <a:lumMod val="65000"/>
-        <a:lumOff val="35000"/>
+        <a:lumMod val="50000"/>
+        <a:lumOff val="50000"/>
       </a:schemeClr>
     </cs:fontRef>
     <cs:defRPr sz="1197" kern="1200"/>
@@ -3662,8 +3407,8 @@
     <cs:effectRef idx="0"/>
     <cs:fontRef idx="minor">
       <a:schemeClr val="tx1">
-        <a:lumMod val="65000"/>
-        <a:lumOff val="35000"/>
+        <a:lumMod val="50000"/>
+        <a:lumOff val="50000"/>
       </a:schemeClr>
     </cs:fontRef>
     <cs:defRPr sz="1197" kern="1200"/>
@@ -3673,10 +3418,10 @@
     <cs:fillRef idx="0"/>
     <cs:effectRef idx="0"/>
     <cs:fontRef idx="minor">
-      <a:schemeClr val="tx1"/>
+      <a:schemeClr val="dk1"/>
     </cs:fontRef>
     <cs:spPr>
-      <a:ln w="9525" cap="flat" cmpd="sng" algn="ctr">
+      <a:ln w="9525">
         <a:solidFill>
           <a:schemeClr val="tx1">
             <a:lumMod val="35000"/>
@@ -3697,7 +3442,7 @@
         <a:lumOff val="35000"/>
       </a:schemeClr>
     </cs:fontRef>
-    <cs:defRPr sz="1862" b="0" kern="1200" spc="0" baseline="0"/>
+    <cs:defRPr sz="2128" b="0" kern="1200" cap="none" spc="50" baseline="0"/>
   </cs:title>
   <cs:trendline>
     <cs:lnRef idx="0">
@@ -3706,14 +3451,13 @@
     <cs:fillRef idx="0"/>
     <cs:effectRef idx="0"/>
     <cs:fontRef idx="minor">
-      <a:schemeClr val="tx1"/>
+      <a:schemeClr val="dk1"/>
     </cs:fontRef>
     <cs:spPr>
-      <a:ln w="19050" cap="rnd">
+      <a:ln w="15875" cap="rnd">
         <a:solidFill>
           <a:schemeClr val="phClr"/>
         </a:solidFill>
-        <a:prstDash val="sysDot"/>
       </a:ln>
     </cs:spPr>
   </cs:trendline>
@@ -3723,8 +3467,8 @@
     <cs:effectRef idx="0"/>
     <cs:fontRef idx="minor">
       <a:schemeClr val="tx1">
-        <a:lumMod val="65000"/>
-        <a:lumOff val="35000"/>
+        <a:lumMod val="50000"/>
+        <a:lumOff val="50000"/>
       </a:schemeClr>
     </cs:fontRef>
     <cs:defRPr sz="1197" kern="1200"/>
@@ -3743,8 +3487,8 @@
       <a:ln w="9525">
         <a:solidFill>
           <a:schemeClr val="tx1">
-            <a:lumMod val="15000"/>
-            <a:lumOff val="85000"/>
+            <a:lumMod val="65000"/>
+            <a:lumOff val="35000"/>
           </a:schemeClr>
         </a:solidFill>
       </a:ln>
@@ -3756,8 +3500,8 @@
     <cs:effectRef idx="0"/>
     <cs:fontRef idx="minor">
       <a:schemeClr val="tx1">
-        <a:lumMod val="65000"/>
-        <a:lumOff val="35000"/>
+        <a:lumMod val="50000"/>
+        <a:lumOff val="50000"/>
       </a:schemeClr>
     </cs:fontRef>
     <cs:defRPr sz="1197" kern="1200"/>
@@ -3770,28 +3514,25 @@
       <a:schemeClr val="tx1"/>
     </cs:fontRef>
     <cs:spPr>
-      <a:noFill/>
-      <a:ln>
-        <a:noFill/>
-      </a:ln>
+      <a:sp3d/>
     </cs:spPr>
   </cs:wall>
 </cs:chartStyle>
 </file>
 
 <file path=ppt/charts/style2.xml><?xml version="1.0" encoding="utf-8"?>
-<cs:chartStyle xmlns:cs="http://schemas.microsoft.com/office/drawing/2012/chartStyle" xmlns:a="http://schemas.openxmlformats.org/drawingml/2006/main" id="332">
+<cs:chartStyle xmlns:cs="http://schemas.microsoft.com/office/drawing/2012/chartStyle" xmlns:a="http://schemas.openxmlformats.org/drawingml/2006/main" id="292">
   <cs:axisTitle>
     <cs:lnRef idx="0"/>
     <cs:fillRef idx="0"/>
     <cs:effectRef idx="0"/>
     <cs:fontRef idx="minor">
       <a:schemeClr val="tx1">
-        <a:lumMod val="65000"/>
-        <a:lumOff val="35000"/>
+        <a:lumMod val="50000"/>
+        <a:lumOff val="50000"/>
       </a:schemeClr>
     </cs:fontRef>
-    <cs:defRPr sz="1330" kern="1200"/>
+    <cs:defRPr sz="1197" kern="1200"/>
   </cs:axisTitle>
   <cs:categoryAxis>
     <cs:lnRef idx="0"/>
@@ -3799,21 +3540,10 @@
     <cs:effectRef idx="0"/>
     <cs:fontRef idx="minor">
       <a:schemeClr val="tx1">
-        <a:lumMod val="65000"/>
-        <a:lumOff val="35000"/>
+        <a:lumMod val="50000"/>
+        <a:lumOff val="50000"/>
       </a:schemeClr>
     </cs:fontRef>
-    <cs:spPr>
-      <a:ln w="9525" cap="flat" cmpd="sng" algn="ctr">
-        <a:solidFill>
-          <a:schemeClr val="tx1">
-            <a:lumMod val="15000"/>
-            <a:lumOff val="85000"/>
-          </a:schemeClr>
-        </a:solidFill>
-        <a:round/>
-      </a:ln>
-    </cs:spPr>
     <cs:defRPr sz="1197" kern="1200"/>
   </cs:categoryAxis>
   <cs:chartArea mods="allowNoFillOverride allowNoLineOverride">
@@ -3845,8 +3575,8 @@
     <cs:effectRef idx="0"/>
     <cs:fontRef idx="minor">
       <a:schemeClr val="tx1">
-        <a:lumMod val="75000"/>
-        <a:lumOff val="25000"/>
+        <a:lumMod val="50000"/>
+        <a:lumOff val="50000"/>
       </a:schemeClr>
     </cs:fontRef>
     <cs:defRPr sz="1197" kern="1200"/>
@@ -3880,30 +3610,63 @@
     </cs:bodyPr>
   </cs:dataLabelCallout>
   <cs:dataPoint>
-    <cs:lnRef idx="0"/>
-    <cs:fillRef idx="1">
+    <cs:lnRef idx="0">
+      <cs:styleClr val="auto"/>
+    </cs:lnRef>
+    <cs:fillRef idx="0">
       <cs:styleClr val="auto"/>
     </cs:fillRef>
     <cs:effectRef idx="0"/>
     <cs:fontRef idx="minor">
       <a:schemeClr val="tx1"/>
     </cs:fontRef>
+    <cs:spPr>
+      <a:solidFill>
+        <a:schemeClr val="phClr"/>
+      </a:solidFill>
+      <a:ln>
+        <a:solidFill>
+          <a:schemeClr val="phClr">
+            <a:lumMod val="75000"/>
+          </a:schemeClr>
+        </a:solidFill>
+      </a:ln>
+    </cs:spPr>
   </cs:dataPoint>
   <cs:dataPoint3D>
-    <cs:lnRef idx="0"/>
-    <cs:fillRef idx="1">
+    <cs:lnRef idx="0">
+      <cs:styleClr val="auto"/>
+    </cs:lnRef>
+    <cs:fillRef idx="0">
       <cs:styleClr val="auto"/>
     </cs:fillRef>
     <cs:effectRef idx="0"/>
     <cs:fontRef idx="minor">
       <a:schemeClr val="tx1"/>
     </cs:fontRef>
+    <cs:spPr>
+      <a:solidFill>
+        <a:schemeClr val="phClr"/>
+      </a:solidFill>
+      <a:ln>
+        <a:solidFill>
+          <a:schemeClr val="phClr">
+            <a:lumMod val="75000"/>
+          </a:schemeClr>
+        </a:solidFill>
+      </a:ln>
+      <a:scene3d>
+        <a:camera prst="orthographicFront"/>
+        <a:lightRig rig="threePt" dir="t"/>
+      </a:scene3d>
+      <a:sp3d prstMaterial="translucentPowder"/>
+    </cs:spPr>
   </cs:dataPoint3D>
   <cs:dataPointLine>
     <cs:lnRef idx="0">
       <cs:styleClr val="auto"/>
     </cs:lnRef>
-    <cs:fillRef idx="1"/>
+    <cs:fillRef idx="0"/>
     <cs:effectRef idx="0"/>
     <cs:fontRef idx="minor">
       <a:schemeClr val="tx1"/>
@@ -3911,7 +3674,9 @@
     <cs:spPr>
       <a:ln w="28575" cap="rnd">
         <a:solidFill>
-          <a:schemeClr val="phClr"/>
+          <a:schemeClr val="phClr">
+            <a:alpha val="70000"/>
+          </a:schemeClr>
         </a:solidFill>
         <a:round/>
       </a:ln>
@@ -3921,27 +3686,34 @@
     <cs:lnRef idx="0">
       <cs:styleClr val="auto"/>
     </cs:lnRef>
-    <cs:fillRef idx="1">
+    <cs:fillRef idx="0">
       <cs:styleClr val="auto"/>
     </cs:fillRef>
     <cs:effectRef idx="0"/>
     <cs:fontRef idx="minor">
-      <a:schemeClr val="tx1"/>
+      <a:schemeClr val="dk1"/>
     </cs:fontRef>
     <cs:spPr>
-      <a:ln w="9525">
+      <a:solidFill>
+        <a:schemeClr val="phClr">
+          <a:alpha val="70000"/>
+        </a:schemeClr>
+      </a:solidFill>
+      <a:ln>
         <a:solidFill>
-          <a:schemeClr val="phClr"/>
+          <a:schemeClr val="phClr">
+            <a:lumMod val="75000"/>
+          </a:schemeClr>
         </a:solidFill>
       </a:ln>
     </cs:spPr>
   </cs:dataPointMarker>
-  <cs:dataPointMarkerLayout symbol="circle" size="5"/>
+  <cs:dataPointMarkerLayout symbol="circle" size="6"/>
   <cs:dataPointWireframe>
     <cs:lnRef idx="0">
       <cs:styleClr val="auto"/>
     </cs:lnRef>
-    <cs:fillRef idx="1"/>
+    <cs:fillRef idx="0"/>
     <cs:effectRef idx="0"/>
     <cs:fontRef idx="minor">
       <a:schemeClr val="tx1"/>
@@ -3961,20 +3733,18 @@
     <cs:effectRef idx="0"/>
     <cs:fontRef idx="minor">
       <a:schemeClr val="tx1">
-        <a:lumMod val="65000"/>
-        <a:lumOff val="35000"/>
+        <a:lumMod val="50000"/>
+        <a:lumOff val="50000"/>
       </a:schemeClr>
     </cs:fontRef>
     <cs:spPr>
-      <a:noFill/>
-      <a:ln w="9525" cap="flat" cmpd="sng" algn="ctr">
+      <a:ln w="9525">
         <a:solidFill>
           <a:schemeClr val="tx1">
             <a:lumMod val="15000"/>
             <a:lumOff val="85000"/>
           </a:schemeClr>
         </a:solidFill>
-        <a:round/>
       </a:ln>
     </cs:spPr>
     <cs:defRPr sz="1197" kern="1200"/>
@@ -3989,8 +3759,8 @@
     <cs:spPr>
       <a:solidFill>
         <a:schemeClr val="dk1">
-          <a:lumMod val="65000"/>
-          <a:lumOff val="35000"/>
+          <a:lumMod val="75000"/>
+          <a:lumOff val="25000"/>
         </a:schemeClr>
       </a:solidFill>
       <a:ln w="9525">
@@ -4008,10 +3778,10 @@
     <cs:fillRef idx="0"/>
     <cs:effectRef idx="0"/>
     <cs:fontRef idx="minor">
-      <a:schemeClr val="tx1"/>
+      <a:schemeClr val="dk1"/>
     </cs:fontRef>
     <cs:spPr>
-      <a:ln w="9525" cap="flat" cmpd="sng" algn="ctr">
+      <a:ln w="9525">
         <a:solidFill>
           <a:schemeClr val="tx1">
             <a:lumMod val="35000"/>
@@ -4027,14 +3797,14 @@
     <cs:fillRef idx="0"/>
     <cs:effectRef idx="0"/>
     <cs:fontRef idx="minor">
-      <a:schemeClr val="tx1"/>
+      <a:schemeClr val="dk1"/>
     </cs:fontRef>
     <cs:spPr>
-      <a:ln w="9525" cap="flat" cmpd="sng" algn="ctr">
+      <a:ln w="9525">
         <a:solidFill>
           <a:schemeClr val="tx1">
-            <a:lumMod val="65000"/>
-            <a:lumOff val="35000"/>
+            <a:lumMod val="50000"/>
+            <a:lumOff val="50000"/>
           </a:schemeClr>
         </a:solidFill>
         <a:round/>
@@ -4049,32 +3819,15 @@
       <a:schemeClr val="tx1"/>
     </cs:fontRef>
     <cs:spPr>
-      <a:noFill/>
-      <a:ln>
-        <a:noFill/>
-      </a:ln>
+      <a:solidFill>
+        <a:schemeClr val="lt1">
+          <a:alpha val="27000"/>
+        </a:schemeClr>
+      </a:solidFill>
+      <a:sp3d/>
     </cs:spPr>
   </cs:floor>
   <cs:gridlineMajor>
-    <cs:lnRef idx="0"/>
-    <cs:fillRef idx="0"/>
-    <cs:effectRef idx="0"/>
-    <cs:fontRef idx="minor">
-      <a:schemeClr val="tx1"/>
-    </cs:fontRef>
-    <cs:spPr>
-      <a:ln w="9525" cap="flat" cmpd="sng" algn="ctr">
-        <a:solidFill>
-          <a:schemeClr val="tx1">
-            <a:lumMod val="15000"/>
-            <a:lumOff val="85000"/>
-          </a:schemeClr>
-        </a:solidFill>
-        <a:round/>
-      </a:ln>
-    </cs:spPr>
-  </cs:gridlineMajor>
-  <cs:gridlineMinor>
     <cs:lnRef idx="0"/>
     <cs:fillRef idx="0"/>
     <cs:effectRef idx="0"/>
@@ -4092,35 +3845,34 @@
         <a:round/>
       </a:ln>
     </cs:spPr>
+  </cs:gridlineMajor>
+  <cs:gridlineMinor>
+    <cs:lnRef idx="0"/>
+    <cs:fillRef idx="0"/>
+    <cs:effectRef idx="0"/>
+    <cs:fontRef idx="minor">
+      <a:schemeClr val="tx1"/>
+    </cs:fontRef>
+    <cs:spPr>
+      <a:ln>
+        <a:solidFill>
+          <a:schemeClr val="tx1">
+            <a:lumMod val="5000"/>
+            <a:lumOff val="95000"/>
+          </a:schemeClr>
+        </a:solidFill>
+      </a:ln>
+    </cs:spPr>
   </cs:gridlineMinor>
   <cs:hiLoLine>
     <cs:lnRef idx="0"/>
     <cs:fillRef idx="0"/>
     <cs:effectRef idx="0"/>
     <cs:fontRef idx="minor">
-      <a:schemeClr val="tx1"/>
+      <a:schemeClr val="dk1"/>
     </cs:fontRef>
     <cs:spPr>
-      <a:ln w="9525" cap="flat" cmpd="sng" algn="ctr">
-        <a:solidFill>
-          <a:schemeClr val="tx1">
-            <a:lumMod val="75000"/>
-            <a:lumOff val="25000"/>
-          </a:schemeClr>
-        </a:solidFill>
-        <a:round/>
-      </a:ln>
-    </cs:spPr>
-  </cs:hiLoLine>
-  <cs:leaderLine>
-    <cs:lnRef idx="0"/>
-    <cs:fillRef idx="0"/>
-    <cs:effectRef idx="0"/>
-    <cs:fontRef idx="minor">
-      <a:schemeClr val="tx1"/>
-    </cs:fontRef>
-    <cs:spPr>
-      <a:ln w="9525" cap="flat" cmpd="sng" algn="ctr">
+      <a:ln w="9525">
         <a:solidFill>
           <a:schemeClr val="tx1">
             <a:lumMod val="35000"/>
@@ -4130,6 +3882,24 @@
         <a:round/>
       </a:ln>
     </cs:spPr>
+  </cs:hiLoLine>
+  <cs:leaderLine>
+    <cs:lnRef idx="0"/>
+    <cs:fillRef idx="0"/>
+    <cs:effectRef idx="0"/>
+    <cs:fontRef idx="minor">
+      <a:schemeClr val="dk1"/>
+    </cs:fontRef>
+    <cs:spPr>
+      <a:ln w="9525">
+        <a:solidFill>
+          <a:schemeClr val="tx1">
+            <a:lumMod val="35000"/>
+            <a:lumOff val="65000"/>
+          </a:schemeClr>
+        </a:solidFill>
+      </a:ln>
+    </cs:spPr>
   </cs:leaderLine>
   <cs:legend>
     <cs:lnRef idx="0"/>
@@ -4137,8 +3907,8 @@
     <cs:effectRef idx="0"/>
     <cs:fontRef idx="minor">
       <a:schemeClr val="tx1">
-        <a:lumMod val="65000"/>
-        <a:lumOff val="35000"/>
+        <a:lumMod val="50000"/>
+        <a:lumOff val="50000"/>
       </a:schemeClr>
     </cs:fontRef>
     <cs:defRPr sz="1197" kern="1200"/>
@@ -4165,8 +3935,8 @@
     <cs:effectRef idx="0"/>
     <cs:fontRef idx="minor">
       <a:schemeClr val="tx1">
-        <a:lumMod val="65000"/>
-        <a:lumOff val="35000"/>
+        <a:lumMod val="50000"/>
+        <a:lumOff val="50000"/>
       </a:schemeClr>
     </cs:fontRef>
     <cs:defRPr sz="1197" kern="1200"/>
@@ -4176,10 +3946,10 @@
     <cs:fillRef idx="0"/>
     <cs:effectRef idx="0"/>
     <cs:fontRef idx="minor">
-      <a:schemeClr val="tx1"/>
+      <a:schemeClr val="dk1"/>
     </cs:fontRef>
     <cs:spPr>
-      <a:ln w="9525" cap="flat" cmpd="sng" algn="ctr">
+      <a:ln w="9525">
         <a:solidFill>
           <a:schemeClr val="tx1">
             <a:lumMod val="35000"/>
@@ -4200,7 +3970,7 @@
         <a:lumOff val="35000"/>
       </a:schemeClr>
     </cs:fontRef>
-    <cs:defRPr sz="1862" b="0" kern="1200" spc="0" baseline="0"/>
+    <cs:defRPr sz="2128" b="0" kern="1200" cap="none" spc="50" baseline="0"/>
   </cs:title>
   <cs:trendline>
     <cs:lnRef idx="0">
@@ -4209,14 +3979,13 @@
     <cs:fillRef idx="0"/>
     <cs:effectRef idx="0"/>
     <cs:fontRef idx="minor">
-      <a:schemeClr val="tx1"/>
+      <a:schemeClr val="dk1"/>
     </cs:fontRef>
     <cs:spPr>
-      <a:ln w="19050" cap="rnd">
+      <a:ln w="15875" cap="rnd">
         <a:solidFill>
           <a:schemeClr val="phClr"/>
         </a:solidFill>
-        <a:prstDash val="sysDot"/>
       </a:ln>
     </cs:spPr>
   </cs:trendline>
@@ -4226,8 +3995,8 @@
     <cs:effectRef idx="0"/>
     <cs:fontRef idx="minor">
       <a:schemeClr val="tx1">
-        <a:lumMod val="65000"/>
-        <a:lumOff val="35000"/>
+        <a:lumMod val="50000"/>
+        <a:lumOff val="50000"/>
       </a:schemeClr>
     </cs:fontRef>
     <cs:defRPr sz="1197" kern="1200"/>
@@ -4246,8 +4015,8 @@
       <a:ln w="9525">
         <a:solidFill>
           <a:schemeClr val="tx1">
-            <a:lumMod val="15000"/>
-            <a:lumOff val="85000"/>
+            <a:lumMod val="65000"/>
+            <a:lumOff val="35000"/>
           </a:schemeClr>
         </a:solidFill>
       </a:ln>
@@ -4259,8 +4028,8 @@
     <cs:effectRef idx="0"/>
     <cs:fontRef idx="minor">
       <a:schemeClr val="tx1">
-        <a:lumMod val="65000"/>
-        <a:lumOff val="35000"/>
+        <a:lumMod val="50000"/>
+        <a:lumOff val="50000"/>
       </a:schemeClr>
     </cs:fontRef>
     <cs:defRPr sz="1197" kern="1200"/>
@@ -4273,28 +4042,25 @@
       <a:schemeClr val="tx1"/>
     </cs:fontRef>
     <cs:spPr>
-      <a:noFill/>
-      <a:ln>
-        <a:noFill/>
-      </a:ln>
+      <a:sp3d/>
     </cs:spPr>
   </cs:wall>
 </cs:chartStyle>
 </file>
 
 <file path=ppt/charts/style3.xml><?xml version="1.0" encoding="utf-8"?>
-<cs:chartStyle xmlns:cs="http://schemas.microsoft.com/office/drawing/2012/chartStyle" xmlns:a="http://schemas.openxmlformats.org/drawingml/2006/main" id="332">
+<cs:chartStyle xmlns:cs="http://schemas.microsoft.com/office/drawing/2012/chartStyle" xmlns:a="http://schemas.openxmlformats.org/drawingml/2006/main" id="292">
   <cs:axisTitle>
     <cs:lnRef idx="0"/>
     <cs:fillRef idx="0"/>
     <cs:effectRef idx="0"/>
     <cs:fontRef idx="minor">
       <a:schemeClr val="tx1">
-        <a:lumMod val="65000"/>
-        <a:lumOff val="35000"/>
+        <a:lumMod val="50000"/>
+        <a:lumOff val="50000"/>
       </a:schemeClr>
     </cs:fontRef>
-    <cs:defRPr sz="1330" kern="1200"/>
+    <cs:defRPr sz="1197" kern="1200"/>
   </cs:axisTitle>
   <cs:categoryAxis>
     <cs:lnRef idx="0"/>
@@ -4302,21 +4068,10 @@
     <cs:effectRef idx="0"/>
     <cs:fontRef idx="minor">
       <a:schemeClr val="tx1">
-        <a:lumMod val="65000"/>
-        <a:lumOff val="35000"/>
+        <a:lumMod val="50000"/>
+        <a:lumOff val="50000"/>
       </a:schemeClr>
     </cs:fontRef>
-    <cs:spPr>
-      <a:ln w="9525" cap="flat" cmpd="sng" algn="ctr">
-        <a:solidFill>
-          <a:schemeClr val="tx1">
-            <a:lumMod val="15000"/>
-            <a:lumOff val="85000"/>
-          </a:schemeClr>
-        </a:solidFill>
-        <a:round/>
-      </a:ln>
-    </cs:spPr>
     <cs:defRPr sz="1197" kern="1200"/>
   </cs:categoryAxis>
   <cs:chartArea mods="allowNoFillOverride allowNoLineOverride">
@@ -4348,8 +4103,8 @@
     <cs:effectRef idx="0"/>
     <cs:fontRef idx="minor">
       <a:schemeClr val="tx1">
-        <a:lumMod val="75000"/>
-        <a:lumOff val="25000"/>
+        <a:lumMod val="50000"/>
+        <a:lumOff val="50000"/>
       </a:schemeClr>
     </cs:fontRef>
     <cs:defRPr sz="1197" kern="1200"/>
@@ -4383,30 +4138,63 @@
     </cs:bodyPr>
   </cs:dataLabelCallout>
   <cs:dataPoint>
-    <cs:lnRef idx="0"/>
-    <cs:fillRef idx="1">
+    <cs:lnRef idx="0">
+      <cs:styleClr val="auto"/>
+    </cs:lnRef>
+    <cs:fillRef idx="0">
       <cs:styleClr val="auto"/>
     </cs:fillRef>
     <cs:effectRef idx="0"/>
     <cs:fontRef idx="minor">
       <a:schemeClr val="tx1"/>
     </cs:fontRef>
+    <cs:spPr>
+      <a:solidFill>
+        <a:schemeClr val="phClr"/>
+      </a:solidFill>
+      <a:ln>
+        <a:solidFill>
+          <a:schemeClr val="phClr">
+            <a:lumMod val="75000"/>
+          </a:schemeClr>
+        </a:solidFill>
+      </a:ln>
+    </cs:spPr>
   </cs:dataPoint>
   <cs:dataPoint3D>
-    <cs:lnRef idx="0"/>
-    <cs:fillRef idx="1">
+    <cs:lnRef idx="0">
+      <cs:styleClr val="auto"/>
+    </cs:lnRef>
+    <cs:fillRef idx="0">
       <cs:styleClr val="auto"/>
     </cs:fillRef>
     <cs:effectRef idx="0"/>
     <cs:fontRef idx="minor">
       <a:schemeClr val="tx1"/>
     </cs:fontRef>
+    <cs:spPr>
+      <a:solidFill>
+        <a:schemeClr val="phClr"/>
+      </a:solidFill>
+      <a:ln>
+        <a:solidFill>
+          <a:schemeClr val="phClr">
+            <a:lumMod val="75000"/>
+          </a:schemeClr>
+        </a:solidFill>
+      </a:ln>
+      <a:scene3d>
+        <a:camera prst="orthographicFront"/>
+        <a:lightRig rig="threePt" dir="t"/>
+      </a:scene3d>
+      <a:sp3d prstMaterial="translucentPowder"/>
+    </cs:spPr>
   </cs:dataPoint3D>
   <cs:dataPointLine>
     <cs:lnRef idx="0">
       <cs:styleClr val="auto"/>
     </cs:lnRef>
-    <cs:fillRef idx="1"/>
+    <cs:fillRef idx="0"/>
     <cs:effectRef idx="0"/>
     <cs:fontRef idx="minor">
       <a:schemeClr val="tx1"/>
@@ -4414,7 +4202,9 @@
     <cs:spPr>
       <a:ln w="28575" cap="rnd">
         <a:solidFill>
-          <a:schemeClr val="phClr"/>
+          <a:schemeClr val="phClr">
+            <a:alpha val="70000"/>
+          </a:schemeClr>
         </a:solidFill>
         <a:round/>
       </a:ln>
@@ -4424,27 +4214,34 @@
     <cs:lnRef idx="0">
       <cs:styleClr val="auto"/>
     </cs:lnRef>
-    <cs:fillRef idx="1">
+    <cs:fillRef idx="0">
       <cs:styleClr val="auto"/>
     </cs:fillRef>
     <cs:effectRef idx="0"/>
     <cs:fontRef idx="minor">
-      <a:schemeClr val="tx1"/>
+      <a:schemeClr val="dk1"/>
     </cs:fontRef>
     <cs:spPr>
-      <a:ln w="9525">
+      <a:solidFill>
+        <a:schemeClr val="phClr">
+          <a:alpha val="70000"/>
+        </a:schemeClr>
+      </a:solidFill>
+      <a:ln>
         <a:solidFill>
-          <a:schemeClr val="phClr"/>
+          <a:schemeClr val="phClr">
+            <a:lumMod val="75000"/>
+          </a:schemeClr>
         </a:solidFill>
       </a:ln>
     </cs:spPr>
   </cs:dataPointMarker>
-  <cs:dataPointMarkerLayout symbol="circle" size="5"/>
+  <cs:dataPointMarkerLayout symbol="circle" size="6"/>
   <cs:dataPointWireframe>
     <cs:lnRef idx="0">
       <cs:styleClr val="auto"/>
     </cs:lnRef>
-    <cs:fillRef idx="1"/>
+    <cs:fillRef idx="0"/>
     <cs:effectRef idx="0"/>
     <cs:fontRef idx="minor">
       <a:schemeClr val="tx1"/>
@@ -4464,20 +4261,18 @@
     <cs:effectRef idx="0"/>
     <cs:fontRef idx="minor">
       <a:schemeClr val="tx1">
-        <a:lumMod val="65000"/>
-        <a:lumOff val="35000"/>
+        <a:lumMod val="50000"/>
+        <a:lumOff val="50000"/>
       </a:schemeClr>
     </cs:fontRef>
     <cs:spPr>
-      <a:noFill/>
-      <a:ln w="9525" cap="flat" cmpd="sng" algn="ctr">
+      <a:ln w="9525">
         <a:solidFill>
           <a:schemeClr val="tx1">
             <a:lumMod val="15000"/>
             <a:lumOff val="85000"/>
           </a:schemeClr>
         </a:solidFill>
-        <a:round/>
       </a:ln>
     </cs:spPr>
     <cs:defRPr sz="1197" kern="1200"/>
@@ -4492,8 +4287,8 @@
     <cs:spPr>
       <a:solidFill>
         <a:schemeClr val="dk1">
-          <a:lumMod val="65000"/>
-          <a:lumOff val="35000"/>
+          <a:lumMod val="75000"/>
+          <a:lumOff val="25000"/>
         </a:schemeClr>
       </a:solidFill>
       <a:ln w="9525">
@@ -4511,10 +4306,10 @@
     <cs:fillRef idx="0"/>
     <cs:effectRef idx="0"/>
     <cs:fontRef idx="minor">
-      <a:schemeClr val="tx1"/>
+      <a:schemeClr val="dk1"/>
     </cs:fontRef>
     <cs:spPr>
-      <a:ln w="9525" cap="flat" cmpd="sng" algn="ctr">
+      <a:ln w="9525">
         <a:solidFill>
           <a:schemeClr val="tx1">
             <a:lumMod val="35000"/>
@@ -4530,14 +4325,14 @@
     <cs:fillRef idx="0"/>
     <cs:effectRef idx="0"/>
     <cs:fontRef idx="minor">
-      <a:schemeClr val="tx1"/>
+      <a:schemeClr val="dk1"/>
     </cs:fontRef>
     <cs:spPr>
-      <a:ln w="9525" cap="flat" cmpd="sng" algn="ctr">
+      <a:ln w="9525">
         <a:solidFill>
           <a:schemeClr val="tx1">
-            <a:lumMod val="65000"/>
-            <a:lumOff val="35000"/>
+            <a:lumMod val="50000"/>
+            <a:lumOff val="50000"/>
           </a:schemeClr>
         </a:solidFill>
         <a:round/>
@@ -4552,32 +4347,15 @@
       <a:schemeClr val="tx1"/>
     </cs:fontRef>
     <cs:spPr>
-      <a:noFill/>
-      <a:ln>
-        <a:noFill/>
-      </a:ln>
+      <a:solidFill>
+        <a:schemeClr val="lt1">
+          <a:alpha val="27000"/>
+        </a:schemeClr>
+      </a:solidFill>
+      <a:sp3d/>
     </cs:spPr>
   </cs:floor>
   <cs:gridlineMajor>
-    <cs:lnRef idx="0"/>
-    <cs:fillRef idx="0"/>
-    <cs:effectRef idx="0"/>
-    <cs:fontRef idx="minor">
-      <a:schemeClr val="tx1"/>
-    </cs:fontRef>
-    <cs:spPr>
-      <a:ln w="9525" cap="flat" cmpd="sng" algn="ctr">
-        <a:solidFill>
-          <a:schemeClr val="tx1">
-            <a:lumMod val="15000"/>
-            <a:lumOff val="85000"/>
-          </a:schemeClr>
-        </a:solidFill>
-        <a:round/>
-      </a:ln>
-    </cs:spPr>
-  </cs:gridlineMajor>
-  <cs:gridlineMinor>
     <cs:lnRef idx="0"/>
     <cs:fillRef idx="0"/>
     <cs:effectRef idx="0"/>
@@ -4595,35 +4373,34 @@
         <a:round/>
       </a:ln>
     </cs:spPr>
+  </cs:gridlineMajor>
+  <cs:gridlineMinor>
+    <cs:lnRef idx="0"/>
+    <cs:fillRef idx="0"/>
+    <cs:effectRef idx="0"/>
+    <cs:fontRef idx="minor">
+      <a:schemeClr val="tx1"/>
+    </cs:fontRef>
+    <cs:spPr>
+      <a:ln>
+        <a:solidFill>
+          <a:schemeClr val="tx1">
+            <a:lumMod val="5000"/>
+            <a:lumOff val="95000"/>
+          </a:schemeClr>
+        </a:solidFill>
+      </a:ln>
+    </cs:spPr>
   </cs:gridlineMinor>
   <cs:hiLoLine>
     <cs:lnRef idx="0"/>
     <cs:fillRef idx="0"/>
     <cs:effectRef idx="0"/>
     <cs:fontRef idx="minor">
-      <a:schemeClr val="tx1"/>
+      <a:schemeClr val="dk1"/>
     </cs:fontRef>
     <cs:spPr>
-      <a:ln w="9525" cap="flat" cmpd="sng" algn="ctr">
-        <a:solidFill>
-          <a:schemeClr val="tx1">
-            <a:lumMod val="75000"/>
-            <a:lumOff val="25000"/>
-          </a:schemeClr>
-        </a:solidFill>
-        <a:round/>
-      </a:ln>
-    </cs:spPr>
-  </cs:hiLoLine>
-  <cs:leaderLine>
-    <cs:lnRef idx="0"/>
-    <cs:fillRef idx="0"/>
-    <cs:effectRef idx="0"/>
-    <cs:fontRef idx="minor">
-      <a:schemeClr val="tx1"/>
-    </cs:fontRef>
-    <cs:spPr>
-      <a:ln w="9525" cap="flat" cmpd="sng" algn="ctr">
+      <a:ln w="9525">
         <a:solidFill>
           <a:schemeClr val="tx1">
             <a:lumMod val="35000"/>
@@ -4633,6 +4410,24 @@
         <a:round/>
       </a:ln>
     </cs:spPr>
+  </cs:hiLoLine>
+  <cs:leaderLine>
+    <cs:lnRef idx="0"/>
+    <cs:fillRef idx="0"/>
+    <cs:effectRef idx="0"/>
+    <cs:fontRef idx="minor">
+      <a:schemeClr val="dk1"/>
+    </cs:fontRef>
+    <cs:spPr>
+      <a:ln w="9525">
+        <a:solidFill>
+          <a:schemeClr val="tx1">
+            <a:lumMod val="35000"/>
+            <a:lumOff val="65000"/>
+          </a:schemeClr>
+        </a:solidFill>
+      </a:ln>
+    </cs:spPr>
   </cs:leaderLine>
   <cs:legend>
     <cs:lnRef idx="0"/>
@@ -4640,8 +4435,8 @@
     <cs:effectRef idx="0"/>
     <cs:fontRef idx="minor">
       <a:schemeClr val="tx1">
-        <a:lumMod val="65000"/>
-        <a:lumOff val="35000"/>
+        <a:lumMod val="50000"/>
+        <a:lumOff val="50000"/>
       </a:schemeClr>
     </cs:fontRef>
     <cs:defRPr sz="1197" kern="1200"/>
@@ -4668,8 +4463,8 @@
     <cs:effectRef idx="0"/>
     <cs:fontRef idx="minor">
       <a:schemeClr val="tx1">
-        <a:lumMod val="65000"/>
-        <a:lumOff val="35000"/>
+        <a:lumMod val="50000"/>
+        <a:lumOff val="50000"/>
       </a:schemeClr>
     </cs:fontRef>
     <cs:defRPr sz="1197" kern="1200"/>
@@ -4679,10 +4474,10 @@
     <cs:fillRef idx="0"/>
     <cs:effectRef idx="0"/>
     <cs:fontRef idx="minor">
-      <a:schemeClr val="tx1"/>
+      <a:schemeClr val="dk1"/>
     </cs:fontRef>
     <cs:spPr>
-      <a:ln w="9525" cap="flat" cmpd="sng" algn="ctr">
+      <a:ln w="9525">
         <a:solidFill>
           <a:schemeClr val="tx1">
             <a:lumMod val="35000"/>
@@ -4703,7 +4498,7 @@
         <a:lumOff val="35000"/>
       </a:schemeClr>
     </cs:fontRef>
-    <cs:defRPr sz="1862" b="0" kern="1200" spc="0" baseline="0"/>
+    <cs:defRPr sz="2128" b="0" kern="1200" cap="none" spc="50" baseline="0"/>
   </cs:title>
   <cs:trendline>
     <cs:lnRef idx="0">
@@ -4712,14 +4507,13 @@
     <cs:fillRef idx="0"/>
     <cs:effectRef idx="0"/>
     <cs:fontRef idx="minor">
-      <a:schemeClr val="tx1"/>
+      <a:schemeClr val="dk1"/>
     </cs:fontRef>
     <cs:spPr>
-      <a:ln w="19050" cap="rnd">
+      <a:ln w="15875" cap="rnd">
         <a:solidFill>
           <a:schemeClr val="phClr"/>
         </a:solidFill>
-        <a:prstDash val="sysDot"/>
       </a:ln>
     </cs:spPr>
   </cs:trendline>
@@ -4729,8 +4523,8 @@
     <cs:effectRef idx="0"/>
     <cs:fontRef idx="minor">
       <a:schemeClr val="tx1">
-        <a:lumMod val="65000"/>
-        <a:lumOff val="35000"/>
+        <a:lumMod val="50000"/>
+        <a:lumOff val="50000"/>
       </a:schemeClr>
     </cs:fontRef>
     <cs:defRPr sz="1197" kern="1200"/>
@@ -4749,8 +4543,8 @@
       <a:ln w="9525">
         <a:solidFill>
           <a:schemeClr val="tx1">
-            <a:lumMod val="15000"/>
-            <a:lumOff val="85000"/>
+            <a:lumMod val="65000"/>
+            <a:lumOff val="35000"/>
           </a:schemeClr>
         </a:solidFill>
       </a:ln>
@@ -4762,8 +4556,8 @@
     <cs:effectRef idx="0"/>
     <cs:fontRef idx="minor">
       <a:schemeClr val="tx1">
-        <a:lumMod val="65000"/>
-        <a:lumOff val="35000"/>
+        <a:lumMod val="50000"/>
+        <a:lumOff val="50000"/>
       </a:schemeClr>
     </cs:fontRef>
     <cs:defRPr sz="1197" kern="1200"/>
@@ -4776,28 +4570,25 @@
       <a:schemeClr val="tx1"/>
     </cs:fontRef>
     <cs:spPr>
-      <a:noFill/>
-      <a:ln>
-        <a:noFill/>
-      </a:ln>
+      <a:sp3d/>
     </cs:spPr>
   </cs:wall>
 </cs:chartStyle>
 </file>
 
 <file path=ppt/charts/style4.xml><?xml version="1.0" encoding="utf-8"?>
-<cs:chartStyle xmlns:cs="http://schemas.microsoft.com/office/drawing/2012/chartStyle" xmlns:a="http://schemas.openxmlformats.org/drawingml/2006/main" id="332">
+<cs:chartStyle xmlns:cs="http://schemas.microsoft.com/office/drawing/2012/chartStyle" xmlns:a="http://schemas.openxmlformats.org/drawingml/2006/main" id="292">
   <cs:axisTitle>
     <cs:lnRef idx="0"/>
     <cs:fillRef idx="0"/>
     <cs:effectRef idx="0"/>
     <cs:fontRef idx="minor">
       <a:schemeClr val="tx1">
-        <a:lumMod val="65000"/>
-        <a:lumOff val="35000"/>
+        <a:lumMod val="50000"/>
+        <a:lumOff val="50000"/>
       </a:schemeClr>
     </cs:fontRef>
-    <cs:defRPr sz="1330" kern="1200"/>
+    <cs:defRPr sz="1197" kern="1200"/>
   </cs:axisTitle>
   <cs:categoryAxis>
     <cs:lnRef idx="0"/>
@@ -4805,21 +4596,10 @@
     <cs:effectRef idx="0"/>
     <cs:fontRef idx="minor">
       <a:schemeClr val="tx1">
-        <a:lumMod val="65000"/>
-        <a:lumOff val="35000"/>
+        <a:lumMod val="50000"/>
+        <a:lumOff val="50000"/>
       </a:schemeClr>
     </cs:fontRef>
-    <cs:spPr>
-      <a:ln w="9525" cap="flat" cmpd="sng" algn="ctr">
-        <a:solidFill>
-          <a:schemeClr val="tx1">
-            <a:lumMod val="15000"/>
-            <a:lumOff val="85000"/>
-          </a:schemeClr>
-        </a:solidFill>
-        <a:round/>
-      </a:ln>
-    </cs:spPr>
     <cs:defRPr sz="1197" kern="1200"/>
   </cs:categoryAxis>
   <cs:chartArea mods="allowNoFillOverride allowNoLineOverride">
@@ -4851,8 +4631,8 @@
     <cs:effectRef idx="0"/>
     <cs:fontRef idx="minor">
       <a:schemeClr val="tx1">
-        <a:lumMod val="75000"/>
-        <a:lumOff val="25000"/>
+        <a:lumMod val="50000"/>
+        <a:lumOff val="50000"/>
       </a:schemeClr>
     </cs:fontRef>
     <cs:defRPr sz="1197" kern="1200"/>
@@ -4886,30 +4666,63 @@
     </cs:bodyPr>
   </cs:dataLabelCallout>
   <cs:dataPoint>
-    <cs:lnRef idx="0"/>
-    <cs:fillRef idx="1">
+    <cs:lnRef idx="0">
+      <cs:styleClr val="auto"/>
+    </cs:lnRef>
+    <cs:fillRef idx="0">
       <cs:styleClr val="auto"/>
     </cs:fillRef>
     <cs:effectRef idx="0"/>
     <cs:fontRef idx="minor">
       <a:schemeClr val="tx1"/>
     </cs:fontRef>
+    <cs:spPr>
+      <a:solidFill>
+        <a:schemeClr val="phClr"/>
+      </a:solidFill>
+      <a:ln>
+        <a:solidFill>
+          <a:schemeClr val="phClr">
+            <a:lumMod val="75000"/>
+          </a:schemeClr>
+        </a:solidFill>
+      </a:ln>
+    </cs:spPr>
   </cs:dataPoint>
   <cs:dataPoint3D>
-    <cs:lnRef idx="0"/>
-    <cs:fillRef idx="1">
+    <cs:lnRef idx="0">
+      <cs:styleClr val="auto"/>
+    </cs:lnRef>
+    <cs:fillRef idx="0">
       <cs:styleClr val="auto"/>
     </cs:fillRef>
     <cs:effectRef idx="0"/>
     <cs:fontRef idx="minor">
       <a:schemeClr val="tx1"/>
     </cs:fontRef>
+    <cs:spPr>
+      <a:solidFill>
+        <a:schemeClr val="phClr"/>
+      </a:solidFill>
+      <a:ln>
+        <a:solidFill>
+          <a:schemeClr val="phClr">
+            <a:lumMod val="75000"/>
+          </a:schemeClr>
+        </a:solidFill>
+      </a:ln>
+      <a:scene3d>
+        <a:camera prst="orthographicFront"/>
+        <a:lightRig rig="threePt" dir="t"/>
+      </a:scene3d>
+      <a:sp3d prstMaterial="translucentPowder"/>
+    </cs:spPr>
   </cs:dataPoint3D>
   <cs:dataPointLine>
     <cs:lnRef idx="0">
       <cs:styleClr val="auto"/>
     </cs:lnRef>
-    <cs:fillRef idx="1"/>
+    <cs:fillRef idx="0"/>
     <cs:effectRef idx="0"/>
     <cs:fontRef idx="minor">
       <a:schemeClr val="tx1"/>
@@ -4917,7 +4730,9 @@
     <cs:spPr>
       <a:ln w="28575" cap="rnd">
         <a:solidFill>
-          <a:schemeClr val="phClr"/>
+          <a:schemeClr val="phClr">
+            <a:alpha val="70000"/>
+          </a:schemeClr>
         </a:solidFill>
         <a:round/>
       </a:ln>
@@ -4927,27 +4742,34 @@
     <cs:lnRef idx="0">
       <cs:styleClr val="auto"/>
     </cs:lnRef>
-    <cs:fillRef idx="1">
+    <cs:fillRef idx="0">
       <cs:styleClr val="auto"/>
     </cs:fillRef>
     <cs:effectRef idx="0"/>
     <cs:fontRef idx="minor">
-      <a:schemeClr val="tx1"/>
+      <a:schemeClr val="dk1"/>
     </cs:fontRef>
     <cs:spPr>
-      <a:ln w="9525">
+      <a:solidFill>
+        <a:schemeClr val="phClr">
+          <a:alpha val="70000"/>
+        </a:schemeClr>
+      </a:solidFill>
+      <a:ln>
         <a:solidFill>
-          <a:schemeClr val="phClr"/>
+          <a:schemeClr val="phClr">
+            <a:lumMod val="75000"/>
+          </a:schemeClr>
         </a:solidFill>
       </a:ln>
     </cs:spPr>
   </cs:dataPointMarker>
-  <cs:dataPointMarkerLayout symbol="circle" size="5"/>
+  <cs:dataPointMarkerLayout symbol="circle" size="6"/>
   <cs:dataPointWireframe>
     <cs:lnRef idx="0">
       <cs:styleClr val="auto"/>
     </cs:lnRef>
-    <cs:fillRef idx="1"/>
+    <cs:fillRef idx="0"/>
     <cs:effectRef idx="0"/>
     <cs:fontRef idx="minor">
       <a:schemeClr val="tx1"/>
@@ -4967,20 +4789,18 @@
     <cs:effectRef idx="0"/>
     <cs:fontRef idx="minor">
       <a:schemeClr val="tx1">
-        <a:lumMod val="65000"/>
-        <a:lumOff val="35000"/>
+        <a:lumMod val="50000"/>
+        <a:lumOff val="50000"/>
       </a:schemeClr>
     </cs:fontRef>
     <cs:spPr>
-      <a:noFill/>
-      <a:ln w="9525" cap="flat" cmpd="sng" algn="ctr">
+      <a:ln w="9525">
         <a:solidFill>
           <a:schemeClr val="tx1">
             <a:lumMod val="15000"/>
             <a:lumOff val="85000"/>
           </a:schemeClr>
         </a:solidFill>
-        <a:round/>
       </a:ln>
     </cs:spPr>
     <cs:defRPr sz="1197" kern="1200"/>
@@ -4995,8 +4815,8 @@
     <cs:spPr>
       <a:solidFill>
         <a:schemeClr val="dk1">
-          <a:lumMod val="65000"/>
-          <a:lumOff val="35000"/>
+          <a:lumMod val="75000"/>
+          <a:lumOff val="25000"/>
         </a:schemeClr>
       </a:solidFill>
       <a:ln w="9525">
@@ -5014,10 +4834,10 @@
     <cs:fillRef idx="0"/>
     <cs:effectRef idx="0"/>
     <cs:fontRef idx="minor">
-      <a:schemeClr val="tx1"/>
+      <a:schemeClr val="dk1"/>
     </cs:fontRef>
     <cs:spPr>
-      <a:ln w="9525" cap="flat" cmpd="sng" algn="ctr">
+      <a:ln w="9525">
         <a:solidFill>
           <a:schemeClr val="tx1">
             <a:lumMod val="35000"/>
@@ -5033,14 +4853,14 @@
     <cs:fillRef idx="0"/>
     <cs:effectRef idx="0"/>
     <cs:fontRef idx="minor">
-      <a:schemeClr val="tx1"/>
+      <a:schemeClr val="dk1"/>
     </cs:fontRef>
     <cs:spPr>
-      <a:ln w="9525" cap="flat" cmpd="sng" algn="ctr">
+      <a:ln w="9525">
         <a:solidFill>
           <a:schemeClr val="tx1">
-            <a:lumMod val="65000"/>
-            <a:lumOff val="35000"/>
+            <a:lumMod val="50000"/>
+            <a:lumOff val="50000"/>
           </a:schemeClr>
         </a:solidFill>
         <a:round/>
@@ -5055,32 +4875,15 @@
       <a:schemeClr val="tx1"/>
     </cs:fontRef>
     <cs:spPr>
-      <a:noFill/>
-      <a:ln>
-        <a:noFill/>
-      </a:ln>
+      <a:solidFill>
+        <a:schemeClr val="lt1">
+          <a:alpha val="27000"/>
+        </a:schemeClr>
+      </a:solidFill>
+      <a:sp3d/>
     </cs:spPr>
   </cs:floor>
   <cs:gridlineMajor>
-    <cs:lnRef idx="0"/>
-    <cs:fillRef idx="0"/>
-    <cs:effectRef idx="0"/>
-    <cs:fontRef idx="minor">
-      <a:schemeClr val="tx1"/>
-    </cs:fontRef>
-    <cs:spPr>
-      <a:ln w="9525" cap="flat" cmpd="sng" algn="ctr">
-        <a:solidFill>
-          <a:schemeClr val="tx1">
-            <a:lumMod val="15000"/>
-            <a:lumOff val="85000"/>
-          </a:schemeClr>
-        </a:solidFill>
-        <a:round/>
-      </a:ln>
-    </cs:spPr>
-  </cs:gridlineMajor>
-  <cs:gridlineMinor>
     <cs:lnRef idx="0"/>
     <cs:fillRef idx="0"/>
     <cs:effectRef idx="0"/>
@@ -5098,35 +4901,34 @@
         <a:round/>
       </a:ln>
     </cs:spPr>
+  </cs:gridlineMajor>
+  <cs:gridlineMinor>
+    <cs:lnRef idx="0"/>
+    <cs:fillRef idx="0"/>
+    <cs:effectRef idx="0"/>
+    <cs:fontRef idx="minor">
+      <a:schemeClr val="tx1"/>
+    </cs:fontRef>
+    <cs:spPr>
+      <a:ln>
+        <a:solidFill>
+          <a:schemeClr val="tx1">
+            <a:lumMod val="5000"/>
+            <a:lumOff val="95000"/>
+          </a:schemeClr>
+        </a:solidFill>
+      </a:ln>
+    </cs:spPr>
   </cs:gridlineMinor>
   <cs:hiLoLine>
     <cs:lnRef idx="0"/>
     <cs:fillRef idx="0"/>
     <cs:effectRef idx="0"/>
     <cs:fontRef idx="minor">
-      <a:schemeClr val="tx1"/>
+      <a:schemeClr val="dk1"/>
     </cs:fontRef>
     <cs:spPr>
-      <a:ln w="9525" cap="flat" cmpd="sng" algn="ctr">
-        <a:solidFill>
-          <a:schemeClr val="tx1">
-            <a:lumMod val="75000"/>
-            <a:lumOff val="25000"/>
-          </a:schemeClr>
-        </a:solidFill>
-        <a:round/>
-      </a:ln>
-    </cs:spPr>
-  </cs:hiLoLine>
-  <cs:leaderLine>
-    <cs:lnRef idx="0"/>
-    <cs:fillRef idx="0"/>
-    <cs:effectRef idx="0"/>
-    <cs:fontRef idx="minor">
-      <a:schemeClr val="tx1"/>
-    </cs:fontRef>
-    <cs:spPr>
-      <a:ln w="9525" cap="flat" cmpd="sng" algn="ctr">
+      <a:ln w="9525">
         <a:solidFill>
           <a:schemeClr val="tx1">
             <a:lumMod val="35000"/>
@@ -5136,6 +4938,24 @@
         <a:round/>
       </a:ln>
     </cs:spPr>
+  </cs:hiLoLine>
+  <cs:leaderLine>
+    <cs:lnRef idx="0"/>
+    <cs:fillRef idx="0"/>
+    <cs:effectRef idx="0"/>
+    <cs:fontRef idx="minor">
+      <a:schemeClr val="dk1"/>
+    </cs:fontRef>
+    <cs:spPr>
+      <a:ln w="9525">
+        <a:solidFill>
+          <a:schemeClr val="tx1">
+            <a:lumMod val="35000"/>
+            <a:lumOff val="65000"/>
+          </a:schemeClr>
+        </a:solidFill>
+      </a:ln>
+    </cs:spPr>
   </cs:leaderLine>
   <cs:legend>
     <cs:lnRef idx="0"/>
@@ -5143,8 +4963,8 @@
     <cs:effectRef idx="0"/>
     <cs:fontRef idx="minor">
       <a:schemeClr val="tx1">
-        <a:lumMod val="65000"/>
-        <a:lumOff val="35000"/>
+        <a:lumMod val="50000"/>
+        <a:lumOff val="50000"/>
       </a:schemeClr>
     </cs:fontRef>
     <cs:defRPr sz="1197" kern="1200"/>
@@ -5171,8 +4991,8 @@
     <cs:effectRef idx="0"/>
     <cs:fontRef idx="minor">
       <a:schemeClr val="tx1">
-        <a:lumMod val="65000"/>
-        <a:lumOff val="35000"/>
+        <a:lumMod val="50000"/>
+        <a:lumOff val="50000"/>
       </a:schemeClr>
     </cs:fontRef>
     <cs:defRPr sz="1197" kern="1200"/>
@@ -5182,10 +5002,10 @@
     <cs:fillRef idx="0"/>
     <cs:effectRef idx="0"/>
     <cs:fontRef idx="minor">
-      <a:schemeClr val="tx1"/>
+      <a:schemeClr val="dk1"/>
     </cs:fontRef>
     <cs:spPr>
-      <a:ln w="9525" cap="flat" cmpd="sng" algn="ctr">
+      <a:ln w="9525">
         <a:solidFill>
           <a:schemeClr val="tx1">
             <a:lumMod val="35000"/>
@@ -5206,7 +5026,7 @@
         <a:lumOff val="35000"/>
       </a:schemeClr>
     </cs:fontRef>
-    <cs:defRPr sz="1862" b="0" kern="1200" spc="0" baseline="0"/>
+    <cs:defRPr sz="2128" b="0" kern="1200" cap="none" spc="50" baseline="0"/>
   </cs:title>
   <cs:trendline>
     <cs:lnRef idx="0">
@@ -5215,14 +5035,13 @@
     <cs:fillRef idx="0"/>
     <cs:effectRef idx="0"/>
     <cs:fontRef idx="minor">
-      <a:schemeClr val="tx1"/>
+      <a:schemeClr val="dk1"/>
     </cs:fontRef>
     <cs:spPr>
-      <a:ln w="19050" cap="rnd">
+      <a:ln w="15875" cap="rnd">
         <a:solidFill>
           <a:schemeClr val="phClr"/>
         </a:solidFill>
-        <a:prstDash val="sysDot"/>
       </a:ln>
     </cs:spPr>
   </cs:trendline>
@@ -5232,8 +5051,8 @@
     <cs:effectRef idx="0"/>
     <cs:fontRef idx="minor">
       <a:schemeClr val="tx1">
-        <a:lumMod val="65000"/>
-        <a:lumOff val="35000"/>
+        <a:lumMod val="50000"/>
+        <a:lumOff val="50000"/>
       </a:schemeClr>
     </cs:fontRef>
     <cs:defRPr sz="1197" kern="1200"/>
@@ -5252,8 +5071,8 @@
       <a:ln w="9525">
         <a:solidFill>
           <a:schemeClr val="tx1">
-            <a:lumMod val="15000"/>
-            <a:lumOff val="85000"/>
+            <a:lumMod val="65000"/>
+            <a:lumOff val="35000"/>
           </a:schemeClr>
         </a:solidFill>
       </a:ln>
@@ -5265,8 +5084,8 @@
     <cs:effectRef idx="0"/>
     <cs:fontRef idx="minor">
       <a:schemeClr val="tx1">
-        <a:lumMod val="65000"/>
-        <a:lumOff val="35000"/>
+        <a:lumMod val="50000"/>
+        <a:lumOff val="50000"/>
       </a:schemeClr>
     </cs:fontRef>
     <cs:defRPr sz="1197" kern="1200"/>
@@ -5279,362 +5098,10 @@
       <a:schemeClr val="tx1"/>
     </cs:fontRef>
     <cs:spPr>
-      <a:noFill/>
-      <a:ln>
-        <a:noFill/>
-      </a:ln>
+      <a:sp3d/>
     </cs:spPr>
   </cs:wall>
 </cs:chartStyle>
-</file>
-
-<file path=ppt/notesMasters/notesMaster1.xml><?xml version="1.0" encoding="utf-8"?>
-<p:notesMaster xmlns:a="http://schemas.openxmlformats.org/drawingml/2006/main" xmlns:r="http://schemas.openxmlformats.org/officeDocument/2006/relationships" xmlns:p="http://schemas.openxmlformats.org/presentationml/2006/main">
-  <p:cSld>
-    <p:bg>
-      <p:bgRef idx="1001">
-        <a:schemeClr val="bg1"/>
-      </p:bgRef>
-    </p:bg>
-    <p:spTree>
-      <p:nvGrpSpPr>
-        <p:cNvPr id="1" name=""/>
-        <p:cNvGrpSpPr/>
-        <p:nvPr/>
-      </p:nvGrpSpPr>
-      <p:grpSpPr>
-        <a:xfrm>
-          <a:off x="0" y="0"/>
-          <a:ext cx="0" cy="0"/>
-          <a:chOff x="0" y="0"/>
-          <a:chExt cx="0" cy="0"/>
-        </a:xfrm>
-      </p:grpSpPr>
-      <p:sp>
-        <p:nvSpPr>
-          <p:cNvPr id="2" name="Header Placeholder 1"/>
-          <p:cNvSpPr>
-            <a:spLocks noGrp="1"/>
-          </p:cNvSpPr>
-          <p:nvPr>
-            <p:ph type="hdr" sz="quarter"/>
-          </p:nvPr>
-        </p:nvSpPr>
-        <p:spPr>
-          <a:xfrm>
-            <a:off x="0" y="0"/>
-            <a:ext cx="2971800" cy="457200"/>
-          </a:xfrm>
-          <a:prstGeom prst="rect">
-            <a:avLst/>
-          </a:prstGeom>
-        </p:spPr>
-        <p:txBody>
-          <a:bodyPr vert="horz" lIns="91440" tIns="45720" rIns="91440" bIns="45720" rtlCol="0"/>
-          <a:lstStyle>
-            <a:lvl1pPr algn="l">
-              <a:defRPr sz="1200"/>
-            </a:lvl1pPr>
-          </a:lstStyle>
-          <a:p>
-            <a:endParaRPr lang="en-US"/>
-          </a:p>
-        </p:txBody>
-      </p:sp>
-      <p:sp>
-        <p:nvSpPr>
-          <p:cNvPr id="3" name="Date Placeholder 2"/>
-          <p:cNvSpPr>
-            <a:spLocks noGrp="1"/>
-          </p:cNvSpPr>
-          <p:nvPr>
-            <p:ph type="dt" idx="1"/>
-          </p:nvPr>
-        </p:nvSpPr>
-        <p:spPr>
-          <a:xfrm>
-            <a:off x="3884613" y="0"/>
-            <a:ext cx="2971800" cy="457200"/>
-          </a:xfrm>
-          <a:prstGeom prst="rect">
-            <a:avLst/>
-          </a:prstGeom>
-        </p:spPr>
-        <p:txBody>
-          <a:bodyPr vert="horz" lIns="91440" tIns="45720" rIns="91440" bIns="45720" rtlCol="0"/>
-          <a:lstStyle>
-            <a:lvl1pPr algn="r">
-              <a:defRPr sz="1200"/>
-            </a:lvl1pPr>
-          </a:lstStyle>
-          <a:p>
-            <a:fld id="{8628D05E-27E0-4B49-92B2-5D71CE6C2C6C}" type="datetimeFigureOut">
-              <a:rPr lang="en-US" smtClean="0"/>
-              <a:t>4/23/20</a:t>
-            </a:fld>
-            <a:endParaRPr lang="en-US"/>
-          </a:p>
-        </p:txBody>
-      </p:sp>
-      <p:sp>
-        <p:nvSpPr>
-          <p:cNvPr id="4" name="Slide Image Placeholder 3"/>
-          <p:cNvSpPr>
-            <a:spLocks noGrp="1" noRot="1" noChangeAspect="1"/>
-          </p:cNvSpPr>
-          <p:nvPr>
-            <p:ph type="sldImg" idx="2"/>
-          </p:nvPr>
-        </p:nvSpPr>
-        <p:spPr>
-          <a:xfrm>
-            <a:off x="1143000" y="685800"/>
-            <a:ext cx="4572000" cy="3429000"/>
-          </a:xfrm>
-          <a:prstGeom prst="rect">
-            <a:avLst/>
-          </a:prstGeom>
-          <a:noFill/>
-          <a:ln w="12700">
-            <a:solidFill>
-              <a:prstClr val="black"/>
-            </a:solidFill>
-          </a:ln>
-        </p:spPr>
-        <p:txBody>
-          <a:bodyPr vert="horz" lIns="91440" tIns="45720" rIns="91440" bIns="45720" rtlCol="0" anchor="ctr"/>
-          <a:lstStyle/>
-          <a:p>
-            <a:endParaRPr lang="en-US"/>
-          </a:p>
-        </p:txBody>
-      </p:sp>
-      <p:sp>
-        <p:nvSpPr>
-          <p:cNvPr id="5" name="Notes Placeholder 4"/>
-          <p:cNvSpPr>
-            <a:spLocks noGrp="1"/>
-          </p:cNvSpPr>
-          <p:nvPr>
-            <p:ph type="body" sz="quarter" idx="3"/>
-          </p:nvPr>
-        </p:nvSpPr>
-        <p:spPr>
-          <a:xfrm>
-            <a:off x="685800" y="4343400"/>
-            <a:ext cx="5486400" cy="4114800"/>
-          </a:xfrm>
-          <a:prstGeom prst="rect">
-            <a:avLst/>
-          </a:prstGeom>
-        </p:spPr>
-        <p:txBody>
-          <a:bodyPr vert="horz" lIns="91440" tIns="45720" rIns="91440" bIns="45720" rtlCol="0"/>
-          <a:lstStyle/>
-          <a:p>
-            <a:pPr lvl="0"/>
-            <a:r>
-              <a:rPr lang="en-US"/>
-              <a:t>Click to edit Master text styles</a:t>
-            </a:r>
-          </a:p>
-          <a:p>
-            <a:pPr lvl="1"/>
-            <a:r>
-              <a:rPr lang="en-US"/>
-              <a:t>Second level</a:t>
-            </a:r>
-          </a:p>
-          <a:p>
-            <a:pPr lvl="2"/>
-            <a:r>
-              <a:rPr lang="en-US"/>
-              <a:t>Third level</a:t>
-            </a:r>
-          </a:p>
-          <a:p>
-            <a:pPr lvl="3"/>
-            <a:r>
-              <a:rPr lang="en-US"/>
-              <a:t>Fourth level</a:t>
-            </a:r>
-          </a:p>
-          <a:p>
-            <a:pPr lvl="4"/>
-            <a:r>
-              <a:rPr lang="en-US"/>
-              <a:t>Fifth level</a:t>
-            </a:r>
-          </a:p>
-        </p:txBody>
-      </p:sp>
-      <p:sp>
-        <p:nvSpPr>
-          <p:cNvPr id="6" name="Footer Placeholder 5"/>
-          <p:cNvSpPr>
-            <a:spLocks noGrp="1"/>
-          </p:cNvSpPr>
-          <p:nvPr>
-            <p:ph type="ftr" sz="quarter" idx="4"/>
-          </p:nvPr>
-        </p:nvSpPr>
-        <p:spPr>
-          <a:xfrm>
-            <a:off x="0" y="8685213"/>
-            <a:ext cx="2971800" cy="457200"/>
-          </a:xfrm>
-          <a:prstGeom prst="rect">
-            <a:avLst/>
-          </a:prstGeom>
-        </p:spPr>
-        <p:txBody>
-          <a:bodyPr vert="horz" lIns="91440" tIns="45720" rIns="91440" bIns="45720" rtlCol="0" anchor="b"/>
-          <a:lstStyle>
-            <a:lvl1pPr algn="l">
-              <a:defRPr sz="1200"/>
-            </a:lvl1pPr>
-          </a:lstStyle>
-          <a:p>
-            <a:endParaRPr lang="en-US"/>
-          </a:p>
-        </p:txBody>
-      </p:sp>
-      <p:sp>
-        <p:nvSpPr>
-          <p:cNvPr id="7" name="Slide Number Placeholder 6"/>
-          <p:cNvSpPr>
-            <a:spLocks noGrp="1"/>
-          </p:cNvSpPr>
-          <p:nvPr>
-            <p:ph type="sldNum" sz="quarter" idx="5"/>
-          </p:nvPr>
-        </p:nvSpPr>
-        <p:spPr>
-          <a:xfrm>
-            <a:off x="3884613" y="8685213"/>
-            <a:ext cx="2971800" cy="457200"/>
-          </a:xfrm>
-          <a:prstGeom prst="rect">
-            <a:avLst/>
-          </a:prstGeom>
-        </p:spPr>
-        <p:txBody>
-          <a:bodyPr vert="horz" lIns="91440" tIns="45720" rIns="91440" bIns="45720" rtlCol="0" anchor="b"/>
-          <a:lstStyle>
-            <a:lvl1pPr algn="r">
-              <a:defRPr sz="1200"/>
-            </a:lvl1pPr>
-          </a:lstStyle>
-          <a:p>
-            <a:fld id="{17CBA0B0-E39F-4F45-8CFC-2835E379C6B8}" type="slidenum">
-              <a:rPr lang="en-US" smtClean="0"/>
-              <a:t>‹#›</a:t>
-            </a:fld>
-            <a:endParaRPr lang="en-US"/>
-          </a:p>
-        </p:txBody>
-      </p:sp>
-    </p:spTree>
-    <p:extLst>
-      <p:ext uri="{BB962C8B-B14F-4D97-AF65-F5344CB8AC3E}">
-        <p14:creationId xmlns:p14="http://schemas.microsoft.com/office/powerpoint/2010/main" val="2184357972"/>
-      </p:ext>
-    </p:extLst>
-  </p:cSld>
-  <p:clrMap bg1="lt1" tx1="dk1" bg2="lt2" tx2="dk2" accent1="accent1" accent2="accent2" accent3="accent3" accent4="accent4" accent5="accent5" accent6="accent6" hlink="hlink" folHlink="folHlink"/>
-  <p:notesStyle>
-    <a:lvl1pPr marL="0" algn="l" defTabSz="457200" rtl="0" eaLnBrk="1" latinLnBrk="0" hangingPunct="1">
-      <a:defRPr sz="1200" kern="1200">
-        <a:solidFill>
-          <a:schemeClr val="tx1"/>
-        </a:solidFill>
-        <a:latin typeface="+mn-lt"/>
-        <a:ea typeface="+mn-ea"/>
-        <a:cs typeface="+mn-cs"/>
-      </a:defRPr>
-    </a:lvl1pPr>
-    <a:lvl2pPr marL="457200" algn="l" defTabSz="457200" rtl="0" eaLnBrk="1" latinLnBrk="0" hangingPunct="1">
-      <a:defRPr sz="1200" kern="1200">
-        <a:solidFill>
-          <a:schemeClr val="tx1"/>
-        </a:solidFill>
-        <a:latin typeface="+mn-lt"/>
-        <a:ea typeface="+mn-ea"/>
-        <a:cs typeface="+mn-cs"/>
-      </a:defRPr>
-    </a:lvl2pPr>
-    <a:lvl3pPr marL="914400" algn="l" defTabSz="457200" rtl="0" eaLnBrk="1" latinLnBrk="0" hangingPunct="1">
-      <a:defRPr sz="1200" kern="1200">
-        <a:solidFill>
-          <a:schemeClr val="tx1"/>
-        </a:solidFill>
-        <a:latin typeface="+mn-lt"/>
-        <a:ea typeface="+mn-ea"/>
-        <a:cs typeface="+mn-cs"/>
-      </a:defRPr>
-    </a:lvl3pPr>
-    <a:lvl4pPr marL="1371600" algn="l" defTabSz="457200" rtl="0" eaLnBrk="1" latinLnBrk="0" hangingPunct="1">
-      <a:defRPr sz="1200" kern="1200">
-        <a:solidFill>
-          <a:schemeClr val="tx1"/>
-        </a:solidFill>
-        <a:latin typeface="+mn-lt"/>
-        <a:ea typeface="+mn-ea"/>
-        <a:cs typeface="+mn-cs"/>
-      </a:defRPr>
-    </a:lvl4pPr>
-    <a:lvl5pPr marL="1828800" algn="l" defTabSz="457200" rtl="0" eaLnBrk="1" latinLnBrk="0" hangingPunct="1">
-      <a:defRPr sz="1200" kern="1200">
-        <a:solidFill>
-          <a:schemeClr val="tx1"/>
-        </a:solidFill>
-        <a:latin typeface="+mn-lt"/>
-        <a:ea typeface="+mn-ea"/>
-        <a:cs typeface="+mn-cs"/>
-      </a:defRPr>
-    </a:lvl5pPr>
-    <a:lvl6pPr marL="2286000" algn="l" defTabSz="457200" rtl="0" eaLnBrk="1" latinLnBrk="0" hangingPunct="1">
-      <a:defRPr sz="1200" kern="1200">
-        <a:solidFill>
-          <a:schemeClr val="tx1"/>
-        </a:solidFill>
-        <a:latin typeface="+mn-lt"/>
-        <a:ea typeface="+mn-ea"/>
-        <a:cs typeface="+mn-cs"/>
-      </a:defRPr>
-    </a:lvl6pPr>
-    <a:lvl7pPr marL="2743200" algn="l" defTabSz="457200" rtl="0" eaLnBrk="1" latinLnBrk="0" hangingPunct="1">
-      <a:defRPr sz="1200" kern="1200">
-        <a:solidFill>
-          <a:schemeClr val="tx1"/>
-        </a:solidFill>
-        <a:latin typeface="+mn-lt"/>
-        <a:ea typeface="+mn-ea"/>
-        <a:cs typeface="+mn-cs"/>
-      </a:defRPr>
-    </a:lvl7pPr>
-    <a:lvl8pPr marL="3200400" algn="l" defTabSz="457200" rtl="0" eaLnBrk="1" latinLnBrk="0" hangingPunct="1">
-      <a:defRPr sz="1200" kern="1200">
-        <a:solidFill>
-          <a:schemeClr val="tx1"/>
-        </a:solidFill>
-        <a:latin typeface="+mn-lt"/>
-        <a:ea typeface="+mn-ea"/>
-        <a:cs typeface="+mn-cs"/>
-      </a:defRPr>
-    </a:lvl8pPr>
-    <a:lvl9pPr marL="3657600" algn="l" defTabSz="457200" rtl="0" eaLnBrk="1" latinLnBrk="0" hangingPunct="1">
-      <a:defRPr sz="1200" kern="1200">
-        <a:solidFill>
-          <a:schemeClr val="tx1"/>
-        </a:solidFill>
-        <a:latin typeface="+mn-lt"/>
-        <a:ea typeface="+mn-ea"/>
-        <a:cs typeface="+mn-cs"/>
-      </a:defRPr>
-    </a:lvl9pPr>
-  </p:notesStyle>
-</p:notesMaster>
 </file>
 
 <file path=ppt/slideLayouts/slideLayout1.xml><?xml version="1.0" encoding="utf-8"?>
@@ -5656,7 +5123,13 @@
       </p:grpSpPr>
       <p:sp>
         <p:nvSpPr>
-          <p:cNvPr id="2" name="Title 1"/>
+          <p:cNvPr id="2" name="Title 1">
+            <a:extLst>
+              <a:ext uri="{FF2B5EF4-FFF2-40B4-BE49-F238E27FC236}">
+                <a16:creationId xmlns:a16="http://schemas.microsoft.com/office/drawing/2014/main" id="{B21C9B19-92F4-5F41-9D59-7DDB2A0CEE2A}"/>
+              </a:ext>
+            </a:extLst>
+          </p:cNvPr>
           <p:cNvSpPr>
             <a:spLocks noGrp="1"/>
           </p:cNvSpPr>
@@ -5666,13 +5139,17 @@
         </p:nvSpPr>
         <p:spPr>
           <a:xfrm>
-            <a:off x="685800" y="2130425"/>
-            <a:ext cx="7772400" cy="1470025"/>
+            <a:off x="1524000" y="1122363"/>
+            <a:ext cx="9144000" cy="2387600"/>
           </a:xfrm>
         </p:spPr>
         <p:txBody>
-          <a:bodyPr/>
-          <a:lstStyle/>
+          <a:bodyPr anchor="b"/>
+          <a:lstStyle>
+            <a:lvl1pPr algn="ctr">
+              <a:defRPr sz="6000"/>
+            </a:lvl1pPr>
+          </a:lstStyle>
           <a:p>
             <a:r>
               <a:rPr lang="en-US"/>
@@ -5683,7 +5160,13 @@
       </p:sp>
       <p:sp>
         <p:nvSpPr>
-          <p:cNvPr id="3" name="Subtitle 2"/>
+          <p:cNvPr id="3" name="Subtitle 2">
+            <a:extLst>
+              <a:ext uri="{FF2B5EF4-FFF2-40B4-BE49-F238E27FC236}">
+                <a16:creationId xmlns:a16="http://schemas.microsoft.com/office/drawing/2014/main" id="{09FAC5B2-867A-3344-B149-CB0C1A0718E6}"/>
+              </a:ext>
+            </a:extLst>
+          </p:cNvPr>
           <p:cNvSpPr>
             <a:spLocks noGrp="1"/>
           </p:cNvSpPr>
@@ -5693,8 +5176,8 @@
         </p:nvSpPr>
         <p:spPr>
           <a:xfrm>
-            <a:off x="1371600" y="3886200"/>
-            <a:ext cx="6400800" cy="1752600"/>
+            <a:off x="1524000" y="3602038"/>
+            <a:ext cx="9144000" cy="1655762"/>
           </a:xfrm>
         </p:spPr>
         <p:txBody>
@@ -5702,93 +5185,39 @@
           <a:lstStyle>
             <a:lvl1pPr marL="0" indent="0" algn="ctr">
               <a:buNone/>
-              <a:defRPr>
-                <a:solidFill>
-                  <a:schemeClr val="tx1">
-                    <a:tint val="75000"/>
-                  </a:schemeClr>
-                </a:solidFill>
-              </a:defRPr>
+              <a:defRPr sz="2400"/>
             </a:lvl1pPr>
             <a:lvl2pPr marL="457200" indent="0" algn="ctr">
               <a:buNone/>
-              <a:defRPr>
-                <a:solidFill>
-                  <a:schemeClr val="tx1">
-                    <a:tint val="75000"/>
-                  </a:schemeClr>
-                </a:solidFill>
-              </a:defRPr>
+              <a:defRPr sz="2000"/>
             </a:lvl2pPr>
             <a:lvl3pPr marL="914400" indent="0" algn="ctr">
               <a:buNone/>
-              <a:defRPr>
-                <a:solidFill>
-                  <a:schemeClr val="tx1">
-                    <a:tint val="75000"/>
-                  </a:schemeClr>
-                </a:solidFill>
-              </a:defRPr>
+              <a:defRPr sz="1800"/>
             </a:lvl3pPr>
             <a:lvl4pPr marL="1371600" indent="0" algn="ctr">
               <a:buNone/>
-              <a:defRPr>
-                <a:solidFill>
-                  <a:schemeClr val="tx1">
-                    <a:tint val="75000"/>
-                  </a:schemeClr>
-                </a:solidFill>
-              </a:defRPr>
+              <a:defRPr sz="1600"/>
             </a:lvl4pPr>
             <a:lvl5pPr marL="1828800" indent="0" algn="ctr">
               <a:buNone/>
-              <a:defRPr>
-                <a:solidFill>
-                  <a:schemeClr val="tx1">
-                    <a:tint val="75000"/>
-                  </a:schemeClr>
-                </a:solidFill>
-              </a:defRPr>
+              <a:defRPr sz="1600"/>
             </a:lvl5pPr>
             <a:lvl6pPr marL="2286000" indent="0" algn="ctr">
               <a:buNone/>
-              <a:defRPr>
-                <a:solidFill>
-                  <a:schemeClr val="tx1">
-                    <a:tint val="75000"/>
-                  </a:schemeClr>
-                </a:solidFill>
-              </a:defRPr>
+              <a:defRPr sz="1600"/>
             </a:lvl6pPr>
             <a:lvl7pPr marL="2743200" indent="0" algn="ctr">
               <a:buNone/>
-              <a:defRPr>
-                <a:solidFill>
-                  <a:schemeClr val="tx1">
-                    <a:tint val="75000"/>
-                  </a:schemeClr>
-                </a:solidFill>
-              </a:defRPr>
+              <a:defRPr sz="1600"/>
             </a:lvl7pPr>
             <a:lvl8pPr marL="3200400" indent="0" algn="ctr">
               <a:buNone/>
-              <a:defRPr>
-                <a:solidFill>
-                  <a:schemeClr val="tx1">
-                    <a:tint val="75000"/>
-                  </a:schemeClr>
-                </a:solidFill>
-              </a:defRPr>
+              <a:defRPr sz="1600"/>
             </a:lvl8pPr>
             <a:lvl9pPr marL="3657600" indent="0" algn="ctr">
               <a:buNone/>
-              <a:defRPr>
-                <a:solidFill>
-                  <a:schemeClr val="tx1">
-                    <a:tint val="75000"/>
-                  </a:schemeClr>
-                </a:solidFill>
-              </a:defRPr>
+              <a:defRPr sz="1600"/>
             </a:lvl9pPr>
           </a:lstStyle>
           <a:p>
@@ -5801,7 +5230,13 @@
       </p:sp>
       <p:sp>
         <p:nvSpPr>
-          <p:cNvPr id="4" name="Date Placeholder 3"/>
+          <p:cNvPr id="4" name="Date Placeholder 3">
+            <a:extLst>
+              <a:ext uri="{FF2B5EF4-FFF2-40B4-BE49-F238E27FC236}">
+                <a16:creationId xmlns:a16="http://schemas.microsoft.com/office/drawing/2014/main" id="{0F062FDE-883C-054A-A873-45B2992A0052}"/>
+              </a:ext>
+            </a:extLst>
+          </p:cNvPr>
           <p:cNvSpPr>
             <a:spLocks noGrp="1"/>
           </p:cNvSpPr>
@@ -5814,9 +5249,9 @@
           <a:bodyPr/>
           <a:lstStyle/>
           <a:p>
-            <a:fld id="{CA705254-548F-264E-ACCA-C3302308A209}" type="datetimeFigureOut">
+            <a:fld id="{E3A5D6DC-275E-5A4E-A28B-987FAD10E6F3}" type="datetimeFigureOut">
               <a:rPr lang="en-US" smtClean="0"/>
-              <a:t>4/23/20</a:t>
+              <a:t>4/25/20</a:t>
             </a:fld>
             <a:endParaRPr lang="en-US"/>
           </a:p>
@@ -5824,7 +5259,13 @@
       </p:sp>
       <p:sp>
         <p:nvSpPr>
-          <p:cNvPr id="5" name="Footer Placeholder 4"/>
+          <p:cNvPr id="5" name="Footer Placeholder 4">
+            <a:extLst>
+              <a:ext uri="{FF2B5EF4-FFF2-40B4-BE49-F238E27FC236}">
+                <a16:creationId xmlns:a16="http://schemas.microsoft.com/office/drawing/2014/main" id="{79892E8E-510C-BC45-9EE1-8C46AFBCC2B9}"/>
+              </a:ext>
+            </a:extLst>
+          </p:cNvPr>
           <p:cNvSpPr>
             <a:spLocks noGrp="1"/>
           </p:cNvSpPr>
@@ -5843,7 +5284,13 @@
       </p:sp>
       <p:sp>
         <p:nvSpPr>
-          <p:cNvPr id="6" name="Slide Number Placeholder 5"/>
+          <p:cNvPr id="6" name="Slide Number Placeholder 5">
+            <a:extLst>
+              <a:ext uri="{FF2B5EF4-FFF2-40B4-BE49-F238E27FC236}">
+                <a16:creationId xmlns:a16="http://schemas.microsoft.com/office/drawing/2014/main" id="{EFC16CD6-D554-FA4E-BED2-DA5F3C709358}"/>
+              </a:ext>
+            </a:extLst>
+          </p:cNvPr>
           <p:cNvSpPr>
             <a:spLocks noGrp="1"/>
           </p:cNvSpPr>
@@ -5856,7 +5303,7 @@
           <a:bodyPr/>
           <a:lstStyle/>
           <a:p>
-            <a:fld id="{1A1DF3CC-39B0-9140-86B4-EA13E25382FD}" type="slidenum">
+            <a:fld id="{5826FA90-988A-8249-956A-5CE1D6D83A8D}" type="slidenum">
               <a:rPr lang="en-US" smtClean="0"/>
               <a:t>‹#›</a:t>
             </a:fld>
@@ -5867,7 +5314,7 @@
     </p:spTree>
     <p:extLst>
       <p:ext uri="{BB962C8B-B14F-4D97-AF65-F5344CB8AC3E}">
-        <p14:creationId xmlns:p14="http://schemas.microsoft.com/office/powerpoint/2010/main" val="3040761230"/>
+        <p14:creationId xmlns:p14="http://schemas.microsoft.com/office/powerpoint/2010/main" val="1026237908"/>
       </p:ext>
     </p:extLst>
   </p:cSld>
@@ -5896,7 +5343,13 @@
       </p:grpSpPr>
       <p:sp>
         <p:nvSpPr>
-          <p:cNvPr id="2" name="Title 1"/>
+          <p:cNvPr id="2" name="Title 1">
+            <a:extLst>
+              <a:ext uri="{FF2B5EF4-FFF2-40B4-BE49-F238E27FC236}">
+                <a16:creationId xmlns:a16="http://schemas.microsoft.com/office/drawing/2014/main" id="{B356E8A7-B9B6-8146-B91A-950E8DFFA27C}"/>
+              </a:ext>
+            </a:extLst>
+          </p:cNvPr>
           <p:cNvSpPr>
             <a:spLocks noGrp="1"/>
           </p:cNvSpPr>
@@ -5918,7 +5371,13 @@
       </p:sp>
       <p:sp>
         <p:nvSpPr>
-          <p:cNvPr id="3" name="Vertical Text Placeholder 2"/>
+          <p:cNvPr id="3" name="Vertical Text Placeholder 2">
+            <a:extLst>
+              <a:ext uri="{FF2B5EF4-FFF2-40B4-BE49-F238E27FC236}">
+                <a16:creationId xmlns:a16="http://schemas.microsoft.com/office/drawing/2014/main" id="{542C8C97-E93D-9740-AF4A-DD996A6F6D65}"/>
+              </a:ext>
+            </a:extLst>
+          </p:cNvPr>
           <p:cNvSpPr>
             <a:spLocks noGrp="1"/>
           </p:cNvSpPr>
@@ -5969,7 +5428,13 @@
       </p:sp>
       <p:sp>
         <p:nvSpPr>
-          <p:cNvPr id="4" name="Date Placeholder 3"/>
+          <p:cNvPr id="4" name="Date Placeholder 3">
+            <a:extLst>
+              <a:ext uri="{FF2B5EF4-FFF2-40B4-BE49-F238E27FC236}">
+                <a16:creationId xmlns:a16="http://schemas.microsoft.com/office/drawing/2014/main" id="{E343EFBD-F110-AF44-9B4B-77E9A3420AB2}"/>
+              </a:ext>
+            </a:extLst>
+          </p:cNvPr>
           <p:cNvSpPr>
             <a:spLocks noGrp="1"/>
           </p:cNvSpPr>
@@ -5982,9 +5447,9 @@
           <a:bodyPr/>
           <a:lstStyle/>
           <a:p>
-            <a:fld id="{CA705254-548F-264E-ACCA-C3302308A209}" type="datetimeFigureOut">
+            <a:fld id="{E3A5D6DC-275E-5A4E-A28B-987FAD10E6F3}" type="datetimeFigureOut">
               <a:rPr lang="en-US" smtClean="0"/>
-              <a:t>4/23/20</a:t>
+              <a:t>4/25/20</a:t>
             </a:fld>
             <a:endParaRPr lang="en-US"/>
           </a:p>
@@ -5992,7 +5457,13 @@
       </p:sp>
       <p:sp>
         <p:nvSpPr>
-          <p:cNvPr id="5" name="Footer Placeholder 4"/>
+          <p:cNvPr id="5" name="Footer Placeholder 4">
+            <a:extLst>
+              <a:ext uri="{FF2B5EF4-FFF2-40B4-BE49-F238E27FC236}">
+                <a16:creationId xmlns:a16="http://schemas.microsoft.com/office/drawing/2014/main" id="{0168A4C0-1D1F-494F-98C3-86CD581D7A04}"/>
+              </a:ext>
+            </a:extLst>
+          </p:cNvPr>
           <p:cNvSpPr>
             <a:spLocks noGrp="1"/>
           </p:cNvSpPr>
@@ -6011,7 +5482,13 @@
       </p:sp>
       <p:sp>
         <p:nvSpPr>
-          <p:cNvPr id="6" name="Slide Number Placeholder 5"/>
+          <p:cNvPr id="6" name="Slide Number Placeholder 5">
+            <a:extLst>
+              <a:ext uri="{FF2B5EF4-FFF2-40B4-BE49-F238E27FC236}">
+                <a16:creationId xmlns:a16="http://schemas.microsoft.com/office/drawing/2014/main" id="{B5ACA921-14D0-1942-B127-4EEB129BA803}"/>
+              </a:ext>
+            </a:extLst>
+          </p:cNvPr>
           <p:cNvSpPr>
             <a:spLocks noGrp="1"/>
           </p:cNvSpPr>
@@ -6024,7 +5501,7 @@
           <a:bodyPr/>
           <a:lstStyle/>
           <a:p>
-            <a:fld id="{1A1DF3CC-39B0-9140-86B4-EA13E25382FD}" type="slidenum">
+            <a:fld id="{5826FA90-988A-8249-956A-5CE1D6D83A8D}" type="slidenum">
               <a:rPr lang="en-US" smtClean="0"/>
               <a:t>‹#›</a:t>
             </a:fld>
@@ -6035,7 +5512,7 @@
     </p:spTree>
     <p:extLst>
       <p:ext uri="{BB962C8B-B14F-4D97-AF65-F5344CB8AC3E}">
-        <p14:creationId xmlns:p14="http://schemas.microsoft.com/office/powerpoint/2010/main" val="1048382319"/>
+        <p14:creationId xmlns:p14="http://schemas.microsoft.com/office/powerpoint/2010/main" val="2224821786"/>
       </p:ext>
     </p:extLst>
   </p:cSld>
@@ -6064,7 +5541,13 @@
       </p:grpSpPr>
       <p:sp>
         <p:nvSpPr>
-          <p:cNvPr id="2" name="Vertical Title 1"/>
+          <p:cNvPr id="2" name="Vertical Title 1">
+            <a:extLst>
+              <a:ext uri="{FF2B5EF4-FFF2-40B4-BE49-F238E27FC236}">
+                <a16:creationId xmlns:a16="http://schemas.microsoft.com/office/drawing/2014/main" id="{3033A2E3-35D7-6742-AF9D-7A108E5219B0}"/>
+              </a:ext>
+            </a:extLst>
+          </p:cNvPr>
           <p:cNvSpPr>
             <a:spLocks noGrp="1"/>
           </p:cNvSpPr>
@@ -6074,8 +5557,8 @@
         </p:nvSpPr>
         <p:spPr>
           <a:xfrm>
-            <a:off x="6629400" y="274638"/>
-            <a:ext cx="2057400" cy="5851525"/>
+            <a:off x="8724900" y="365125"/>
+            <a:ext cx="2628900" cy="5811838"/>
           </a:xfrm>
         </p:spPr>
         <p:txBody>
@@ -6091,7 +5574,13 @@
       </p:sp>
       <p:sp>
         <p:nvSpPr>
-          <p:cNvPr id="3" name="Vertical Text Placeholder 2"/>
+          <p:cNvPr id="3" name="Vertical Text Placeholder 2">
+            <a:extLst>
+              <a:ext uri="{FF2B5EF4-FFF2-40B4-BE49-F238E27FC236}">
+                <a16:creationId xmlns:a16="http://schemas.microsoft.com/office/drawing/2014/main" id="{15252CE5-0DE1-4841-8E94-6FBA0AA27805}"/>
+              </a:ext>
+            </a:extLst>
+          </p:cNvPr>
           <p:cNvSpPr>
             <a:spLocks noGrp="1"/>
           </p:cNvSpPr>
@@ -6101,8 +5590,8 @@
         </p:nvSpPr>
         <p:spPr>
           <a:xfrm>
-            <a:off x="457200" y="274638"/>
-            <a:ext cx="6019800" cy="5851525"/>
+            <a:off x="838200" y="365125"/>
+            <a:ext cx="7734300" cy="5811838"/>
           </a:xfrm>
         </p:spPr>
         <p:txBody>
@@ -6147,7 +5636,13 @@
       </p:sp>
       <p:sp>
         <p:nvSpPr>
-          <p:cNvPr id="4" name="Date Placeholder 3"/>
+          <p:cNvPr id="4" name="Date Placeholder 3">
+            <a:extLst>
+              <a:ext uri="{FF2B5EF4-FFF2-40B4-BE49-F238E27FC236}">
+                <a16:creationId xmlns:a16="http://schemas.microsoft.com/office/drawing/2014/main" id="{97D0653A-72C7-4740-8ED0-5B2DCE74A39A}"/>
+              </a:ext>
+            </a:extLst>
+          </p:cNvPr>
           <p:cNvSpPr>
             <a:spLocks noGrp="1"/>
           </p:cNvSpPr>
@@ -6160,9 +5655,9 @@
           <a:bodyPr/>
           <a:lstStyle/>
           <a:p>
-            <a:fld id="{CA705254-548F-264E-ACCA-C3302308A209}" type="datetimeFigureOut">
+            <a:fld id="{E3A5D6DC-275E-5A4E-A28B-987FAD10E6F3}" type="datetimeFigureOut">
               <a:rPr lang="en-US" smtClean="0"/>
-              <a:t>4/23/20</a:t>
+              <a:t>4/25/20</a:t>
             </a:fld>
             <a:endParaRPr lang="en-US"/>
           </a:p>
@@ -6170,7 +5665,13 @@
       </p:sp>
       <p:sp>
         <p:nvSpPr>
-          <p:cNvPr id="5" name="Footer Placeholder 4"/>
+          <p:cNvPr id="5" name="Footer Placeholder 4">
+            <a:extLst>
+              <a:ext uri="{FF2B5EF4-FFF2-40B4-BE49-F238E27FC236}">
+                <a16:creationId xmlns:a16="http://schemas.microsoft.com/office/drawing/2014/main" id="{3D834099-C9AC-B74D-A0AD-662A624B64FB}"/>
+              </a:ext>
+            </a:extLst>
+          </p:cNvPr>
           <p:cNvSpPr>
             <a:spLocks noGrp="1"/>
           </p:cNvSpPr>
@@ -6189,7 +5690,13 @@
       </p:sp>
       <p:sp>
         <p:nvSpPr>
-          <p:cNvPr id="6" name="Slide Number Placeholder 5"/>
+          <p:cNvPr id="6" name="Slide Number Placeholder 5">
+            <a:extLst>
+              <a:ext uri="{FF2B5EF4-FFF2-40B4-BE49-F238E27FC236}">
+                <a16:creationId xmlns:a16="http://schemas.microsoft.com/office/drawing/2014/main" id="{3E2D0942-E466-554B-9C5D-050538D77E56}"/>
+              </a:ext>
+            </a:extLst>
+          </p:cNvPr>
           <p:cNvSpPr>
             <a:spLocks noGrp="1"/>
           </p:cNvSpPr>
@@ -6202,7 +5709,7 @@
           <a:bodyPr/>
           <a:lstStyle/>
           <a:p>
-            <a:fld id="{1A1DF3CC-39B0-9140-86B4-EA13E25382FD}" type="slidenum">
+            <a:fld id="{5826FA90-988A-8249-956A-5CE1D6D83A8D}" type="slidenum">
               <a:rPr lang="en-US" smtClean="0"/>
               <a:t>‹#›</a:t>
             </a:fld>
@@ -6213,7 +5720,7 @@
     </p:spTree>
     <p:extLst>
       <p:ext uri="{BB962C8B-B14F-4D97-AF65-F5344CB8AC3E}">
-        <p14:creationId xmlns:p14="http://schemas.microsoft.com/office/powerpoint/2010/main" val="3909177039"/>
+        <p14:creationId xmlns:p14="http://schemas.microsoft.com/office/powerpoint/2010/main" val="2236709353"/>
       </p:ext>
     </p:extLst>
   </p:cSld>
@@ -6242,7 +5749,13 @@
       </p:grpSpPr>
       <p:sp>
         <p:nvSpPr>
-          <p:cNvPr id="2" name="Title 1"/>
+          <p:cNvPr id="2" name="Title 1">
+            <a:extLst>
+              <a:ext uri="{FF2B5EF4-FFF2-40B4-BE49-F238E27FC236}">
+                <a16:creationId xmlns:a16="http://schemas.microsoft.com/office/drawing/2014/main" id="{C8B1C2AD-5D12-0146-9D97-D5D7B8B6F05F}"/>
+              </a:ext>
+            </a:extLst>
+          </p:cNvPr>
           <p:cNvSpPr>
             <a:spLocks noGrp="1"/>
           </p:cNvSpPr>
@@ -6264,7 +5777,13 @@
       </p:sp>
       <p:sp>
         <p:nvSpPr>
-          <p:cNvPr id="3" name="Content Placeholder 2"/>
+          <p:cNvPr id="3" name="Content Placeholder 2">
+            <a:extLst>
+              <a:ext uri="{FF2B5EF4-FFF2-40B4-BE49-F238E27FC236}">
+                <a16:creationId xmlns:a16="http://schemas.microsoft.com/office/drawing/2014/main" id="{81F2E747-F24A-E540-BF75-585883836B4D}"/>
+              </a:ext>
+            </a:extLst>
+          </p:cNvPr>
           <p:cNvSpPr>
             <a:spLocks noGrp="1"/>
           </p:cNvSpPr>
@@ -6315,7 +5834,13 @@
       </p:sp>
       <p:sp>
         <p:nvSpPr>
-          <p:cNvPr id="4" name="Date Placeholder 3"/>
+          <p:cNvPr id="4" name="Date Placeholder 3">
+            <a:extLst>
+              <a:ext uri="{FF2B5EF4-FFF2-40B4-BE49-F238E27FC236}">
+                <a16:creationId xmlns:a16="http://schemas.microsoft.com/office/drawing/2014/main" id="{46C3B090-8236-2444-B3DC-61959AFEAE41}"/>
+              </a:ext>
+            </a:extLst>
+          </p:cNvPr>
           <p:cNvSpPr>
             <a:spLocks noGrp="1"/>
           </p:cNvSpPr>
@@ -6328,9 +5853,9 @@
           <a:bodyPr/>
           <a:lstStyle/>
           <a:p>
-            <a:fld id="{CA705254-548F-264E-ACCA-C3302308A209}" type="datetimeFigureOut">
+            <a:fld id="{E3A5D6DC-275E-5A4E-A28B-987FAD10E6F3}" type="datetimeFigureOut">
               <a:rPr lang="en-US" smtClean="0"/>
-              <a:t>4/23/20</a:t>
+              <a:t>4/25/20</a:t>
             </a:fld>
             <a:endParaRPr lang="en-US"/>
           </a:p>
@@ -6338,7 +5863,13 @@
       </p:sp>
       <p:sp>
         <p:nvSpPr>
-          <p:cNvPr id="5" name="Footer Placeholder 4"/>
+          <p:cNvPr id="5" name="Footer Placeholder 4">
+            <a:extLst>
+              <a:ext uri="{FF2B5EF4-FFF2-40B4-BE49-F238E27FC236}">
+                <a16:creationId xmlns:a16="http://schemas.microsoft.com/office/drawing/2014/main" id="{1043E906-7288-1048-8CD0-A63656938A4A}"/>
+              </a:ext>
+            </a:extLst>
+          </p:cNvPr>
           <p:cNvSpPr>
             <a:spLocks noGrp="1"/>
           </p:cNvSpPr>
@@ -6357,7 +5888,13 @@
       </p:sp>
       <p:sp>
         <p:nvSpPr>
-          <p:cNvPr id="6" name="Slide Number Placeholder 5"/>
+          <p:cNvPr id="6" name="Slide Number Placeholder 5">
+            <a:extLst>
+              <a:ext uri="{FF2B5EF4-FFF2-40B4-BE49-F238E27FC236}">
+                <a16:creationId xmlns:a16="http://schemas.microsoft.com/office/drawing/2014/main" id="{535F4E1E-6B26-8E42-8AB9-183002663D3B}"/>
+              </a:ext>
+            </a:extLst>
+          </p:cNvPr>
           <p:cNvSpPr>
             <a:spLocks noGrp="1"/>
           </p:cNvSpPr>
@@ -6370,7 +5907,7 @@
           <a:bodyPr/>
           <a:lstStyle/>
           <a:p>
-            <a:fld id="{1A1DF3CC-39B0-9140-86B4-EA13E25382FD}" type="slidenum">
+            <a:fld id="{5826FA90-988A-8249-956A-5CE1D6D83A8D}" type="slidenum">
               <a:rPr lang="en-US" smtClean="0"/>
               <a:t>‹#›</a:t>
             </a:fld>
@@ -6381,7 +5918,7 @@
     </p:spTree>
     <p:extLst>
       <p:ext uri="{BB962C8B-B14F-4D97-AF65-F5344CB8AC3E}">
-        <p14:creationId xmlns:p14="http://schemas.microsoft.com/office/powerpoint/2010/main" val="167425730"/>
+        <p14:creationId xmlns:p14="http://schemas.microsoft.com/office/powerpoint/2010/main" val="621113729"/>
       </p:ext>
     </p:extLst>
   </p:cSld>
@@ -6410,7 +5947,13 @@
       </p:grpSpPr>
       <p:sp>
         <p:nvSpPr>
-          <p:cNvPr id="2" name="Title 1"/>
+          <p:cNvPr id="2" name="Title 1">
+            <a:extLst>
+              <a:ext uri="{FF2B5EF4-FFF2-40B4-BE49-F238E27FC236}">
+                <a16:creationId xmlns:a16="http://schemas.microsoft.com/office/drawing/2014/main" id="{3C3109AE-0985-FE43-B6B8-AFF1FBE405DC}"/>
+              </a:ext>
+            </a:extLst>
+          </p:cNvPr>
           <p:cNvSpPr>
             <a:spLocks noGrp="1"/>
           </p:cNvSpPr>
@@ -6420,15 +5963,15 @@
         </p:nvSpPr>
         <p:spPr>
           <a:xfrm>
-            <a:off x="722313" y="4406900"/>
-            <a:ext cx="7772400" cy="1362075"/>
+            <a:off x="831850" y="1709738"/>
+            <a:ext cx="10515600" cy="2852737"/>
           </a:xfrm>
         </p:spPr>
         <p:txBody>
-          <a:bodyPr anchor="t"/>
+          <a:bodyPr anchor="b"/>
           <a:lstStyle>
-            <a:lvl1pPr algn="l">
-              <a:defRPr sz="4000" b="1" cap="all"/>
+            <a:lvl1pPr>
+              <a:defRPr sz="6000"/>
             </a:lvl1pPr>
           </a:lstStyle>
           <a:p>
@@ -6441,7 +5984,13 @@
       </p:sp>
       <p:sp>
         <p:nvSpPr>
-          <p:cNvPr id="3" name="Text Placeholder 2"/>
+          <p:cNvPr id="3" name="Text Placeholder 2">
+            <a:extLst>
+              <a:ext uri="{FF2B5EF4-FFF2-40B4-BE49-F238E27FC236}">
+                <a16:creationId xmlns:a16="http://schemas.microsoft.com/office/drawing/2014/main" id="{2362E889-1952-FD4B-9F78-A27E5E0FDFC3}"/>
+              </a:ext>
+            </a:extLst>
+          </p:cNvPr>
           <p:cNvSpPr>
             <a:spLocks noGrp="1"/>
           </p:cNvSpPr>
@@ -6451,16 +6000,16 @@
         </p:nvSpPr>
         <p:spPr>
           <a:xfrm>
-            <a:off x="722313" y="2906713"/>
-            <a:ext cx="7772400" cy="1500187"/>
+            <a:off x="831850" y="4589463"/>
+            <a:ext cx="10515600" cy="1500187"/>
           </a:xfrm>
         </p:spPr>
         <p:txBody>
-          <a:bodyPr anchor="b"/>
+          <a:bodyPr/>
           <a:lstStyle>
             <a:lvl1pPr marL="0" indent="0">
               <a:buNone/>
-              <a:defRPr sz="2000">
+              <a:defRPr sz="2400">
                 <a:solidFill>
                   <a:schemeClr val="tx1">
                     <a:tint val="75000"/>
@@ -6470,7 +6019,7 @@
             </a:lvl1pPr>
             <a:lvl2pPr marL="457200" indent="0">
               <a:buNone/>
-              <a:defRPr sz="1800">
+              <a:defRPr sz="2000">
                 <a:solidFill>
                   <a:schemeClr val="tx1">
                     <a:tint val="75000"/>
@@ -6480,7 +6029,7 @@
             </a:lvl2pPr>
             <a:lvl3pPr marL="914400" indent="0">
               <a:buNone/>
-              <a:defRPr sz="1600">
+              <a:defRPr sz="1800">
                 <a:solidFill>
                   <a:schemeClr val="tx1">
                     <a:tint val="75000"/>
@@ -6490,7 +6039,7 @@
             </a:lvl3pPr>
             <a:lvl4pPr marL="1371600" indent="0">
               <a:buNone/>
-              <a:defRPr sz="1400">
+              <a:defRPr sz="1600">
                 <a:solidFill>
                   <a:schemeClr val="tx1">
                     <a:tint val="75000"/>
@@ -6500,7 +6049,7 @@
             </a:lvl4pPr>
             <a:lvl5pPr marL="1828800" indent="0">
               <a:buNone/>
-              <a:defRPr sz="1400">
+              <a:defRPr sz="1600">
                 <a:solidFill>
                   <a:schemeClr val="tx1">
                     <a:tint val="75000"/>
@@ -6510,7 +6059,7 @@
             </a:lvl5pPr>
             <a:lvl6pPr marL="2286000" indent="0">
               <a:buNone/>
-              <a:defRPr sz="1400">
+              <a:defRPr sz="1600">
                 <a:solidFill>
                   <a:schemeClr val="tx1">
                     <a:tint val="75000"/>
@@ -6520,7 +6069,7 @@
             </a:lvl6pPr>
             <a:lvl7pPr marL="2743200" indent="0">
               <a:buNone/>
-              <a:defRPr sz="1400">
+              <a:defRPr sz="1600">
                 <a:solidFill>
                   <a:schemeClr val="tx1">
                     <a:tint val="75000"/>
@@ -6530,7 +6079,7 @@
             </a:lvl7pPr>
             <a:lvl8pPr marL="3200400" indent="0">
               <a:buNone/>
-              <a:defRPr sz="1400">
+              <a:defRPr sz="1600">
                 <a:solidFill>
                   <a:schemeClr val="tx1">
                     <a:tint val="75000"/>
@@ -6540,7 +6089,7 @@
             </a:lvl8pPr>
             <a:lvl9pPr marL="3657600" indent="0">
               <a:buNone/>
-              <a:defRPr sz="1400">
+              <a:defRPr sz="1600">
                 <a:solidFill>
                   <a:schemeClr val="tx1">
                     <a:tint val="75000"/>
@@ -6560,7 +6109,13 @@
       </p:sp>
       <p:sp>
         <p:nvSpPr>
-          <p:cNvPr id="4" name="Date Placeholder 3"/>
+          <p:cNvPr id="4" name="Date Placeholder 3">
+            <a:extLst>
+              <a:ext uri="{FF2B5EF4-FFF2-40B4-BE49-F238E27FC236}">
+                <a16:creationId xmlns:a16="http://schemas.microsoft.com/office/drawing/2014/main" id="{128B1AF5-CA76-2641-A67C-C25941136851}"/>
+              </a:ext>
+            </a:extLst>
+          </p:cNvPr>
           <p:cNvSpPr>
             <a:spLocks noGrp="1"/>
           </p:cNvSpPr>
@@ -6573,9 +6128,9 @@
           <a:bodyPr/>
           <a:lstStyle/>
           <a:p>
-            <a:fld id="{CA705254-548F-264E-ACCA-C3302308A209}" type="datetimeFigureOut">
+            <a:fld id="{E3A5D6DC-275E-5A4E-A28B-987FAD10E6F3}" type="datetimeFigureOut">
               <a:rPr lang="en-US" smtClean="0"/>
-              <a:t>4/23/20</a:t>
+              <a:t>4/25/20</a:t>
             </a:fld>
             <a:endParaRPr lang="en-US"/>
           </a:p>
@@ -6583,7 +6138,13 @@
       </p:sp>
       <p:sp>
         <p:nvSpPr>
-          <p:cNvPr id="5" name="Footer Placeholder 4"/>
+          <p:cNvPr id="5" name="Footer Placeholder 4">
+            <a:extLst>
+              <a:ext uri="{FF2B5EF4-FFF2-40B4-BE49-F238E27FC236}">
+                <a16:creationId xmlns:a16="http://schemas.microsoft.com/office/drawing/2014/main" id="{F5028F01-61D3-4D4F-8700-9AD70F23C598}"/>
+              </a:ext>
+            </a:extLst>
+          </p:cNvPr>
           <p:cNvSpPr>
             <a:spLocks noGrp="1"/>
           </p:cNvSpPr>
@@ -6602,7 +6163,13 @@
       </p:sp>
       <p:sp>
         <p:nvSpPr>
-          <p:cNvPr id="6" name="Slide Number Placeholder 5"/>
+          <p:cNvPr id="6" name="Slide Number Placeholder 5">
+            <a:extLst>
+              <a:ext uri="{FF2B5EF4-FFF2-40B4-BE49-F238E27FC236}">
+                <a16:creationId xmlns:a16="http://schemas.microsoft.com/office/drawing/2014/main" id="{6144F7D2-101C-1440-89F1-541C303C2927}"/>
+              </a:ext>
+            </a:extLst>
+          </p:cNvPr>
           <p:cNvSpPr>
             <a:spLocks noGrp="1"/>
           </p:cNvSpPr>
@@ -6615,7 +6182,7 @@
           <a:bodyPr/>
           <a:lstStyle/>
           <a:p>
-            <a:fld id="{1A1DF3CC-39B0-9140-86B4-EA13E25382FD}" type="slidenum">
+            <a:fld id="{5826FA90-988A-8249-956A-5CE1D6D83A8D}" type="slidenum">
               <a:rPr lang="en-US" smtClean="0"/>
               <a:t>‹#›</a:t>
             </a:fld>
@@ -6626,7 +6193,7 @@
     </p:spTree>
     <p:extLst>
       <p:ext uri="{BB962C8B-B14F-4D97-AF65-F5344CB8AC3E}">
-        <p14:creationId xmlns:p14="http://schemas.microsoft.com/office/powerpoint/2010/main" val="608235771"/>
+        <p14:creationId xmlns:p14="http://schemas.microsoft.com/office/powerpoint/2010/main" val="1681265376"/>
       </p:ext>
     </p:extLst>
   </p:cSld>
@@ -6655,7 +6222,13 @@
       </p:grpSpPr>
       <p:sp>
         <p:nvSpPr>
-          <p:cNvPr id="2" name="Title 1"/>
+          <p:cNvPr id="2" name="Title 1">
+            <a:extLst>
+              <a:ext uri="{FF2B5EF4-FFF2-40B4-BE49-F238E27FC236}">
+                <a16:creationId xmlns:a16="http://schemas.microsoft.com/office/drawing/2014/main" id="{A8E7CE97-6187-A24E-A32C-BAF9F1507617}"/>
+              </a:ext>
+            </a:extLst>
+          </p:cNvPr>
           <p:cNvSpPr>
             <a:spLocks noGrp="1"/>
           </p:cNvSpPr>
@@ -6677,7 +6250,13 @@
       </p:sp>
       <p:sp>
         <p:nvSpPr>
-          <p:cNvPr id="3" name="Content Placeholder 2"/>
+          <p:cNvPr id="3" name="Content Placeholder 2">
+            <a:extLst>
+              <a:ext uri="{FF2B5EF4-FFF2-40B4-BE49-F238E27FC236}">
+                <a16:creationId xmlns:a16="http://schemas.microsoft.com/office/drawing/2014/main" id="{5F4EB88E-2622-9048-B0ED-786B9DA45CE4}"/>
+              </a:ext>
+            </a:extLst>
+          </p:cNvPr>
           <p:cNvSpPr>
             <a:spLocks noGrp="1"/>
           </p:cNvSpPr>
@@ -6687,41 +6266,13 @@
         </p:nvSpPr>
         <p:spPr>
           <a:xfrm>
-            <a:off x="457200" y="1600200"/>
-            <a:ext cx="4038600" cy="4525963"/>
+            <a:off x="838200" y="1825625"/>
+            <a:ext cx="5181600" cy="4351338"/>
           </a:xfrm>
         </p:spPr>
         <p:txBody>
           <a:bodyPr/>
-          <a:lstStyle>
-            <a:lvl1pPr>
-              <a:defRPr sz="2800"/>
-            </a:lvl1pPr>
-            <a:lvl2pPr>
-              <a:defRPr sz="2400"/>
-            </a:lvl2pPr>
-            <a:lvl3pPr>
-              <a:defRPr sz="2000"/>
-            </a:lvl3pPr>
-            <a:lvl4pPr>
-              <a:defRPr sz="1800"/>
-            </a:lvl4pPr>
-            <a:lvl5pPr>
-              <a:defRPr sz="1800"/>
-            </a:lvl5pPr>
-            <a:lvl6pPr>
-              <a:defRPr sz="1800"/>
-            </a:lvl6pPr>
-            <a:lvl7pPr>
-              <a:defRPr sz="1800"/>
-            </a:lvl7pPr>
-            <a:lvl8pPr>
-              <a:defRPr sz="1800"/>
-            </a:lvl8pPr>
-            <a:lvl9pPr>
-              <a:defRPr sz="1800"/>
-            </a:lvl9pPr>
-          </a:lstStyle>
+          <a:lstStyle/>
           <a:p>
             <a:pPr lvl="0"/>
             <a:r>
@@ -6761,7 +6312,13 @@
       </p:sp>
       <p:sp>
         <p:nvSpPr>
-          <p:cNvPr id="4" name="Content Placeholder 3"/>
+          <p:cNvPr id="4" name="Content Placeholder 3">
+            <a:extLst>
+              <a:ext uri="{FF2B5EF4-FFF2-40B4-BE49-F238E27FC236}">
+                <a16:creationId xmlns:a16="http://schemas.microsoft.com/office/drawing/2014/main" id="{9B93310D-36AA-EA4C-AB04-59CFDE815F59}"/>
+              </a:ext>
+            </a:extLst>
+          </p:cNvPr>
           <p:cNvSpPr>
             <a:spLocks noGrp="1"/>
           </p:cNvSpPr>
@@ -6771,41 +6328,13 @@
         </p:nvSpPr>
         <p:spPr>
           <a:xfrm>
-            <a:off x="4648200" y="1600200"/>
-            <a:ext cx="4038600" cy="4525963"/>
+            <a:off x="6172200" y="1825625"/>
+            <a:ext cx="5181600" cy="4351338"/>
           </a:xfrm>
         </p:spPr>
         <p:txBody>
           <a:bodyPr/>
-          <a:lstStyle>
-            <a:lvl1pPr>
-              <a:defRPr sz="2800"/>
-            </a:lvl1pPr>
-            <a:lvl2pPr>
-              <a:defRPr sz="2400"/>
-            </a:lvl2pPr>
-            <a:lvl3pPr>
-              <a:defRPr sz="2000"/>
-            </a:lvl3pPr>
-            <a:lvl4pPr>
-              <a:defRPr sz="1800"/>
-            </a:lvl4pPr>
-            <a:lvl5pPr>
-              <a:defRPr sz="1800"/>
-            </a:lvl5pPr>
-            <a:lvl6pPr>
-              <a:defRPr sz="1800"/>
-            </a:lvl6pPr>
-            <a:lvl7pPr>
-              <a:defRPr sz="1800"/>
-            </a:lvl7pPr>
-            <a:lvl8pPr>
-              <a:defRPr sz="1800"/>
-            </a:lvl8pPr>
-            <a:lvl9pPr>
-              <a:defRPr sz="1800"/>
-            </a:lvl9pPr>
-          </a:lstStyle>
+          <a:lstStyle/>
           <a:p>
             <a:pPr lvl="0"/>
             <a:r>
@@ -6845,7 +6374,13 @@
       </p:sp>
       <p:sp>
         <p:nvSpPr>
-          <p:cNvPr id="5" name="Date Placeholder 4"/>
+          <p:cNvPr id="5" name="Date Placeholder 4">
+            <a:extLst>
+              <a:ext uri="{FF2B5EF4-FFF2-40B4-BE49-F238E27FC236}">
+                <a16:creationId xmlns:a16="http://schemas.microsoft.com/office/drawing/2014/main" id="{BF098703-715B-B54D-BE94-87A5C638938B}"/>
+              </a:ext>
+            </a:extLst>
+          </p:cNvPr>
           <p:cNvSpPr>
             <a:spLocks noGrp="1"/>
           </p:cNvSpPr>
@@ -6858,9 +6393,9 @@
           <a:bodyPr/>
           <a:lstStyle/>
           <a:p>
-            <a:fld id="{CA705254-548F-264E-ACCA-C3302308A209}" type="datetimeFigureOut">
+            <a:fld id="{E3A5D6DC-275E-5A4E-A28B-987FAD10E6F3}" type="datetimeFigureOut">
               <a:rPr lang="en-US" smtClean="0"/>
-              <a:t>4/23/20</a:t>
+              <a:t>4/25/20</a:t>
             </a:fld>
             <a:endParaRPr lang="en-US"/>
           </a:p>
@@ -6868,7 +6403,13 @@
       </p:sp>
       <p:sp>
         <p:nvSpPr>
-          <p:cNvPr id="6" name="Footer Placeholder 5"/>
+          <p:cNvPr id="6" name="Footer Placeholder 5">
+            <a:extLst>
+              <a:ext uri="{FF2B5EF4-FFF2-40B4-BE49-F238E27FC236}">
+                <a16:creationId xmlns:a16="http://schemas.microsoft.com/office/drawing/2014/main" id="{6F83411B-2FB9-ED4B-BE70-23B4F6F9B467}"/>
+              </a:ext>
+            </a:extLst>
+          </p:cNvPr>
           <p:cNvSpPr>
             <a:spLocks noGrp="1"/>
           </p:cNvSpPr>
@@ -6887,7 +6428,13 @@
       </p:sp>
       <p:sp>
         <p:nvSpPr>
-          <p:cNvPr id="7" name="Slide Number Placeholder 6"/>
+          <p:cNvPr id="7" name="Slide Number Placeholder 6">
+            <a:extLst>
+              <a:ext uri="{FF2B5EF4-FFF2-40B4-BE49-F238E27FC236}">
+                <a16:creationId xmlns:a16="http://schemas.microsoft.com/office/drawing/2014/main" id="{ABFC6F31-FC71-2B42-9CF7-932AE040A6D1}"/>
+              </a:ext>
+            </a:extLst>
+          </p:cNvPr>
           <p:cNvSpPr>
             <a:spLocks noGrp="1"/>
           </p:cNvSpPr>
@@ -6900,7 +6447,7 @@
           <a:bodyPr/>
           <a:lstStyle/>
           <a:p>
-            <a:fld id="{1A1DF3CC-39B0-9140-86B4-EA13E25382FD}" type="slidenum">
+            <a:fld id="{5826FA90-988A-8249-956A-5CE1D6D83A8D}" type="slidenum">
               <a:rPr lang="en-US" smtClean="0"/>
               <a:t>‹#›</a:t>
             </a:fld>
@@ -6911,7 +6458,7 @@
     </p:spTree>
     <p:extLst>
       <p:ext uri="{BB962C8B-B14F-4D97-AF65-F5344CB8AC3E}">
-        <p14:creationId xmlns:p14="http://schemas.microsoft.com/office/powerpoint/2010/main" val="1638086062"/>
+        <p14:creationId xmlns:p14="http://schemas.microsoft.com/office/powerpoint/2010/main" val="2197641838"/>
       </p:ext>
     </p:extLst>
   </p:cSld>
@@ -6940,7 +6487,13 @@
       </p:grpSpPr>
       <p:sp>
         <p:nvSpPr>
-          <p:cNvPr id="2" name="Title 1"/>
+          <p:cNvPr id="2" name="Title 1">
+            <a:extLst>
+              <a:ext uri="{FF2B5EF4-FFF2-40B4-BE49-F238E27FC236}">
+                <a16:creationId xmlns:a16="http://schemas.microsoft.com/office/drawing/2014/main" id="{ADEED34F-2435-8247-B5DC-A21026DF8DB3}"/>
+              </a:ext>
+            </a:extLst>
+          </p:cNvPr>
           <p:cNvSpPr>
             <a:spLocks noGrp="1"/>
           </p:cNvSpPr>
@@ -6948,14 +6501,15 @@
             <p:ph type="title"/>
           </p:nvPr>
         </p:nvSpPr>
-        <p:spPr/>
+        <p:spPr>
+          <a:xfrm>
+            <a:off x="839788" y="365125"/>
+            <a:ext cx="10515600" cy="1325563"/>
+          </a:xfrm>
+        </p:spPr>
         <p:txBody>
           <a:bodyPr/>
-          <a:lstStyle>
-            <a:lvl1pPr>
-              <a:defRPr/>
-            </a:lvl1pPr>
-          </a:lstStyle>
+          <a:lstStyle/>
           <a:p>
             <a:r>
               <a:rPr lang="en-US"/>
@@ -6966,7 +6520,13 @@
       </p:sp>
       <p:sp>
         <p:nvSpPr>
-          <p:cNvPr id="3" name="Text Placeholder 2"/>
+          <p:cNvPr id="3" name="Text Placeholder 2">
+            <a:extLst>
+              <a:ext uri="{FF2B5EF4-FFF2-40B4-BE49-F238E27FC236}">
+                <a16:creationId xmlns:a16="http://schemas.microsoft.com/office/drawing/2014/main" id="{6D6FC3A3-D6B4-B643-8905-5E06FBB7994F}"/>
+              </a:ext>
+            </a:extLst>
+          </p:cNvPr>
           <p:cNvSpPr>
             <a:spLocks noGrp="1"/>
           </p:cNvSpPr>
@@ -6976,8 +6536,8 @@
         </p:nvSpPr>
         <p:spPr>
           <a:xfrm>
-            <a:off x="457200" y="1535113"/>
-            <a:ext cx="4040188" cy="639762"/>
+            <a:off x="839788" y="1681163"/>
+            <a:ext cx="5157787" cy="823912"/>
           </a:xfrm>
         </p:spPr>
         <p:txBody>
@@ -7031,7 +6591,13 @@
       </p:sp>
       <p:sp>
         <p:nvSpPr>
-          <p:cNvPr id="4" name="Content Placeholder 3"/>
+          <p:cNvPr id="4" name="Content Placeholder 3">
+            <a:extLst>
+              <a:ext uri="{FF2B5EF4-FFF2-40B4-BE49-F238E27FC236}">
+                <a16:creationId xmlns:a16="http://schemas.microsoft.com/office/drawing/2014/main" id="{83CE01F0-2A72-6E45-A5B8-CA47C9AB0C1C}"/>
+              </a:ext>
+            </a:extLst>
+          </p:cNvPr>
           <p:cNvSpPr>
             <a:spLocks noGrp="1"/>
           </p:cNvSpPr>
@@ -7041,41 +6607,13 @@
         </p:nvSpPr>
         <p:spPr>
           <a:xfrm>
-            <a:off x="457200" y="2174875"/>
-            <a:ext cx="4040188" cy="3951288"/>
+            <a:off x="839788" y="2505075"/>
+            <a:ext cx="5157787" cy="3684588"/>
           </a:xfrm>
         </p:spPr>
         <p:txBody>
           <a:bodyPr/>
-          <a:lstStyle>
-            <a:lvl1pPr>
-              <a:defRPr sz="2400"/>
-            </a:lvl1pPr>
-            <a:lvl2pPr>
-              <a:defRPr sz="2000"/>
-            </a:lvl2pPr>
-            <a:lvl3pPr>
-              <a:defRPr sz="1800"/>
-            </a:lvl3pPr>
-            <a:lvl4pPr>
-              <a:defRPr sz="1600"/>
-            </a:lvl4pPr>
-            <a:lvl5pPr>
-              <a:defRPr sz="1600"/>
-            </a:lvl5pPr>
-            <a:lvl6pPr>
-              <a:defRPr sz="1600"/>
-            </a:lvl6pPr>
-            <a:lvl7pPr>
-              <a:defRPr sz="1600"/>
-            </a:lvl7pPr>
-            <a:lvl8pPr>
-              <a:defRPr sz="1600"/>
-            </a:lvl8pPr>
-            <a:lvl9pPr>
-              <a:defRPr sz="1600"/>
-            </a:lvl9pPr>
-          </a:lstStyle>
+          <a:lstStyle/>
           <a:p>
             <a:pPr lvl="0"/>
             <a:r>
@@ -7115,7 +6653,13 @@
       </p:sp>
       <p:sp>
         <p:nvSpPr>
-          <p:cNvPr id="5" name="Text Placeholder 4"/>
+          <p:cNvPr id="5" name="Text Placeholder 4">
+            <a:extLst>
+              <a:ext uri="{FF2B5EF4-FFF2-40B4-BE49-F238E27FC236}">
+                <a16:creationId xmlns:a16="http://schemas.microsoft.com/office/drawing/2014/main" id="{DB5CCEFB-7A2F-BD4D-97E5-F55CFEC8AF7F}"/>
+              </a:ext>
+            </a:extLst>
+          </p:cNvPr>
           <p:cNvSpPr>
             <a:spLocks noGrp="1"/>
           </p:cNvSpPr>
@@ -7125,8 +6669,8 @@
         </p:nvSpPr>
         <p:spPr>
           <a:xfrm>
-            <a:off x="4645025" y="1535113"/>
-            <a:ext cx="4041775" cy="639762"/>
+            <a:off x="6172200" y="1681163"/>
+            <a:ext cx="5183188" cy="823912"/>
           </a:xfrm>
         </p:spPr>
         <p:txBody>
@@ -7180,7 +6724,13 @@
       </p:sp>
       <p:sp>
         <p:nvSpPr>
-          <p:cNvPr id="6" name="Content Placeholder 5"/>
+          <p:cNvPr id="6" name="Content Placeholder 5">
+            <a:extLst>
+              <a:ext uri="{FF2B5EF4-FFF2-40B4-BE49-F238E27FC236}">
+                <a16:creationId xmlns:a16="http://schemas.microsoft.com/office/drawing/2014/main" id="{065B52E7-EB8A-C045-B805-B050C68D05A5}"/>
+              </a:ext>
+            </a:extLst>
+          </p:cNvPr>
           <p:cNvSpPr>
             <a:spLocks noGrp="1"/>
           </p:cNvSpPr>
@@ -7190,41 +6740,13 @@
         </p:nvSpPr>
         <p:spPr>
           <a:xfrm>
-            <a:off x="4645025" y="2174875"/>
-            <a:ext cx="4041775" cy="3951288"/>
+            <a:off x="6172200" y="2505075"/>
+            <a:ext cx="5183188" cy="3684588"/>
           </a:xfrm>
         </p:spPr>
         <p:txBody>
           <a:bodyPr/>
-          <a:lstStyle>
-            <a:lvl1pPr>
-              <a:defRPr sz="2400"/>
-            </a:lvl1pPr>
-            <a:lvl2pPr>
-              <a:defRPr sz="2000"/>
-            </a:lvl2pPr>
-            <a:lvl3pPr>
-              <a:defRPr sz="1800"/>
-            </a:lvl3pPr>
-            <a:lvl4pPr>
-              <a:defRPr sz="1600"/>
-            </a:lvl4pPr>
-            <a:lvl5pPr>
-              <a:defRPr sz="1600"/>
-            </a:lvl5pPr>
-            <a:lvl6pPr>
-              <a:defRPr sz="1600"/>
-            </a:lvl6pPr>
-            <a:lvl7pPr>
-              <a:defRPr sz="1600"/>
-            </a:lvl7pPr>
-            <a:lvl8pPr>
-              <a:defRPr sz="1600"/>
-            </a:lvl8pPr>
-            <a:lvl9pPr>
-              <a:defRPr sz="1600"/>
-            </a:lvl9pPr>
-          </a:lstStyle>
+          <a:lstStyle/>
           <a:p>
             <a:pPr lvl="0"/>
             <a:r>
@@ -7264,7 +6786,13 @@
       </p:sp>
       <p:sp>
         <p:nvSpPr>
-          <p:cNvPr id="7" name="Date Placeholder 6"/>
+          <p:cNvPr id="7" name="Date Placeholder 6">
+            <a:extLst>
+              <a:ext uri="{FF2B5EF4-FFF2-40B4-BE49-F238E27FC236}">
+                <a16:creationId xmlns:a16="http://schemas.microsoft.com/office/drawing/2014/main" id="{15B4855A-2850-0B47-8034-2A8F4EC00301}"/>
+              </a:ext>
+            </a:extLst>
+          </p:cNvPr>
           <p:cNvSpPr>
             <a:spLocks noGrp="1"/>
           </p:cNvSpPr>
@@ -7277,9 +6805,9 @@
           <a:bodyPr/>
           <a:lstStyle/>
           <a:p>
-            <a:fld id="{CA705254-548F-264E-ACCA-C3302308A209}" type="datetimeFigureOut">
+            <a:fld id="{E3A5D6DC-275E-5A4E-A28B-987FAD10E6F3}" type="datetimeFigureOut">
               <a:rPr lang="en-US" smtClean="0"/>
-              <a:t>4/23/20</a:t>
+              <a:t>4/25/20</a:t>
             </a:fld>
             <a:endParaRPr lang="en-US"/>
           </a:p>
@@ -7287,7 +6815,13 @@
       </p:sp>
       <p:sp>
         <p:nvSpPr>
-          <p:cNvPr id="8" name="Footer Placeholder 7"/>
+          <p:cNvPr id="8" name="Footer Placeholder 7">
+            <a:extLst>
+              <a:ext uri="{FF2B5EF4-FFF2-40B4-BE49-F238E27FC236}">
+                <a16:creationId xmlns:a16="http://schemas.microsoft.com/office/drawing/2014/main" id="{F0AE1255-C32F-7B48-A956-5BF1F45149AA}"/>
+              </a:ext>
+            </a:extLst>
+          </p:cNvPr>
           <p:cNvSpPr>
             <a:spLocks noGrp="1"/>
           </p:cNvSpPr>
@@ -7306,7 +6840,13 @@
       </p:sp>
       <p:sp>
         <p:nvSpPr>
-          <p:cNvPr id="9" name="Slide Number Placeholder 8"/>
+          <p:cNvPr id="9" name="Slide Number Placeholder 8">
+            <a:extLst>
+              <a:ext uri="{FF2B5EF4-FFF2-40B4-BE49-F238E27FC236}">
+                <a16:creationId xmlns:a16="http://schemas.microsoft.com/office/drawing/2014/main" id="{FB818DE6-FC30-0144-81A4-03BCC70DB54F}"/>
+              </a:ext>
+            </a:extLst>
+          </p:cNvPr>
           <p:cNvSpPr>
             <a:spLocks noGrp="1"/>
           </p:cNvSpPr>
@@ -7319,7 +6859,7 @@
           <a:bodyPr/>
           <a:lstStyle/>
           <a:p>
-            <a:fld id="{1A1DF3CC-39B0-9140-86B4-EA13E25382FD}" type="slidenum">
+            <a:fld id="{5826FA90-988A-8249-956A-5CE1D6D83A8D}" type="slidenum">
               <a:rPr lang="en-US" smtClean="0"/>
               <a:t>‹#›</a:t>
             </a:fld>
@@ -7330,7 +6870,7 @@
     </p:spTree>
     <p:extLst>
       <p:ext uri="{BB962C8B-B14F-4D97-AF65-F5344CB8AC3E}">
-        <p14:creationId xmlns:p14="http://schemas.microsoft.com/office/powerpoint/2010/main" val="2591043438"/>
+        <p14:creationId xmlns:p14="http://schemas.microsoft.com/office/powerpoint/2010/main" val="2393601032"/>
       </p:ext>
     </p:extLst>
   </p:cSld>
@@ -7359,7 +6899,13 @@
       </p:grpSpPr>
       <p:sp>
         <p:nvSpPr>
-          <p:cNvPr id="2" name="Title 1"/>
+          <p:cNvPr id="2" name="Title 1">
+            <a:extLst>
+              <a:ext uri="{FF2B5EF4-FFF2-40B4-BE49-F238E27FC236}">
+                <a16:creationId xmlns:a16="http://schemas.microsoft.com/office/drawing/2014/main" id="{E3ED82B0-90B8-E745-A875-52D28AB25C5E}"/>
+              </a:ext>
+            </a:extLst>
+          </p:cNvPr>
           <p:cNvSpPr>
             <a:spLocks noGrp="1"/>
           </p:cNvSpPr>
@@ -7381,7 +6927,13 @@
       </p:sp>
       <p:sp>
         <p:nvSpPr>
-          <p:cNvPr id="3" name="Date Placeholder 2"/>
+          <p:cNvPr id="3" name="Date Placeholder 2">
+            <a:extLst>
+              <a:ext uri="{FF2B5EF4-FFF2-40B4-BE49-F238E27FC236}">
+                <a16:creationId xmlns:a16="http://schemas.microsoft.com/office/drawing/2014/main" id="{32F0CBF6-D564-E54B-9060-38C7D27D8353}"/>
+              </a:ext>
+            </a:extLst>
+          </p:cNvPr>
           <p:cNvSpPr>
             <a:spLocks noGrp="1"/>
           </p:cNvSpPr>
@@ -7394,9 +6946,9 @@
           <a:bodyPr/>
           <a:lstStyle/>
           <a:p>
-            <a:fld id="{CA705254-548F-264E-ACCA-C3302308A209}" type="datetimeFigureOut">
+            <a:fld id="{E3A5D6DC-275E-5A4E-A28B-987FAD10E6F3}" type="datetimeFigureOut">
               <a:rPr lang="en-US" smtClean="0"/>
-              <a:t>4/23/20</a:t>
+              <a:t>4/25/20</a:t>
             </a:fld>
             <a:endParaRPr lang="en-US"/>
           </a:p>
@@ -7404,7 +6956,13 @@
       </p:sp>
       <p:sp>
         <p:nvSpPr>
-          <p:cNvPr id="4" name="Footer Placeholder 3"/>
+          <p:cNvPr id="4" name="Footer Placeholder 3">
+            <a:extLst>
+              <a:ext uri="{FF2B5EF4-FFF2-40B4-BE49-F238E27FC236}">
+                <a16:creationId xmlns:a16="http://schemas.microsoft.com/office/drawing/2014/main" id="{72785CB1-C2A4-A14C-912F-644A7A6F8074}"/>
+              </a:ext>
+            </a:extLst>
+          </p:cNvPr>
           <p:cNvSpPr>
             <a:spLocks noGrp="1"/>
           </p:cNvSpPr>
@@ -7423,7 +6981,13 @@
       </p:sp>
       <p:sp>
         <p:nvSpPr>
-          <p:cNvPr id="5" name="Slide Number Placeholder 4"/>
+          <p:cNvPr id="5" name="Slide Number Placeholder 4">
+            <a:extLst>
+              <a:ext uri="{FF2B5EF4-FFF2-40B4-BE49-F238E27FC236}">
+                <a16:creationId xmlns:a16="http://schemas.microsoft.com/office/drawing/2014/main" id="{8F1D2EE7-DFE2-FA4A-81D7-A5AFBDBCCB94}"/>
+              </a:ext>
+            </a:extLst>
+          </p:cNvPr>
           <p:cNvSpPr>
             <a:spLocks noGrp="1"/>
           </p:cNvSpPr>
@@ -7436,7 +7000,7 @@
           <a:bodyPr/>
           <a:lstStyle/>
           <a:p>
-            <a:fld id="{1A1DF3CC-39B0-9140-86B4-EA13E25382FD}" type="slidenum">
+            <a:fld id="{5826FA90-988A-8249-956A-5CE1D6D83A8D}" type="slidenum">
               <a:rPr lang="en-US" smtClean="0"/>
               <a:t>‹#›</a:t>
             </a:fld>
@@ -7447,7 +7011,7 @@
     </p:spTree>
     <p:extLst>
       <p:ext uri="{BB962C8B-B14F-4D97-AF65-F5344CB8AC3E}">
-        <p14:creationId xmlns:p14="http://schemas.microsoft.com/office/powerpoint/2010/main" val="1611708407"/>
+        <p14:creationId xmlns:p14="http://schemas.microsoft.com/office/powerpoint/2010/main" val="399309072"/>
       </p:ext>
     </p:extLst>
   </p:cSld>
@@ -7476,7 +7040,13 @@
       </p:grpSpPr>
       <p:sp>
         <p:nvSpPr>
-          <p:cNvPr id="2" name="Date Placeholder 1"/>
+          <p:cNvPr id="2" name="Date Placeholder 1">
+            <a:extLst>
+              <a:ext uri="{FF2B5EF4-FFF2-40B4-BE49-F238E27FC236}">
+                <a16:creationId xmlns:a16="http://schemas.microsoft.com/office/drawing/2014/main" id="{4D5C9966-EFE9-5B45-8684-51256EF21935}"/>
+              </a:ext>
+            </a:extLst>
+          </p:cNvPr>
           <p:cNvSpPr>
             <a:spLocks noGrp="1"/>
           </p:cNvSpPr>
@@ -7489,9 +7059,9 @@
           <a:bodyPr/>
           <a:lstStyle/>
           <a:p>
-            <a:fld id="{CA705254-548F-264E-ACCA-C3302308A209}" type="datetimeFigureOut">
+            <a:fld id="{E3A5D6DC-275E-5A4E-A28B-987FAD10E6F3}" type="datetimeFigureOut">
               <a:rPr lang="en-US" smtClean="0"/>
-              <a:t>4/23/20</a:t>
+              <a:t>4/25/20</a:t>
             </a:fld>
             <a:endParaRPr lang="en-US"/>
           </a:p>
@@ -7499,7 +7069,13 @@
       </p:sp>
       <p:sp>
         <p:nvSpPr>
-          <p:cNvPr id="3" name="Footer Placeholder 2"/>
+          <p:cNvPr id="3" name="Footer Placeholder 2">
+            <a:extLst>
+              <a:ext uri="{FF2B5EF4-FFF2-40B4-BE49-F238E27FC236}">
+                <a16:creationId xmlns:a16="http://schemas.microsoft.com/office/drawing/2014/main" id="{9CB5F2C2-0A9B-F947-8D56-ACD6CBC2DBF4}"/>
+              </a:ext>
+            </a:extLst>
+          </p:cNvPr>
           <p:cNvSpPr>
             <a:spLocks noGrp="1"/>
           </p:cNvSpPr>
@@ -7518,7 +7094,13 @@
       </p:sp>
       <p:sp>
         <p:nvSpPr>
-          <p:cNvPr id="4" name="Slide Number Placeholder 3"/>
+          <p:cNvPr id="4" name="Slide Number Placeholder 3">
+            <a:extLst>
+              <a:ext uri="{FF2B5EF4-FFF2-40B4-BE49-F238E27FC236}">
+                <a16:creationId xmlns:a16="http://schemas.microsoft.com/office/drawing/2014/main" id="{572BC55D-73E0-5A4E-B2E2-E3982DE32D12}"/>
+              </a:ext>
+            </a:extLst>
+          </p:cNvPr>
           <p:cNvSpPr>
             <a:spLocks noGrp="1"/>
           </p:cNvSpPr>
@@ -7531,7 +7113,7 @@
           <a:bodyPr/>
           <a:lstStyle/>
           <a:p>
-            <a:fld id="{1A1DF3CC-39B0-9140-86B4-EA13E25382FD}" type="slidenum">
+            <a:fld id="{5826FA90-988A-8249-956A-5CE1D6D83A8D}" type="slidenum">
               <a:rPr lang="en-US" smtClean="0"/>
               <a:t>‹#›</a:t>
             </a:fld>
@@ -7542,7 +7124,7 @@
     </p:spTree>
     <p:extLst>
       <p:ext uri="{BB962C8B-B14F-4D97-AF65-F5344CB8AC3E}">
-        <p14:creationId xmlns:p14="http://schemas.microsoft.com/office/powerpoint/2010/main" val="3826475897"/>
+        <p14:creationId xmlns:p14="http://schemas.microsoft.com/office/powerpoint/2010/main" val="4180443225"/>
       </p:ext>
     </p:extLst>
   </p:cSld>
@@ -7571,7 +7153,13 @@
       </p:grpSpPr>
       <p:sp>
         <p:nvSpPr>
-          <p:cNvPr id="2" name="Title 1"/>
+          <p:cNvPr id="2" name="Title 1">
+            <a:extLst>
+              <a:ext uri="{FF2B5EF4-FFF2-40B4-BE49-F238E27FC236}">
+                <a16:creationId xmlns:a16="http://schemas.microsoft.com/office/drawing/2014/main" id="{78B734D3-D58B-E84F-96F1-0BBB69D22547}"/>
+              </a:ext>
+            </a:extLst>
+          </p:cNvPr>
           <p:cNvSpPr>
             <a:spLocks noGrp="1"/>
           </p:cNvSpPr>
@@ -7581,15 +7169,15 @@
         </p:nvSpPr>
         <p:spPr>
           <a:xfrm>
-            <a:off x="457200" y="273050"/>
-            <a:ext cx="3008313" cy="1162050"/>
+            <a:off x="839788" y="457200"/>
+            <a:ext cx="3932237" cy="1600200"/>
           </a:xfrm>
         </p:spPr>
         <p:txBody>
           <a:bodyPr anchor="b"/>
           <a:lstStyle>
-            <a:lvl1pPr algn="l">
-              <a:defRPr sz="2000" b="1"/>
+            <a:lvl1pPr>
+              <a:defRPr sz="3200"/>
             </a:lvl1pPr>
           </a:lstStyle>
           <a:p>
@@ -7602,7 +7190,13 @@
       </p:sp>
       <p:sp>
         <p:nvSpPr>
-          <p:cNvPr id="3" name="Content Placeholder 2"/>
+          <p:cNvPr id="3" name="Content Placeholder 2">
+            <a:extLst>
+              <a:ext uri="{FF2B5EF4-FFF2-40B4-BE49-F238E27FC236}">
+                <a16:creationId xmlns:a16="http://schemas.microsoft.com/office/drawing/2014/main" id="{D752C6D1-EB48-474D-9705-C9EDCA3ACAEB}"/>
+              </a:ext>
+            </a:extLst>
+          </p:cNvPr>
           <p:cNvSpPr>
             <a:spLocks noGrp="1"/>
           </p:cNvSpPr>
@@ -7612,8 +7206,8 @@
         </p:nvSpPr>
         <p:spPr>
           <a:xfrm>
-            <a:off x="3575050" y="273050"/>
-            <a:ext cx="5111750" cy="5853113"/>
+            <a:off x="5183188" y="987425"/>
+            <a:ext cx="6172200" cy="4873625"/>
           </a:xfrm>
         </p:spPr>
         <p:txBody>
@@ -7686,7 +7280,13 @@
       </p:sp>
       <p:sp>
         <p:nvSpPr>
-          <p:cNvPr id="4" name="Text Placeholder 3"/>
+          <p:cNvPr id="4" name="Text Placeholder 3">
+            <a:extLst>
+              <a:ext uri="{FF2B5EF4-FFF2-40B4-BE49-F238E27FC236}">
+                <a16:creationId xmlns:a16="http://schemas.microsoft.com/office/drawing/2014/main" id="{B1D79FCF-FBB4-AC4D-8802-1B0909A2E79F}"/>
+              </a:ext>
+            </a:extLst>
+          </p:cNvPr>
           <p:cNvSpPr>
             <a:spLocks noGrp="1"/>
           </p:cNvSpPr>
@@ -7696,8 +7296,8 @@
         </p:nvSpPr>
         <p:spPr>
           <a:xfrm>
-            <a:off x="457200" y="1435100"/>
-            <a:ext cx="3008313" cy="4691063"/>
+            <a:off x="839788" y="2057400"/>
+            <a:ext cx="3932237" cy="3811588"/>
           </a:xfrm>
         </p:spPr>
         <p:txBody>
@@ -7705,39 +7305,39 @@
           <a:lstStyle>
             <a:lvl1pPr marL="0" indent="0">
               <a:buNone/>
-              <a:defRPr sz="1400"/>
+              <a:defRPr sz="1600"/>
             </a:lvl1pPr>
             <a:lvl2pPr marL="457200" indent="0">
               <a:buNone/>
-              <a:defRPr sz="1200"/>
+              <a:defRPr sz="1400"/>
             </a:lvl2pPr>
             <a:lvl3pPr marL="914400" indent="0">
               <a:buNone/>
-              <a:defRPr sz="1000"/>
+              <a:defRPr sz="1200"/>
             </a:lvl3pPr>
             <a:lvl4pPr marL="1371600" indent="0">
               <a:buNone/>
-              <a:defRPr sz="900"/>
+              <a:defRPr sz="1000"/>
             </a:lvl4pPr>
             <a:lvl5pPr marL="1828800" indent="0">
               <a:buNone/>
-              <a:defRPr sz="900"/>
+              <a:defRPr sz="1000"/>
             </a:lvl5pPr>
             <a:lvl6pPr marL="2286000" indent="0">
               <a:buNone/>
-              <a:defRPr sz="900"/>
+              <a:defRPr sz="1000"/>
             </a:lvl6pPr>
             <a:lvl7pPr marL="2743200" indent="0">
               <a:buNone/>
-              <a:defRPr sz="900"/>
+              <a:defRPr sz="1000"/>
             </a:lvl7pPr>
             <a:lvl8pPr marL="3200400" indent="0">
               <a:buNone/>
-              <a:defRPr sz="900"/>
+              <a:defRPr sz="1000"/>
             </a:lvl8pPr>
             <a:lvl9pPr marL="3657600" indent="0">
               <a:buNone/>
-              <a:defRPr sz="900"/>
+              <a:defRPr sz="1000"/>
             </a:lvl9pPr>
           </a:lstStyle>
           <a:p>
@@ -7751,7 +7351,13 @@
       </p:sp>
       <p:sp>
         <p:nvSpPr>
-          <p:cNvPr id="5" name="Date Placeholder 4"/>
+          <p:cNvPr id="5" name="Date Placeholder 4">
+            <a:extLst>
+              <a:ext uri="{FF2B5EF4-FFF2-40B4-BE49-F238E27FC236}">
+                <a16:creationId xmlns:a16="http://schemas.microsoft.com/office/drawing/2014/main" id="{5F839E0F-FF0B-F14D-9937-AF4A87B1DB5C}"/>
+              </a:ext>
+            </a:extLst>
+          </p:cNvPr>
           <p:cNvSpPr>
             <a:spLocks noGrp="1"/>
           </p:cNvSpPr>
@@ -7764,9 +7370,9 @@
           <a:bodyPr/>
           <a:lstStyle/>
           <a:p>
-            <a:fld id="{CA705254-548F-264E-ACCA-C3302308A209}" type="datetimeFigureOut">
+            <a:fld id="{E3A5D6DC-275E-5A4E-A28B-987FAD10E6F3}" type="datetimeFigureOut">
               <a:rPr lang="en-US" smtClean="0"/>
-              <a:t>4/23/20</a:t>
+              <a:t>4/25/20</a:t>
             </a:fld>
             <a:endParaRPr lang="en-US"/>
           </a:p>
@@ -7774,7 +7380,13 @@
       </p:sp>
       <p:sp>
         <p:nvSpPr>
-          <p:cNvPr id="6" name="Footer Placeholder 5"/>
+          <p:cNvPr id="6" name="Footer Placeholder 5">
+            <a:extLst>
+              <a:ext uri="{FF2B5EF4-FFF2-40B4-BE49-F238E27FC236}">
+                <a16:creationId xmlns:a16="http://schemas.microsoft.com/office/drawing/2014/main" id="{5EE38C67-03C3-194B-89C9-8C771DAD71D1}"/>
+              </a:ext>
+            </a:extLst>
+          </p:cNvPr>
           <p:cNvSpPr>
             <a:spLocks noGrp="1"/>
           </p:cNvSpPr>
@@ -7793,7 +7405,13 @@
       </p:sp>
       <p:sp>
         <p:nvSpPr>
-          <p:cNvPr id="7" name="Slide Number Placeholder 6"/>
+          <p:cNvPr id="7" name="Slide Number Placeholder 6">
+            <a:extLst>
+              <a:ext uri="{FF2B5EF4-FFF2-40B4-BE49-F238E27FC236}">
+                <a16:creationId xmlns:a16="http://schemas.microsoft.com/office/drawing/2014/main" id="{056D1330-BDC5-A146-A2A2-000FE5D9FFF7}"/>
+              </a:ext>
+            </a:extLst>
+          </p:cNvPr>
           <p:cNvSpPr>
             <a:spLocks noGrp="1"/>
           </p:cNvSpPr>
@@ -7806,7 +7424,7 @@
           <a:bodyPr/>
           <a:lstStyle/>
           <a:p>
-            <a:fld id="{1A1DF3CC-39B0-9140-86B4-EA13E25382FD}" type="slidenum">
+            <a:fld id="{5826FA90-988A-8249-956A-5CE1D6D83A8D}" type="slidenum">
               <a:rPr lang="en-US" smtClean="0"/>
               <a:t>‹#›</a:t>
             </a:fld>
@@ -7817,7 +7435,7 @@
     </p:spTree>
     <p:extLst>
       <p:ext uri="{BB962C8B-B14F-4D97-AF65-F5344CB8AC3E}">
-        <p14:creationId xmlns:p14="http://schemas.microsoft.com/office/powerpoint/2010/main" val="4025406515"/>
+        <p14:creationId xmlns:p14="http://schemas.microsoft.com/office/powerpoint/2010/main" val="536550842"/>
       </p:ext>
     </p:extLst>
   </p:cSld>
@@ -7846,7 +7464,13 @@
       </p:grpSpPr>
       <p:sp>
         <p:nvSpPr>
-          <p:cNvPr id="2" name="Title 1"/>
+          <p:cNvPr id="2" name="Title 1">
+            <a:extLst>
+              <a:ext uri="{FF2B5EF4-FFF2-40B4-BE49-F238E27FC236}">
+                <a16:creationId xmlns:a16="http://schemas.microsoft.com/office/drawing/2014/main" id="{589EE759-EA6A-1945-897D-35E3ABF47FC4}"/>
+              </a:ext>
+            </a:extLst>
+          </p:cNvPr>
           <p:cNvSpPr>
             <a:spLocks noGrp="1"/>
           </p:cNvSpPr>
@@ -7856,15 +7480,15 @@
         </p:nvSpPr>
         <p:spPr>
           <a:xfrm>
-            <a:off x="1792288" y="4800600"/>
-            <a:ext cx="5486400" cy="566738"/>
+            <a:off x="839788" y="457200"/>
+            <a:ext cx="3932237" cy="1600200"/>
           </a:xfrm>
         </p:spPr>
         <p:txBody>
           <a:bodyPr anchor="b"/>
           <a:lstStyle>
-            <a:lvl1pPr algn="l">
-              <a:defRPr sz="2000" b="1"/>
+            <a:lvl1pPr>
+              <a:defRPr sz="3200"/>
             </a:lvl1pPr>
           </a:lstStyle>
           <a:p>
@@ -7877,7 +7501,13 @@
       </p:sp>
       <p:sp>
         <p:nvSpPr>
-          <p:cNvPr id="3" name="Picture Placeholder 2"/>
+          <p:cNvPr id="3" name="Picture Placeholder 2">
+            <a:extLst>
+              <a:ext uri="{FF2B5EF4-FFF2-40B4-BE49-F238E27FC236}">
+                <a16:creationId xmlns:a16="http://schemas.microsoft.com/office/drawing/2014/main" id="{309CEF5F-0EE6-004C-8955-DC87F27DA465}"/>
+              </a:ext>
+            </a:extLst>
+          </p:cNvPr>
           <p:cNvSpPr>
             <a:spLocks noGrp="1"/>
           </p:cNvSpPr>
@@ -7887,8 +7517,8 @@
         </p:nvSpPr>
         <p:spPr>
           <a:xfrm>
-            <a:off x="1792288" y="612775"/>
-            <a:ext cx="5486400" cy="4114800"/>
+            <a:off x="5183188" y="987425"/>
+            <a:ext cx="6172200" cy="4873625"/>
           </a:xfrm>
         </p:spPr>
         <p:txBody>
@@ -7938,7 +7568,13 @@
       </p:sp>
       <p:sp>
         <p:nvSpPr>
-          <p:cNvPr id="4" name="Text Placeholder 3"/>
+          <p:cNvPr id="4" name="Text Placeholder 3">
+            <a:extLst>
+              <a:ext uri="{FF2B5EF4-FFF2-40B4-BE49-F238E27FC236}">
+                <a16:creationId xmlns:a16="http://schemas.microsoft.com/office/drawing/2014/main" id="{225542E0-C006-2743-8B64-DE2506952D5E}"/>
+              </a:ext>
+            </a:extLst>
+          </p:cNvPr>
           <p:cNvSpPr>
             <a:spLocks noGrp="1"/>
           </p:cNvSpPr>
@@ -7948,8 +7584,8 @@
         </p:nvSpPr>
         <p:spPr>
           <a:xfrm>
-            <a:off x="1792288" y="5367338"/>
-            <a:ext cx="5486400" cy="804862"/>
+            <a:off x="839788" y="2057400"/>
+            <a:ext cx="3932237" cy="3811588"/>
           </a:xfrm>
         </p:spPr>
         <p:txBody>
@@ -7957,39 +7593,39 @@
           <a:lstStyle>
             <a:lvl1pPr marL="0" indent="0">
               <a:buNone/>
-              <a:defRPr sz="1400"/>
+              <a:defRPr sz="1600"/>
             </a:lvl1pPr>
             <a:lvl2pPr marL="457200" indent="0">
               <a:buNone/>
-              <a:defRPr sz="1200"/>
+              <a:defRPr sz="1400"/>
             </a:lvl2pPr>
             <a:lvl3pPr marL="914400" indent="0">
               <a:buNone/>
-              <a:defRPr sz="1000"/>
+              <a:defRPr sz="1200"/>
             </a:lvl3pPr>
             <a:lvl4pPr marL="1371600" indent="0">
               <a:buNone/>
-              <a:defRPr sz="900"/>
+              <a:defRPr sz="1000"/>
             </a:lvl4pPr>
             <a:lvl5pPr marL="1828800" indent="0">
               <a:buNone/>
-              <a:defRPr sz="900"/>
+              <a:defRPr sz="1000"/>
             </a:lvl5pPr>
             <a:lvl6pPr marL="2286000" indent="0">
               <a:buNone/>
-              <a:defRPr sz="900"/>
+              <a:defRPr sz="1000"/>
             </a:lvl6pPr>
             <a:lvl7pPr marL="2743200" indent="0">
               <a:buNone/>
-              <a:defRPr sz="900"/>
+              <a:defRPr sz="1000"/>
             </a:lvl7pPr>
             <a:lvl8pPr marL="3200400" indent="0">
               <a:buNone/>
-              <a:defRPr sz="900"/>
+              <a:defRPr sz="1000"/>
             </a:lvl8pPr>
             <a:lvl9pPr marL="3657600" indent="0">
               <a:buNone/>
-              <a:defRPr sz="900"/>
+              <a:defRPr sz="1000"/>
             </a:lvl9pPr>
           </a:lstStyle>
           <a:p>
@@ -8003,7 +7639,13 @@
       </p:sp>
       <p:sp>
         <p:nvSpPr>
-          <p:cNvPr id="5" name="Date Placeholder 4"/>
+          <p:cNvPr id="5" name="Date Placeholder 4">
+            <a:extLst>
+              <a:ext uri="{FF2B5EF4-FFF2-40B4-BE49-F238E27FC236}">
+                <a16:creationId xmlns:a16="http://schemas.microsoft.com/office/drawing/2014/main" id="{FABA1381-CD1C-3A46-962D-3C6501FBBDDE}"/>
+              </a:ext>
+            </a:extLst>
+          </p:cNvPr>
           <p:cNvSpPr>
             <a:spLocks noGrp="1"/>
           </p:cNvSpPr>
@@ -8016,9 +7658,9 @@
           <a:bodyPr/>
           <a:lstStyle/>
           <a:p>
-            <a:fld id="{CA705254-548F-264E-ACCA-C3302308A209}" type="datetimeFigureOut">
+            <a:fld id="{E3A5D6DC-275E-5A4E-A28B-987FAD10E6F3}" type="datetimeFigureOut">
               <a:rPr lang="en-US" smtClean="0"/>
-              <a:t>4/23/20</a:t>
+              <a:t>4/25/20</a:t>
             </a:fld>
             <a:endParaRPr lang="en-US"/>
           </a:p>
@@ -8026,7 +7668,13 @@
       </p:sp>
       <p:sp>
         <p:nvSpPr>
-          <p:cNvPr id="6" name="Footer Placeholder 5"/>
+          <p:cNvPr id="6" name="Footer Placeholder 5">
+            <a:extLst>
+              <a:ext uri="{FF2B5EF4-FFF2-40B4-BE49-F238E27FC236}">
+                <a16:creationId xmlns:a16="http://schemas.microsoft.com/office/drawing/2014/main" id="{792FEBAB-C406-8245-8261-778C7205E994}"/>
+              </a:ext>
+            </a:extLst>
+          </p:cNvPr>
           <p:cNvSpPr>
             <a:spLocks noGrp="1"/>
           </p:cNvSpPr>
@@ -8045,7 +7693,13 @@
       </p:sp>
       <p:sp>
         <p:nvSpPr>
-          <p:cNvPr id="7" name="Slide Number Placeholder 6"/>
+          <p:cNvPr id="7" name="Slide Number Placeholder 6">
+            <a:extLst>
+              <a:ext uri="{FF2B5EF4-FFF2-40B4-BE49-F238E27FC236}">
+                <a16:creationId xmlns:a16="http://schemas.microsoft.com/office/drawing/2014/main" id="{7BDF3273-B7A7-FB45-8022-FDCA2654D6DF}"/>
+              </a:ext>
+            </a:extLst>
+          </p:cNvPr>
           <p:cNvSpPr>
             <a:spLocks noGrp="1"/>
           </p:cNvSpPr>
@@ -8058,7 +7712,7 @@
           <a:bodyPr/>
           <a:lstStyle/>
           <a:p>
-            <a:fld id="{1A1DF3CC-39B0-9140-86B4-EA13E25382FD}" type="slidenum">
+            <a:fld id="{5826FA90-988A-8249-956A-5CE1D6D83A8D}" type="slidenum">
               <a:rPr lang="en-US" smtClean="0"/>
               <a:t>‹#›</a:t>
             </a:fld>
@@ -8069,7 +7723,7 @@
     </p:spTree>
     <p:extLst>
       <p:ext uri="{BB962C8B-B14F-4D97-AF65-F5344CB8AC3E}">
-        <p14:creationId xmlns:p14="http://schemas.microsoft.com/office/powerpoint/2010/main" val="1732331179"/>
+        <p14:creationId xmlns:p14="http://schemas.microsoft.com/office/powerpoint/2010/main" val="524219013"/>
       </p:ext>
     </p:extLst>
   </p:cSld>
@@ -8103,7 +7757,13 @@
       </p:grpSpPr>
       <p:sp>
         <p:nvSpPr>
-          <p:cNvPr id="2" name="Title Placeholder 1"/>
+          <p:cNvPr id="2" name="Title Placeholder 1">
+            <a:extLst>
+              <a:ext uri="{FF2B5EF4-FFF2-40B4-BE49-F238E27FC236}">
+                <a16:creationId xmlns:a16="http://schemas.microsoft.com/office/drawing/2014/main" id="{50DADDC2-8273-DB47-9AC2-4AA02E189BE5}"/>
+              </a:ext>
+            </a:extLst>
+          </p:cNvPr>
           <p:cNvSpPr>
             <a:spLocks noGrp="1"/>
           </p:cNvSpPr>
@@ -8113,8 +7773,8 @@
         </p:nvSpPr>
         <p:spPr>
           <a:xfrm>
-            <a:off x="457200" y="274638"/>
-            <a:ext cx="8229600" cy="1143000"/>
+            <a:off x="838200" y="365125"/>
+            <a:ext cx="10515600" cy="1325563"/>
           </a:xfrm>
           <a:prstGeom prst="rect">
             <a:avLst/>
@@ -8135,7 +7795,13 @@
       </p:sp>
       <p:sp>
         <p:nvSpPr>
-          <p:cNvPr id="3" name="Text Placeholder 2"/>
+          <p:cNvPr id="3" name="Text Placeholder 2">
+            <a:extLst>
+              <a:ext uri="{FF2B5EF4-FFF2-40B4-BE49-F238E27FC236}">
+                <a16:creationId xmlns:a16="http://schemas.microsoft.com/office/drawing/2014/main" id="{0FD8160B-9693-7F41-AED6-7C23726FE575}"/>
+              </a:ext>
+            </a:extLst>
+          </p:cNvPr>
           <p:cNvSpPr>
             <a:spLocks noGrp="1"/>
           </p:cNvSpPr>
@@ -8145,8 +7811,8 @@
         </p:nvSpPr>
         <p:spPr>
           <a:xfrm>
-            <a:off x="457200" y="1600200"/>
-            <a:ext cx="8229600" cy="4525963"/>
+            <a:off x="838200" y="1825625"/>
+            <a:ext cx="10515600" cy="4351338"/>
           </a:xfrm>
           <a:prstGeom prst="rect">
             <a:avLst/>
@@ -8196,7 +7862,13 @@
       </p:sp>
       <p:sp>
         <p:nvSpPr>
-          <p:cNvPr id="4" name="Date Placeholder 3"/>
+          <p:cNvPr id="4" name="Date Placeholder 3">
+            <a:extLst>
+              <a:ext uri="{FF2B5EF4-FFF2-40B4-BE49-F238E27FC236}">
+                <a16:creationId xmlns:a16="http://schemas.microsoft.com/office/drawing/2014/main" id="{A42A7CE4-21C1-C240-928A-25F76F87371A}"/>
+              </a:ext>
+            </a:extLst>
+          </p:cNvPr>
           <p:cNvSpPr>
             <a:spLocks noGrp="1"/>
           </p:cNvSpPr>
@@ -8206,8 +7878,8 @@
         </p:nvSpPr>
         <p:spPr>
           <a:xfrm>
-            <a:off x="457200" y="6356350"/>
-            <a:ext cx="2133600" cy="365125"/>
+            <a:off x="838200" y="6356350"/>
+            <a:ext cx="2743200" cy="365125"/>
           </a:xfrm>
           <a:prstGeom prst="rect">
             <a:avLst/>
@@ -8227,9 +7899,9 @@
             </a:lvl1pPr>
           </a:lstStyle>
           <a:p>
-            <a:fld id="{CA705254-548F-264E-ACCA-C3302308A209}" type="datetimeFigureOut">
+            <a:fld id="{E3A5D6DC-275E-5A4E-A28B-987FAD10E6F3}" type="datetimeFigureOut">
               <a:rPr lang="en-US" smtClean="0"/>
-              <a:t>4/23/20</a:t>
+              <a:t>4/25/20</a:t>
             </a:fld>
             <a:endParaRPr lang="en-US"/>
           </a:p>
@@ -8237,7 +7909,13 @@
       </p:sp>
       <p:sp>
         <p:nvSpPr>
-          <p:cNvPr id="5" name="Footer Placeholder 4"/>
+          <p:cNvPr id="5" name="Footer Placeholder 4">
+            <a:extLst>
+              <a:ext uri="{FF2B5EF4-FFF2-40B4-BE49-F238E27FC236}">
+                <a16:creationId xmlns:a16="http://schemas.microsoft.com/office/drawing/2014/main" id="{6B1F1FF3-B8FF-154B-B537-D487D475A0DD}"/>
+              </a:ext>
+            </a:extLst>
+          </p:cNvPr>
           <p:cNvSpPr>
             <a:spLocks noGrp="1"/>
           </p:cNvSpPr>
@@ -8247,8 +7925,8 @@
         </p:nvSpPr>
         <p:spPr>
           <a:xfrm>
-            <a:off x="3124200" y="6356350"/>
-            <a:ext cx="2895600" cy="365125"/>
+            <a:off x="4038600" y="6356350"/>
+            <a:ext cx="4114800" cy="365125"/>
           </a:xfrm>
           <a:prstGeom prst="rect">
             <a:avLst/>
@@ -8274,7 +7952,13 @@
       </p:sp>
       <p:sp>
         <p:nvSpPr>
-          <p:cNvPr id="6" name="Slide Number Placeholder 5"/>
+          <p:cNvPr id="6" name="Slide Number Placeholder 5">
+            <a:extLst>
+              <a:ext uri="{FF2B5EF4-FFF2-40B4-BE49-F238E27FC236}">
+                <a16:creationId xmlns:a16="http://schemas.microsoft.com/office/drawing/2014/main" id="{5ACE6DFF-0D74-8B46-A0BB-248BADC06E80}"/>
+              </a:ext>
+            </a:extLst>
+          </p:cNvPr>
           <p:cNvSpPr>
             <a:spLocks noGrp="1"/>
           </p:cNvSpPr>
@@ -8284,8 +7968,8 @@
         </p:nvSpPr>
         <p:spPr>
           <a:xfrm>
-            <a:off x="6553200" y="6356350"/>
-            <a:ext cx="2133600" cy="365125"/>
+            <a:off x="8610600" y="6356350"/>
+            <a:ext cx="2743200" cy="365125"/>
           </a:xfrm>
           <a:prstGeom prst="rect">
             <a:avLst/>
@@ -8305,7 +7989,7 @@
             </a:lvl1pPr>
           </a:lstStyle>
           <a:p>
-            <a:fld id="{1A1DF3CC-39B0-9140-86B4-EA13E25382FD}" type="slidenum">
+            <a:fld id="{5826FA90-988A-8249-956A-5CE1D6D83A8D}" type="slidenum">
               <a:rPr lang="en-US" smtClean="0"/>
               <a:t>‹#›</a:t>
             </a:fld>
@@ -8316,7 +8000,7 @@
     </p:spTree>
     <p:extLst>
       <p:ext uri="{BB962C8B-B14F-4D97-AF65-F5344CB8AC3E}">
-        <p14:creationId xmlns:p14="http://schemas.microsoft.com/office/powerpoint/2010/main" val="3007051487"/>
+        <p14:creationId xmlns:p14="http://schemas.microsoft.com/office/powerpoint/2010/main" val="4287690804"/>
       </p:ext>
     </p:extLst>
   </p:cSld>
@@ -8336,7 +8020,10 @@
   </p:sldLayoutIdLst>
   <p:txStyles>
     <p:titleStyle>
-      <a:lvl1pPr algn="ctr" defTabSz="457200" rtl="0" eaLnBrk="1" latinLnBrk="0" hangingPunct="1">
+      <a:lvl1pPr algn="l" defTabSz="914400" rtl="0" eaLnBrk="1" latinLnBrk="0" hangingPunct="1">
+        <a:lnSpc>
+          <a:spcPct val="90000"/>
+        </a:lnSpc>
         <a:spcBef>
           <a:spcPct val="0"/>
         </a:spcBef>
@@ -8352,13 +8039,16 @@
       </a:lvl1pPr>
     </p:titleStyle>
     <p:bodyStyle>
-      <a:lvl1pPr marL="342900" indent="-342900" algn="l" defTabSz="457200" rtl="0" eaLnBrk="1" latinLnBrk="0" hangingPunct="1">
+      <a:lvl1pPr marL="228600" indent="-228600" algn="l" defTabSz="914400" rtl="0" eaLnBrk="1" latinLnBrk="0" hangingPunct="1">
+        <a:lnSpc>
+          <a:spcPct val="90000"/>
+        </a:lnSpc>
         <a:spcBef>
-          <a:spcPct val="20000"/>
+          <a:spcPts val="1000"/>
         </a:spcBef>
-        <a:buFont typeface="Arial"/>
+        <a:buFont typeface="Arial" panose="020B0604020202020204" pitchFamily="34" charset="0"/>
         <a:buChar char="•"/>
-        <a:defRPr sz="3200" kern="1200">
+        <a:defRPr sz="2800" kern="1200">
           <a:solidFill>
             <a:schemeClr val="tx1"/>
           </a:solidFill>
@@ -8367,26 +8057,14 @@
           <a:cs typeface="+mn-cs"/>
         </a:defRPr>
       </a:lvl1pPr>
-      <a:lvl2pPr marL="742950" indent="-285750" algn="l" defTabSz="457200" rtl="0" eaLnBrk="1" latinLnBrk="0" hangingPunct="1">
+      <a:lvl2pPr marL="685800" indent="-228600" algn="l" defTabSz="914400" rtl="0" eaLnBrk="1" latinLnBrk="0" hangingPunct="1">
+        <a:lnSpc>
+          <a:spcPct val="90000"/>
+        </a:lnSpc>
         <a:spcBef>
-          <a:spcPct val="20000"/>
+          <a:spcPts val="500"/>
         </a:spcBef>
-        <a:buFont typeface="Arial"/>
-        <a:buChar char="–"/>
-        <a:defRPr sz="2800" kern="1200">
-          <a:solidFill>
-            <a:schemeClr val="tx1"/>
-          </a:solidFill>
-          <a:latin typeface="+mn-lt"/>
-          <a:ea typeface="+mn-ea"/>
-          <a:cs typeface="+mn-cs"/>
-        </a:defRPr>
-      </a:lvl2pPr>
-      <a:lvl3pPr marL="1143000" indent="-228600" algn="l" defTabSz="457200" rtl="0" eaLnBrk="1" latinLnBrk="0" hangingPunct="1">
-        <a:spcBef>
-          <a:spcPct val="20000"/>
-        </a:spcBef>
-        <a:buFont typeface="Arial"/>
+        <a:buFont typeface="Arial" panose="020B0604020202020204" pitchFamily="34" charset="0"/>
         <a:buChar char="•"/>
         <a:defRPr sz="2400" kern="1200">
           <a:solidFill>
@@ -8396,42 +8074,15 @@
           <a:ea typeface="+mn-ea"/>
           <a:cs typeface="+mn-cs"/>
         </a:defRPr>
-      </a:lvl3pPr>
-      <a:lvl4pPr marL="1600200" indent="-228600" algn="l" defTabSz="457200" rtl="0" eaLnBrk="1" latinLnBrk="0" hangingPunct="1">
+      </a:lvl2pPr>
+      <a:lvl3pPr marL="1143000" indent="-228600" algn="l" defTabSz="914400" rtl="0" eaLnBrk="1" latinLnBrk="0" hangingPunct="1">
+        <a:lnSpc>
+          <a:spcPct val="90000"/>
+        </a:lnSpc>
         <a:spcBef>
-          <a:spcPct val="20000"/>
+          <a:spcPts val="500"/>
         </a:spcBef>
-        <a:buFont typeface="Arial"/>
-        <a:buChar char="–"/>
-        <a:defRPr sz="2000" kern="1200">
-          <a:solidFill>
-            <a:schemeClr val="tx1"/>
-          </a:solidFill>
-          <a:latin typeface="+mn-lt"/>
-          <a:ea typeface="+mn-ea"/>
-          <a:cs typeface="+mn-cs"/>
-        </a:defRPr>
-      </a:lvl4pPr>
-      <a:lvl5pPr marL="2057400" indent="-228600" algn="l" defTabSz="457200" rtl="0" eaLnBrk="1" latinLnBrk="0" hangingPunct="1">
-        <a:spcBef>
-          <a:spcPct val="20000"/>
-        </a:spcBef>
-        <a:buFont typeface="Arial"/>
-        <a:buChar char="»"/>
-        <a:defRPr sz="2000" kern="1200">
-          <a:solidFill>
-            <a:schemeClr val="tx1"/>
-          </a:solidFill>
-          <a:latin typeface="+mn-lt"/>
-          <a:ea typeface="+mn-ea"/>
-          <a:cs typeface="+mn-cs"/>
-        </a:defRPr>
-      </a:lvl5pPr>
-      <a:lvl6pPr marL="2514600" indent="-228600" algn="l" defTabSz="457200" rtl="0" eaLnBrk="1" latinLnBrk="0" hangingPunct="1">
-        <a:spcBef>
-          <a:spcPct val="20000"/>
-        </a:spcBef>
-        <a:buFont typeface="Arial"/>
+        <a:buFont typeface="Arial" panose="020B0604020202020204" pitchFamily="34" charset="0"/>
         <a:buChar char="•"/>
         <a:defRPr sz="2000" kern="1200">
           <a:solidFill>
@@ -8441,14 +8092,71 @@
           <a:ea typeface="+mn-ea"/>
           <a:cs typeface="+mn-cs"/>
         </a:defRPr>
+      </a:lvl3pPr>
+      <a:lvl4pPr marL="1600200" indent="-228600" algn="l" defTabSz="914400" rtl="0" eaLnBrk="1" latinLnBrk="0" hangingPunct="1">
+        <a:lnSpc>
+          <a:spcPct val="90000"/>
+        </a:lnSpc>
+        <a:spcBef>
+          <a:spcPts val="500"/>
+        </a:spcBef>
+        <a:buFont typeface="Arial" panose="020B0604020202020204" pitchFamily="34" charset="0"/>
+        <a:buChar char="•"/>
+        <a:defRPr sz="1800" kern="1200">
+          <a:solidFill>
+            <a:schemeClr val="tx1"/>
+          </a:solidFill>
+          <a:latin typeface="+mn-lt"/>
+          <a:ea typeface="+mn-ea"/>
+          <a:cs typeface="+mn-cs"/>
+        </a:defRPr>
+      </a:lvl4pPr>
+      <a:lvl5pPr marL="2057400" indent="-228600" algn="l" defTabSz="914400" rtl="0" eaLnBrk="1" latinLnBrk="0" hangingPunct="1">
+        <a:lnSpc>
+          <a:spcPct val="90000"/>
+        </a:lnSpc>
+        <a:spcBef>
+          <a:spcPts val="500"/>
+        </a:spcBef>
+        <a:buFont typeface="Arial" panose="020B0604020202020204" pitchFamily="34" charset="0"/>
+        <a:buChar char="•"/>
+        <a:defRPr sz="1800" kern="1200">
+          <a:solidFill>
+            <a:schemeClr val="tx1"/>
+          </a:solidFill>
+          <a:latin typeface="+mn-lt"/>
+          <a:ea typeface="+mn-ea"/>
+          <a:cs typeface="+mn-cs"/>
+        </a:defRPr>
+      </a:lvl5pPr>
+      <a:lvl6pPr marL="2514600" indent="-228600" algn="l" defTabSz="914400" rtl="0" eaLnBrk="1" latinLnBrk="0" hangingPunct="1">
+        <a:lnSpc>
+          <a:spcPct val="90000"/>
+        </a:lnSpc>
+        <a:spcBef>
+          <a:spcPts val="500"/>
+        </a:spcBef>
+        <a:buFont typeface="Arial" panose="020B0604020202020204" pitchFamily="34" charset="0"/>
+        <a:buChar char="•"/>
+        <a:defRPr sz="1800" kern="1200">
+          <a:solidFill>
+            <a:schemeClr val="tx1"/>
+          </a:solidFill>
+          <a:latin typeface="+mn-lt"/>
+          <a:ea typeface="+mn-ea"/>
+          <a:cs typeface="+mn-cs"/>
+        </a:defRPr>
       </a:lvl6pPr>
-      <a:lvl7pPr marL="2971800" indent="-228600" algn="l" defTabSz="457200" rtl="0" eaLnBrk="1" latinLnBrk="0" hangingPunct="1">
+      <a:lvl7pPr marL="2971800" indent="-228600" algn="l" defTabSz="914400" rtl="0" eaLnBrk="1" latinLnBrk="0" hangingPunct="1">
+        <a:lnSpc>
+          <a:spcPct val="90000"/>
+        </a:lnSpc>
         <a:spcBef>
-          <a:spcPct val="20000"/>
+          <a:spcPts val="500"/>
         </a:spcBef>
-        <a:buFont typeface="Arial"/>
+        <a:buFont typeface="Arial" panose="020B0604020202020204" pitchFamily="34" charset="0"/>
         <a:buChar char="•"/>
-        <a:defRPr sz="2000" kern="1200">
+        <a:defRPr sz="1800" kern="1200">
           <a:solidFill>
             <a:schemeClr val="tx1"/>
           </a:solidFill>
@@ -8457,13 +8165,16 @@
           <a:cs typeface="+mn-cs"/>
         </a:defRPr>
       </a:lvl7pPr>
-      <a:lvl8pPr marL="3429000" indent="-228600" algn="l" defTabSz="457200" rtl="0" eaLnBrk="1" latinLnBrk="0" hangingPunct="1">
+      <a:lvl8pPr marL="3429000" indent="-228600" algn="l" defTabSz="914400" rtl="0" eaLnBrk="1" latinLnBrk="0" hangingPunct="1">
+        <a:lnSpc>
+          <a:spcPct val="90000"/>
+        </a:lnSpc>
         <a:spcBef>
-          <a:spcPct val="20000"/>
+          <a:spcPts val="500"/>
         </a:spcBef>
-        <a:buFont typeface="Arial"/>
+        <a:buFont typeface="Arial" panose="020B0604020202020204" pitchFamily="34" charset="0"/>
         <a:buChar char="•"/>
-        <a:defRPr sz="2000" kern="1200">
+        <a:defRPr sz="1800" kern="1200">
           <a:solidFill>
             <a:schemeClr val="tx1"/>
           </a:solidFill>
@@ -8472,13 +8183,16 @@
           <a:cs typeface="+mn-cs"/>
         </a:defRPr>
       </a:lvl8pPr>
-      <a:lvl9pPr marL="3886200" indent="-228600" algn="l" defTabSz="457200" rtl="0" eaLnBrk="1" latinLnBrk="0" hangingPunct="1">
+      <a:lvl9pPr marL="3886200" indent="-228600" algn="l" defTabSz="914400" rtl="0" eaLnBrk="1" latinLnBrk="0" hangingPunct="1">
+        <a:lnSpc>
+          <a:spcPct val="90000"/>
+        </a:lnSpc>
         <a:spcBef>
-          <a:spcPct val="20000"/>
+          <a:spcPts val="500"/>
         </a:spcBef>
-        <a:buFont typeface="Arial"/>
+        <a:buFont typeface="Arial" panose="020B0604020202020204" pitchFamily="34" charset="0"/>
         <a:buChar char="•"/>
-        <a:defRPr sz="2000" kern="1200">
+        <a:defRPr sz="1800" kern="1200">
           <a:solidFill>
             <a:schemeClr val="tx1"/>
           </a:solidFill>
@@ -8492,7 +8206,7 @@
       <a:defPPr>
         <a:defRPr lang="en-US"/>
       </a:defPPr>
-      <a:lvl1pPr marL="0" algn="l" defTabSz="457200" rtl="0" eaLnBrk="1" latinLnBrk="0" hangingPunct="1">
+      <a:lvl1pPr marL="0" algn="l" defTabSz="914400" rtl="0" eaLnBrk="1" latinLnBrk="0" hangingPunct="1">
         <a:defRPr sz="1800" kern="1200">
           <a:solidFill>
             <a:schemeClr val="tx1"/>
@@ -8502,7 +8216,7 @@
           <a:cs typeface="+mn-cs"/>
         </a:defRPr>
       </a:lvl1pPr>
-      <a:lvl2pPr marL="457200" algn="l" defTabSz="457200" rtl="0" eaLnBrk="1" latinLnBrk="0" hangingPunct="1">
+      <a:lvl2pPr marL="457200" algn="l" defTabSz="914400" rtl="0" eaLnBrk="1" latinLnBrk="0" hangingPunct="1">
         <a:defRPr sz="1800" kern="1200">
           <a:solidFill>
             <a:schemeClr val="tx1"/>
@@ -8512,7 +8226,7 @@
           <a:cs typeface="+mn-cs"/>
         </a:defRPr>
       </a:lvl2pPr>
-      <a:lvl3pPr marL="914400" algn="l" defTabSz="457200" rtl="0" eaLnBrk="1" latinLnBrk="0" hangingPunct="1">
+      <a:lvl3pPr marL="914400" algn="l" defTabSz="914400" rtl="0" eaLnBrk="1" latinLnBrk="0" hangingPunct="1">
         <a:defRPr sz="1800" kern="1200">
           <a:solidFill>
             <a:schemeClr val="tx1"/>
@@ -8522,7 +8236,7 @@
           <a:cs typeface="+mn-cs"/>
         </a:defRPr>
       </a:lvl3pPr>
-      <a:lvl4pPr marL="1371600" algn="l" defTabSz="457200" rtl="0" eaLnBrk="1" latinLnBrk="0" hangingPunct="1">
+      <a:lvl4pPr marL="1371600" algn="l" defTabSz="914400" rtl="0" eaLnBrk="1" latinLnBrk="0" hangingPunct="1">
         <a:defRPr sz="1800" kern="1200">
           <a:solidFill>
             <a:schemeClr val="tx1"/>
@@ -8532,7 +8246,7 @@
           <a:cs typeface="+mn-cs"/>
         </a:defRPr>
       </a:lvl4pPr>
-      <a:lvl5pPr marL="1828800" algn="l" defTabSz="457200" rtl="0" eaLnBrk="1" latinLnBrk="0" hangingPunct="1">
+      <a:lvl5pPr marL="1828800" algn="l" defTabSz="914400" rtl="0" eaLnBrk="1" latinLnBrk="0" hangingPunct="1">
         <a:defRPr sz="1800" kern="1200">
           <a:solidFill>
             <a:schemeClr val="tx1"/>
@@ -8542,7 +8256,7 @@
           <a:cs typeface="+mn-cs"/>
         </a:defRPr>
       </a:lvl5pPr>
-      <a:lvl6pPr marL="2286000" algn="l" defTabSz="457200" rtl="0" eaLnBrk="1" latinLnBrk="0" hangingPunct="1">
+      <a:lvl6pPr marL="2286000" algn="l" defTabSz="914400" rtl="0" eaLnBrk="1" latinLnBrk="0" hangingPunct="1">
         <a:defRPr sz="1800" kern="1200">
           <a:solidFill>
             <a:schemeClr val="tx1"/>
@@ -8552,7 +8266,7 @@
           <a:cs typeface="+mn-cs"/>
         </a:defRPr>
       </a:lvl6pPr>
-      <a:lvl7pPr marL="2743200" algn="l" defTabSz="457200" rtl="0" eaLnBrk="1" latinLnBrk="0" hangingPunct="1">
+      <a:lvl7pPr marL="2743200" algn="l" defTabSz="914400" rtl="0" eaLnBrk="1" latinLnBrk="0" hangingPunct="1">
         <a:defRPr sz="1800" kern="1200">
           <a:solidFill>
             <a:schemeClr val="tx1"/>
@@ -8562,7 +8276,7 @@
           <a:cs typeface="+mn-cs"/>
         </a:defRPr>
       </a:lvl7pPr>
-      <a:lvl8pPr marL="3200400" algn="l" defTabSz="457200" rtl="0" eaLnBrk="1" latinLnBrk="0" hangingPunct="1">
+      <a:lvl8pPr marL="3200400" algn="l" defTabSz="914400" rtl="0" eaLnBrk="1" latinLnBrk="0" hangingPunct="1">
         <a:defRPr sz="1800" kern="1200">
           <a:solidFill>
             <a:schemeClr val="tx1"/>
@@ -8572,7 +8286,7 @@
           <a:cs typeface="+mn-cs"/>
         </a:defRPr>
       </a:lvl8pPr>
-      <a:lvl9pPr marL="3657600" algn="l" defTabSz="457200" rtl="0" eaLnBrk="1" latinLnBrk="0" hangingPunct="1">
+      <a:lvl9pPr marL="3657600" algn="l" defTabSz="914400" rtl="0" eaLnBrk="1" latinLnBrk="0" hangingPunct="1">
         <a:defRPr sz="1800" kern="1200">
           <a:solidFill>
             <a:schemeClr val="tx1"/>
@@ -8606,7 +8320,13 @@
       </p:grpSpPr>
       <p:pic>
         <p:nvPicPr>
-          <p:cNvPr id="5" name="Picture 4" descr="superblue18_2.png"/>
+          <p:cNvPr id="6" name="Picture 5" descr="superblue18_2.png">
+            <a:extLst>
+              <a:ext uri="{FF2B5EF4-FFF2-40B4-BE49-F238E27FC236}">
+                <a16:creationId xmlns:a16="http://schemas.microsoft.com/office/drawing/2014/main" id="{EBA0BB42-9FB8-014E-BFDB-38537B5B46C8}"/>
+              </a:ext>
+            </a:extLst>
+          </p:cNvPr>
           <p:cNvPicPr>
             <a:picLocks noChangeAspect="1"/>
           </p:cNvPicPr>
@@ -8625,8 +8345,8 @@
         </p:blipFill>
         <p:spPr>
           <a:xfrm>
-            <a:off x="3192521" y="1106349"/>
-            <a:ext cx="2698697" cy="2622404"/>
+            <a:off x="7080095" y="1148390"/>
+            <a:ext cx="2295231" cy="2230344"/>
           </a:xfrm>
           <a:prstGeom prst="rect">
             <a:avLst/>
@@ -8635,7 +8355,13 @@
       </p:pic>
       <p:pic>
         <p:nvPicPr>
-          <p:cNvPr id="6" name="Picture 5" descr="Untitled.png"/>
+          <p:cNvPr id="7" name="Picture 6" descr="Untitled.png">
+            <a:extLst>
+              <a:ext uri="{FF2B5EF4-FFF2-40B4-BE49-F238E27FC236}">
+                <a16:creationId xmlns:a16="http://schemas.microsoft.com/office/drawing/2014/main" id="{7DB8F843-0051-2347-B435-8668B9CC9F79}"/>
+              </a:ext>
+            </a:extLst>
+          </p:cNvPr>
           <p:cNvPicPr>
             <a:picLocks noChangeAspect="1"/>
           </p:cNvPicPr>
@@ -8654,8 +8380,8 @@
         </p:blipFill>
         <p:spPr>
           <a:xfrm flipH="1">
-            <a:off x="5989397" y="1108355"/>
-            <a:ext cx="2693715" cy="2597952"/>
+            <a:off x="9605714" y="1158788"/>
+            <a:ext cx="2290994" cy="2209548"/>
           </a:xfrm>
           <a:prstGeom prst="rect">
             <a:avLst/>
@@ -8664,14 +8390,20 @@
       </p:pic>
       <p:sp>
         <p:nvSpPr>
-          <p:cNvPr id="8" name="TextBox 7"/>
+          <p:cNvPr id="8" name="TextBox 7">
+            <a:extLst>
+              <a:ext uri="{FF2B5EF4-FFF2-40B4-BE49-F238E27FC236}">
+                <a16:creationId xmlns:a16="http://schemas.microsoft.com/office/drawing/2014/main" id="{553B18DE-502F-B847-BCAF-0104B0511F7E}"/>
+              </a:ext>
+            </a:extLst>
+          </p:cNvPr>
           <p:cNvSpPr txBox="1"/>
           <p:nvPr/>
         </p:nvSpPr>
         <p:spPr>
           <a:xfrm>
-            <a:off x="428171" y="3746987"/>
-            <a:ext cx="2852058" cy="446276"/>
+            <a:off x="-277123" y="3486856"/>
+            <a:ext cx="3464465" cy="446276"/>
           </a:xfrm>
           <a:prstGeom prst="rect">
             <a:avLst/>
@@ -8690,34 +8422,26 @@
                 <a:latin typeface="Times"/>
                 <a:cs typeface="Times"/>
               </a:rPr>
-              <a:t>(a) Circuit (1.01mm</a:t>
-            </a:r>
-            <a:r>
-              <a:rPr lang="en-US" sz="2300" baseline="30000" dirty="0">
-                <a:latin typeface="Times"/>
-                <a:cs typeface="Times"/>
-              </a:rPr>
-              <a:t>2</a:t>
-            </a:r>
-            <a:r>
-              <a:rPr lang="en-US" sz="2300" dirty="0">
-                <a:latin typeface="Times"/>
-                <a:cs typeface="Times"/>
-              </a:rPr>
-              <a:t>)</a:t>
+              <a:t>(a) Timing critical paths</a:t>
             </a:r>
           </a:p>
         </p:txBody>
       </p:sp>
       <p:sp>
         <p:nvSpPr>
-          <p:cNvPr id="9" name="TextBox 8"/>
+          <p:cNvPr id="9" name="TextBox 8">
+            <a:extLst>
+              <a:ext uri="{FF2B5EF4-FFF2-40B4-BE49-F238E27FC236}">
+                <a16:creationId xmlns:a16="http://schemas.microsoft.com/office/drawing/2014/main" id="{DF94B16F-51E3-F341-B8B8-33E3605ECD78}"/>
+              </a:ext>
+            </a:extLst>
+          </p:cNvPr>
           <p:cNvSpPr txBox="1"/>
           <p:nvPr/>
         </p:nvSpPr>
         <p:spPr>
           <a:xfrm>
-            <a:off x="3192521" y="3746987"/>
+            <a:off x="6917673" y="3486856"/>
             <a:ext cx="2796876" cy="446276"/>
           </a:xfrm>
           <a:prstGeom prst="rect">
@@ -8737,20 +8461,26 @@
                 <a:latin typeface="Times"/>
                 <a:cs typeface="Times"/>
               </a:rPr>
-              <a:t>(b) Graph (3M gates)</a:t>
+              <a:t>(c) Graph (3M gates)</a:t>
             </a:r>
           </a:p>
         </p:txBody>
       </p:sp>
       <p:sp>
         <p:nvSpPr>
-          <p:cNvPr id="10" name="TextBox 9"/>
+          <p:cNvPr id="10" name="TextBox 9">
+            <a:extLst>
+              <a:ext uri="{FF2B5EF4-FFF2-40B4-BE49-F238E27FC236}">
+                <a16:creationId xmlns:a16="http://schemas.microsoft.com/office/drawing/2014/main" id="{BFBDC375-4B4C-0D48-BA33-4AF499D38EDB}"/>
+              </a:ext>
+            </a:extLst>
+          </p:cNvPr>
           <p:cNvSpPr txBox="1"/>
           <p:nvPr/>
         </p:nvSpPr>
         <p:spPr>
           <a:xfrm>
-            <a:off x="5989396" y="3748506"/>
+            <a:off x="9404353" y="3476458"/>
             <a:ext cx="2693716" cy="446276"/>
           </a:xfrm>
           <a:prstGeom prst="rect">
@@ -8770,38 +8500,114 @@
                 <a:latin typeface="Times"/>
                 <a:cs typeface="Times"/>
               </a:rPr>
-              <a:t>(c) A signal path</a:t>
+              <a:t>(d) A signal path</a:t>
             </a:r>
           </a:p>
         </p:txBody>
       </p:sp>
       <p:pic>
         <p:nvPicPr>
-          <p:cNvPr id="2" name="Picture 1"/>
+          <p:cNvPr id="2" name="Picture 1">
+            <a:extLst>
+              <a:ext uri="{FF2B5EF4-FFF2-40B4-BE49-F238E27FC236}">
+                <a16:creationId xmlns:a16="http://schemas.microsoft.com/office/drawing/2014/main" id="{2B07E133-908A-0440-8A80-BFAC362165EF}"/>
+              </a:ext>
+            </a:extLst>
+          </p:cNvPr>
           <p:cNvPicPr>
             <a:picLocks noChangeAspect="1"/>
           </p:cNvPicPr>
           <p:nvPr/>
         </p:nvPicPr>
-        <p:blipFill rotWithShape="1">
+        <p:blipFill>
           <a:blip r:embed="rId4"/>
-          <a:srcRect l="31679" t="2375" r="31363" b="1913"/>
-          <a:stretch/>
+          <a:stretch>
+            <a:fillRect/>
+          </a:stretch>
         </p:blipFill>
         <p:spPr>
           <a:xfrm>
-            <a:off x="645264" y="1152758"/>
-            <a:ext cx="2423112" cy="2594229"/>
+            <a:off x="122613" y="1148390"/>
+            <a:ext cx="2902307" cy="2230344"/>
           </a:xfrm>
           <a:prstGeom prst="rect">
             <a:avLst/>
           </a:prstGeom>
         </p:spPr>
       </p:pic>
+      <p:pic>
+        <p:nvPicPr>
+          <p:cNvPr id="5" name="Picture 4">
+            <a:extLst>
+              <a:ext uri="{FF2B5EF4-FFF2-40B4-BE49-F238E27FC236}">
+                <a16:creationId xmlns:a16="http://schemas.microsoft.com/office/drawing/2014/main" id="{2C675DBF-8693-2346-A70A-B5EBE5076C24}"/>
+              </a:ext>
+            </a:extLst>
+          </p:cNvPr>
+          <p:cNvPicPr>
+            <a:picLocks noChangeAspect="1"/>
+          </p:cNvPicPr>
+          <p:nvPr/>
+        </p:nvPicPr>
+        <p:blipFill>
+          <a:blip r:embed="rId5"/>
+          <a:stretch>
+            <a:fillRect/>
+          </a:stretch>
+        </p:blipFill>
+        <p:spPr>
+          <a:xfrm>
+            <a:off x="3134986" y="1148390"/>
+            <a:ext cx="3835043" cy="2209548"/>
+          </a:xfrm>
+          <a:prstGeom prst="rect">
+            <a:avLst/>
+          </a:prstGeom>
+        </p:spPr>
+      </p:pic>
+      <p:sp>
+        <p:nvSpPr>
+          <p:cNvPr id="16" name="TextBox 15">
+            <a:extLst>
+              <a:ext uri="{FF2B5EF4-FFF2-40B4-BE49-F238E27FC236}">
+                <a16:creationId xmlns:a16="http://schemas.microsoft.com/office/drawing/2014/main" id="{8101E13D-30FB-B64B-855C-FCE5B7432C9B}"/>
+              </a:ext>
+            </a:extLst>
+          </p:cNvPr>
+          <p:cNvSpPr txBox="1"/>
+          <p:nvPr/>
+        </p:nvSpPr>
+        <p:spPr>
+          <a:xfrm>
+            <a:off x="3134986" y="3476458"/>
+            <a:ext cx="3835042" cy="446276"/>
+          </a:xfrm>
+          <a:prstGeom prst="rect">
+            <a:avLst/>
+          </a:prstGeom>
+          <a:noFill/>
+        </p:spPr>
+        <p:txBody>
+          <a:bodyPr wrap="square" rtlCol="0">
+            <a:spAutoFit/>
+          </a:bodyPr>
+          <a:lstStyle/>
+          <a:p>
+            <a:pPr algn="ctr"/>
+            <a:r>
+              <a:rPr lang="en-US" sz="2300" dirty="0">
+                <a:latin typeface="Times"/>
+                <a:cs typeface="Times"/>
+              </a:rPr>
+              <a:t>(b) Timing graph model</a:t>
+            </a:r>
+          </a:p>
+        </p:txBody>
+      </p:sp>
     </p:spTree>
     <p:extLst>
       <p:ext uri="{BB962C8B-B14F-4D97-AF65-F5344CB8AC3E}">
-        <p14:creationId xmlns:p14="http://schemas.microsoft.com/office/powerpoint/2010/main" val="1746257223"/>
+        <p14:creationId xmlns:p14="http://schemas.microsoft.com/office/powerpoint/2010/main" val="2597311815"/>
       </p:ext>
     </p:extLst>
   </p:cSld>
@@ -8830,10 +8636,10 @@
       </p:grpSpPr>
       <p:graphicFrame>
         <p:nvGraphicFramePr>
-          <p:cNvPr id="4" name="Chart 3">
+          <p:cNvPr id="24" name="Chart 23">
             <a:extLst>
               <a:ext uri="{FF2B5EF4-FFF2-40B4-BE49-F238E27FC236}">
-                <a16:creationId xmlns:a16="http://schemas.microsoft.com/office/drawing/2014/main" id="{A2E1FECC-B42F-DC45-A435-7A8AF9333FD1}"/>
+                <a16:creationId xmlns:a16="http://schemas.microsoft.com/office/drawing/2014/main" id="{C938BE57-DD42-584D-AA5E-1B5CF429E8E3}"/>
               </a:ext>
             </a:extLst>
           </p:cNvPr>
@@ -8841,14 +8647,14 @@
           <p:nvPr>
             <p:extLst>
               <p:ext uri="{D42A27DB-BD31-4B8C-83A1-F6EECF244321}">
-                <p14:modId xmlns:p14="http://schemas.microsoft.com/office/powerpoint/2010/main" val="2105229314"/>
+                <p14:modId xmlns:p14="http://schemas.microsoft.com/office/powerpoint/2010/main" val="665878611"/>
               </p:ext>
             </p:extLst>
           </p:nvPr>
         </p:nvGraphicFramePr>
         <p:xfrm>
-          <a:off x="0" y="331297"/>
-          <a:ext cx="4494156" cy="2681619"/>
+          <a:off x="6367758" y="918140"/>
+          <a:ext cx="3032931" cy="2709333"/>
         </p:xfrm>
         <a:graphic>
           <a:graphicData uri="http://schemas.openxmlformats.org/drawingml/2006/chart">
@@ -8858,10 +8664,10 @@
       </p:graphicFrame>
       <p:graphicFrame>
         <p:nvGraphicFramePr>
-          <p:cNvPr id="5" name="Chart 4">
+          <p:cNvPr id="25" name="Chart 24">
             <a:extLst>
               <a:ext uri="{FF2B5EF4-FFF2-40B4-BE49-F238E27FC236}">
-                <a16:creationId xmlns:a16="http://schemas.microsoft.com/office/drawing/2014/main" id="{2099483B-2491-9448-B48A-97334549EB32}"/>
+                <a16:creationId xmlns:a16="http://schemas.microsoft.com/office/drawing/2014/main" id="{77C9E2C5-B3CF-6342-8D1D-A44939EAC2CB}"/>
               </a:ext>
             </a:extLst>
           </p:cNvPr>
@@ -8869,14 +8675,14 @@
           <p:nvPr>
             <p:extLst>
               <p:ext uri="{D42A27DB-BD31-4B8C-83A1-F6EECF244321}">
-                <p14:modId xmlns:p14="http://schemas.microsoft.com/office/powerpoint/2010/main" val="953618480"/>
+                <p14:modId xmlns:p14="http://schemas.microsoft.com/office/powerpoint/2010/main" val="2845692421"/>
               </p:ext>
             </p:extLst>
           </p:nvPr>
         </p:nvGraphicFramePr>
         <p:xfrm>
-          <a:off x="4427275" y="331297"/>
-          <a:ext cx="4638881" cy="2681619"/>
+          <a:off x="3519454" y="918141"/>
+          <a:ext cx="3032932" cy="2709334"/>
         </p:xfrm>
         <a:graphic>
           <a:graphicData uri="http://schemas.openxmlformats.org/drawingml/2006/chart">
@@ -8884,42 +8690,12 @@
           </a:graphicData>
         </a:graphic>
       </p:graphicFrame>
-    </p:spTree>
-    <p:extLst>
-      <p:ext uri="{BB962C8B-B14F-4D97-AF65-F5344CB8AC3E}">
-        <p14:creationId xmlns:p14="http://schemas.microsoft.com/office/powerpoint/2010/main" val="2603283626"/>
-      </p:ext>
-    </p:extLst>
-  </p:cSld>
-  <p:clrMapOvr>
-    <a:masterClrMapping/>
-  </p:clrMapOvr>
-</p:sld>
-</file>
-
-<file path=ppt/slides/slide3.xml><?xml version="1.0" encoding="utf-8"?>
-<p:sld xmlns:a="http://schemas.openxmlformats.org/drawingml/2006/main" xmlns:r="http://schemas.openxmlformats.org/officeDocument/2006/relationships" xmlns:p="http://schemas.openxmlformats.org/presentationml/2006/main">
-  <p:cSld>
-    <p:spTree>
-      <p:nvGrpSpPr>
-        <p:cNvPr id="1" name=""/>
-        <p:cNvGrpSpPr/>
-        <p:nvPr/>
-      </p:nvGrpSpPr>
-      <p:grpSpPr>
-        <a:xfrm>
-          <a:off x="0" y="0"/>
-          <a:ext cx="0" cy="0"/>
-          <a:chOff x="0" y="0"/>
-          <a:chExt cx="0" cy="0"/>
-        </a:xfrm>
-      </p:grpSpPr>
       <p:graphicFrame>
         <p:nvGraphicFramePr>
-          <p:cNvPr id="4" name="Chart 3">
+          <p:cNvPr id="27" name="Chart 26">
             <a:extLst>
               <a:ext uri="{FF2B5EF4-FFF2-40B4-BE49-F238E27FC236}">
-                <a16:creationId xmlns:a16="http://schemas.microsoft.com/office/drawing/2014/main" id="{6250E00E-8B98-A746-B853-BFBBE6EF7235}"/>
+                <a16:creationId xmlns:a16="http://schemas.microsoft.com/office/drawing/2014/main" id="{A4FCC158-24DF-CD48-85A4-41943A0FA96E}"/>
               </a:ext>
             </a:extLst>
           </p:cNvPr>
@@ -8927,27 +8703,27 @@
           <p:nvPr>
             <p:extLst>
               <p:ext uri="{D42A27DB-BD31-4B8C-83A1-F6EECF244321}">
-                <p14:modId xmlns:p14="http://schemas.microsoft.com/office/powerpoint/2010/main" val="4134599873"/>
+                <p14:modId xmlns:p14="http://schemas.microsoft.com/office/powerpoint/2010/main" val="3171876267"/>
               </p:ext>
             </p:extLst>
           </p:nvPr>
         </p:nvGraphicFramePr>
         <p:xfrm>
-          <a:off x="0" y="331297"/>
-          <a:ext cx="4572000" cy="2681619"/>
+          <a:off x="0" y="918140"/>
+          <a:ext cx="3689131" cy="2843788"/>
         </p:xfrm>
         <a:graphic>
           <a:graphicData uri="http://schemas.openxmlformats.org/drawingml/2006/chart">
-            <c:chart xmlns:c="http://schemas.openxmlformats.org/drawingml/2006/chart" xmlns:r="http://schemas.openxmlformats.org/officeDocument/2006/relationships" r:id="rId2"/>
+            <c:chart xmlns:c="http://schemas.openxmlformats.org/drawingml/2006/chart" xmlns:r="http://schemas.openxmlformats.org/officeDocument/2006/relationships" r:id="rId4"/>
           </a:graphicData>
         </a:graphic>
       </p:graphicFrame>
       <p:graphicFrame>
         <p:nvGraphicFramePr>
-          <p:cNvPr id="6" name="Chart 5">
+          <p:cNvPr id="28" name="Chart 27">
             <a:extLst>
               <a:ext uri="{FF2B5EF4-FFF2-40B4-BE49-F238E27FC236}">
-                <a16:creationId xmlns:a16="http://schemas.microsoft.com/office/drawing/2014/main" id="{1BAD8865-4C61-114E-B3FF-E2AD142D922D}"/>
+                <a16:creationId xmlns:a16="http://schemas.microsoft.com/office/drawing/2014/main" id="{7792E07E-E241-364D-AA2B-86FAD5CB185D}"/>
               </a:ext>
             </a:extLst>
           </p:cNvPr>
@@ -8955,25 +8731,63 @@
           <p:nvPr>
             <p:extLst>
               <p:ext uri="{D42A27DB-BD31-4B8C-83A1-F6EECF244321}">
-                <p14:modId xmlns:p14="http://schemas.microsoft.com/office/powerpoint/2010/main" val="1929563507"/>
+                <p14:modId xmlns:p14="http://schemas.microsoft.com/office/powerpoint/2010/main" val="1292395925"/>
               </p:ext>
             </p:extLst>
           </p:nvPr>
         </p:nvGraphicFramePr>
         <p:xfrm>
-          <a:off x="4428372" y="331297"/>
-          <a:ext cx="4572000" cy="2681619"/>
+          <a:off x="9232641" y="918140"/>
+          <a:ext cx="3032932" cy="2709333"/>
         </p:xfrm>
         <a:graphic>
           <a:graphicData uri="http://schemas.openxmlformats.org/drawingml/2006/chart">
-            <c:chart xmlns:c="http://schemas.openxmlformats.org/drawingml/2006/chart" xmlns:r="http://schemas.openxmlformats.org/officeDocument/2006/relationships" r:id="rId3"/>
+            <c:chart xmlns:c="http://schemas.openxmlformats.org/drawingml/2006/chart" xmlns:r="http://schemas.openxmlformats.org/officeDocument/2006/relationships" r:id="rId5"/>
           </a:graphicData>
         </a:graphic>
       </p:graphicFrame>
+      <p:sp>
+        <p:nvSpPr>
+          <p:cNvPr id="2" name="TextBox 1">
+            <a:extLst>
+              <a:ext uri="{FF2B5EF4-FFF2-40B4-BE49-F238E27FC236}">
+                <a16:creationId xmlns:a16="http://schemas.microsoft.com/office/drawing/2014/main" id="{C0EA754D-03DB-BF4E-B09A-1F23DAE56878}"/>
+              </a:ext>
+            </a:extLst>
+          </p:cNvPr>
+          <p:cNvSpPr txBox="1"/>
+          <p:nvPr/>
+        </p:nvSpPr>
+        <p:spPr>
+          <a:xfrm>
+            <a:off x="664308" y="3063630"/>
+            <a:ext cx="2855146" cy="276999"/>
+          </a:xfrm>
+          <a:prstGeom prst="rect">
+            <a:avLst/>
+          </a:prstGeom>
+          <a:noFill/>
+        </p:spPr>
+        <p:txBody>
+          <a:bodyPr wrap="square" rtlCol="0">
+            <a:spAutoFit/>
+          </a:bodyPr>
+          <a:lstStyle/>
+          <a:p>
+            <a:pPr algn="ctr"/>
+            <a:r>
+              <a:rPr lang="en-US" sz="1200" dirty="0">
+                <a:latin typeface="Times" pitchFamily="2" charset="0"/>
+              </a:rPr>
+              <a:t>Graph Size</a:t>
+            </a:r>
+          </a:p>
+        </p:txBody>
+      </p:sp>
     </p:spTree>
     <p:extLst>
       <p:ext uri="{BB962C8B-B14F-4D97-AF65-F5344CB8AC3E}">
-        <p14:creationId xmlns:p14="http://schemas.microsoft.com/office/powerpoint/2010/main" val="4076770580"/>
+        <p14:creationId xmlns:p14="http://schemas.microsoft.com/office/powerpoint/2010/main" val="3863801135"/>
       </p:ext>
     </p:extLst>
   </p:cSld>
@@ -8994,44 +8808,44 @@
         <a:sysClr val="window" lastClr="FFFFFF"/>
       </a:lt1>
       <a:dk2>
-        <a:srgbClr val="1F497D"/>
+        <a:srgbClr val="44546A"/>
       </a:dk2>
       <a:lt2>
-        <a:srgbClr val="EEECE1"/>
+        <a:srgbClr val="E7E6E6"/>
       </a:lt2>
       <a:accent1>
-        <a:srgbClr val="4F81BD"/>
+        <a:srgbClr val="4472C4"/>
       </a:accent1>
       <a:accent2>
-        <a:srgbClr val="C0504D"/>
+        <a:srgbClr val="ED7D31"/>
       </a:accent2>
       <a:accent3>
-        <a:srgbClr val="9BBB59"/>
+        <a:srgbClr val="A5A5A5"/>
       </a:accent3>
       <a:accent4>
-        <a:srgbClr val="8064A2"/>
+        <a:srgbClr val="FFC000"/>
       </a:accent4>
       <a:accent5>
-        <a:srgbClr val="4BACC6"/>
+        <a:srgbClr val="5B9BD5"/>
       </a:accent5>
       <a:accent6>
-        <a:srgbClr val="F79646"/>
+        <a:srgbClr val="70AD47"/>
       </a:accent6>
       <a:hlink>
-        <a:srgbClr val="0000FF"/>
+        <a:srgbClr val="0563C1"/>
       </a:hlink>
       <a:folHlink>
-        <a:srgbClr val="800080"/>
+        <a:srgbClr val="954F72"/>
       </a:folHlink>
     </a:clrScheme>
     <a:fontScheme name="Office">
       <a:majorFont>
-        <a:latin typeface="Calibri"/>
+        <a:latin typeface="Calibri Light" panose="020F0302020204030204"/>
         <a:ea typeface=""/>
         <a:cs typeface=""/>
-        <a:font script="Jpan" typeface="ＭＳ Ｐゴシック"/>
+        <a:font script="Jpan" typeface="游ゴシック Light"/>
         <a:font script="Hang" typeface="맑은 고딕"/>
-        <a:font script="Hans" typeface="宋体"/>
+        <a:font script="Hans" typeface="等线 Light"/>
         <a:font script="Hant" typeface="新細明體"/>
         <a:font script="Arab" typeface="Times New Roman"/>
         <a:font script="Hebr" typeface="Times New Roman"/>
@@ -9059,14 +8873,31 @@
         <a:font script="Viet" typeface="Times New Roman"/>
         <a:font script="Uigh" typeface="Microsoft Uighur"/>
         <a:font script="Geor" typeface="Sylfaen"/>
+        <a:font script="Armn" typeface="Arial"/>
+        <a:font script="Bugi" typeface="Leelawadee UI"/>
+        <a:font script="Bopo" typeface="Microsoft JhengHei"/>
+        <a:font script="Java" typeface="Javanese Text"/>
+        <a:font script="Lisu" typeface="Segoe UI"/>
+        <a:font script="Mymr" typeface="Myanmar Text"/>
+        <a:font script="Nkoo" typeface="Ebrima"/>
+        <a:font script="Olck" typeface="Nirmala UI"/>
+        <a:font script="Osma" typeface="Ebrima"/>
+        <a:font script="Phag" typeface="Phagspa"/>
+        <a:font script="Syrn" typeface="Estrangelo Edessa"/>
+        <a:font script="Syrj" typeface="Estrangelo Edessa"/>
+        <a:font script="Syre" typeface="Estrangelo Edessa"/>
+        <a:font script="Sora" typeface="Nirmala UI"/>
+        <a:font script="Tale" typeface="Microsoft Tai Le"/>
+        <a:font script="Talu" typeface="Microsoft New Tai Lue"/>
+        <a:font script="Tfng" typeface="Ebrima"/>
       </a:majorFont>
       <a:minorFont>
-        <a:latin typeface="Calibri"/>
+        <a:latin typeface="Calibri" panose="020F0502020204030204"/>
         <a:ea typeface=""/>
         <a:cs typeface=""/>
-        <a:font script="Jpan" typeface="ＭＳ Ｐゴシック"/>
+        <a:font script="Jpan" typeface="游ゴシック"/>
         <a:font script="Hang" typeface="맑은 고딕"/>
-        <a:font script="Hans" typeface="宋体"/>
+        <a:font script="Hans" typeface="等线"/>
         <a:font script="Hant" typeface="新細明體"/>
         <a:font script="Arab" typeface="Arial"/>
         <a:font script="Hebr" typeface="Arial"/>
@@ -9094,6 +8925,23 @@
         <a:font script="Viet" typeface="Arial"/>
         <a:font script="Uigh" typeface="Microsoft Uighur"/>
         <a:font script="Geor" typeface="Sylfaen"/>
+        <a:font script="Armn" typeface="Arial"/>
+        <a:font script="Bugi" typeface="Leelawadee UI"/>
+        <a:font script="Bopo" typeface="Microsoft JhengHei"/>
+        <a:font script="Java" typeface="Javanese Text"/>
+        <a:font script="Lisu" typeface="Segoe UI"/>
+        <a:font script="Mymr" typeface="Myanmar Text"/>
+        <a:font script="Nkoo" typeface="Ebrima"/>
+        <a:font script="Olck" typeface="Nirmala UI"/>
+        <a:font script="Osma" typeface="Ebrima"/>
+        <a:font script="Phag" typeface="Phagspa"/>
+        <a:font script="Syrn" typeface="Estrangelo Edessa"/>
+        <a:font script="Syrj" typeface="Estrangelo Edessa"/>
+        <a:font script="Syre" typeface="Estrangelo Edessa"/>
+        <a:font script="Sora" typeface="Nirmala UI"/>
+        <a:font script="Tale" typeface="Microsoft Tai Le"/>
+        <a:font script="Talu" typeface="Microsoft New Tai Lue"/>
+        <a:font script="Tfng" typeface="Ebrima"/>
       </a:minorFont>
     </a:fontScheme>
     <a:fmtScheme name="Office">
@@ -9105,520 +8953,141 @@
           <a:gsLst>
             <a:gs pos="0">
               <a:schemeClr val="phClr">
-                <a:tint val="50000"/>
-                <a:satMod val="300000"/>
+                <a:lumMod val="110000"/>
+                <a:satMod val="105000"/>
+                <a:tint val="67000"/>
               </a:schemeClr>
             </a:gs>
-            <a:gs pos="35000">
+            <a:gs pos="50000">
               <a:schemeClr val="phClr">
-                <a:tint val="37000"/>
-                <a:satMod val="300000"/>
+                <a:lumMod val="105000"/>
+                <a:satMod val="103000"/>
+                <a:tint val="73000"/>
               </a:schemeClr>
             </a:gs>
             <a:gs pos="100000">
               <a:schemeClr val="phClr">
-                <a:tint val="15000"/>
-                <a:satMod val="350000"/>
+                <a:lumMod val="105000"/>
+                <a:satMod val="109000"/>
+                <a:tint val="81000"/>
               </a:schemeClr>
             </a:gs>
           </a:gsLst>
-          <a:lin ang="16200000" scaled="1"/>
+          <a:lin ang="5400000" scaled="0"/>
         </a:gradFill>
         <a:gradFill rotWithShape="1">
           <a:gsLst>
             <a:gs pos="0">
               <a:schemeClr val="phClr">
-                <a:tint val="100000"/>
+                <a:satMod val="103000"/>
+                <a:lumMod val="102000"/>
+                <a:tint val="94000"/>
+              </a:schemeClr>
+            </a:gs>
+            <a:gs pos="50000">
+              <a:schemeClr val="phClr">
+                <a:satMod val="110000"/>
+                <a:lumMod val="100000"/>
                 <a:shade val="100000"/>
-                <a:satMod val="130000"/>
               </a:schemeClr>
             </a:gs>
             <a:gs pos="100000">
               <a:schemeClr val="phClr">
-                <a:tint val="50000"/>
-                <a:shade val="100000"/>
-                <a:satMod val="350000"/>
+                <a:lumMod val="99000"/>
+                <a:satMod val="120000"/>
+                <a:shade val="78000"/>
               </a:schemeClr>
             </a:gs>
           </a:gsLst>
-          <a:lin ang="16200000" scaled="0"/>
+          <a:lin ang="5400000" scaled="0"/>
         </a:gradFill>
       </a:fillStyleLst>
       <a:lnStyleLst>
-        <a:ln w="9525" cap="flat" cmpd="sng" algn="ctr">
-          <a:solidFill>
-            <a:schemeClr val="phClr">
-              <a:shade val="95000"/>
-              <a:satMod val="105000"/>
-            </a:schemeClr>
-          </a:solidFill>
-          <a:prstDash val="solid"/>
-        </a:ln>
-        <a:ln w="25400" cap="flat" cmpd="sng" algn="ctr">
+        <a:ln w="6350" cap="flat" cmpd="sng" algn="ctr">
           <a:solidFill>
             <a:schemeClr val="phClr"/>
           </a:solidFill>
           <a:prstDash val="solid"/>
+          <a:miter lim="800000"/>
         </a:ln>
-        <a:ln w="38100" cap="flat" cmpd="sng" algn="ctr">
+        <a:ln w="12700" cap="flat" cmpd="sng" algn="ctr">
           <a:solidFill>
             <a:schemeClr val="phClr"/>
           </a:solidFill>
           <a:prstDash val="solid"/>
+          <a:miter lim="800000"/>
+        </a:ln>
+        <a:ln w="19050" cap="flat" cmpd="sng" algn="ctr">
+          <a:solidFill>
+            <a:schemeClr val="phClr"/>
+          </a:solidFill>
+          <a:prstDash val="solid"/>
+          <a:miter lim="800000"/>
         </a:ln>
       </a:lnStyleLst>
       <a:effectStyleLst>
         <a:effectStyle>
+          <a:effectLst/>
+        </a:effectStyle>
+        <a:effectStyle>
+          <a:effectLst/>
+        </a:effectStyle>
+        <a:effectStyle>
           <a:effectLst>
-            <a:outerShdw blurRad="40000" dist="20000" dir="5400000" rotWithShape="0">
+            <a:outerShdw blurRad="57150" dist="19050" dir="5400000" algn="ctr" rotWithShape="0">
               <a:srgbClr val="000000">
-                <a:alpha val="38000"/>
+                <a:alpha val="63000"/>
               </a:srgbClr>
             </a:outerShdw>
           </a:effectLst>
-        </a:effectStyle>
-        <a:effectStyle>
-          <a:effectLst>
-            <a:outerShdw blurRad="40000" dist="23000" dir="5400000" rotWithShape="0">
-              <a:srgbClr val="000000">
-                <a:alpha val="35000"/>
-              </a:srgbClr>
-            </a:outerShdw>
-          </a:effectLst>
-        </a:effectStyle>
-        <a:effectStyle>
-          <a:effectLst>
-            <a:outerShdw blurRad="40000" dist="23000" dir="5400000" rotWithShape="0">
-              <a:srgbClr val="000000">
-                <a:alpha val="35000"/>
-              </a:srgbClr>
-            </a:outerShdw>
-          </a:effectLst>
-          <a:scene3d>
-            <a:camera prst="orthographicFront">
-              <a:rot lat="0" lon="0" rev="0"/>
-            </a:camera>
-            <a:lightRig rig="threePt" dir="t">
-              <a:rot lat="0" lon="0" rev="1200000"/>
-            </a:lightRig>
-          </a:scene3d>
-          <a:sp3d>
-            <a:bevelT w="63500" h="25400"/>
-          </a:sp3d>
         </a:effectStyle>
       </a:effectStyleLst>
       <a:bgFillStyleLst>
         <a:solidFill>
           <a:schemeClr val="phClr"/>
         </a:solidFill>
-        <a:gradFill rotWithShape="1">
-          <a:gsLst>
-            <a:gs pos="0">
-              <a:schemeClr val="phClr">
-                <a:tint val="40000"/>
-                <a:satMod val="350000"/>
-              </a:schemeClr>
-            </a:gs>
-            <a:gs pos="40000">
-              <a:schemeClr val="phClr">
-                <a:tint val="45000"/>
-                <a:shade val="99000"/>
-                <a:satMod val="350000"/>
-              </a:schemeClr>
-            </a:gs>
-            <a:gs pos="100000">
-              <a:schemeClr val="phClr">
-                <a:shade val="20000"/>
-                <a:satMod val="255000"/>
-              </a:schemeClr>
-            </a:gs>
-          </a:gsLst>
-          <a:path path="circle">
-            <a:fillToRect l="50000" t="-80000" r="50000" b="180000"/>
-          </a:path>
-        </a:gradFill>
-        <a:gradFill rotWithShape="1">
-          <a:gsLst>
-            <a:gs pos="0">
-              <a:schemeClr val="phClr">
-                <a:tint val="80000"/>
-                <a:satMod val="300000"/>
-              </a:schemeClr>
-            </a:gs>
-            <a:gs pos="100000">
-              <a:schemeClr val="phClr">
-                <a:shade val="30000"/>
-                <a:satMod val="200000"/>
-              </a:schemeClr>
-            </a:gs>
-          </a:gsLst>
-          <a:path path="circle">
-            <a:fillToRect l="50000" t="50000" r="50000" b="50000"/>
-          </a:path>
-        </a:gradFill>
-      </a:bgFillStyleLst>
-    </a:fmtScheme>
-  </a:themeElements>
-  <a:objectDefaults>
-    <a:spDef>
-      <a:spPr/>
-      <a:bodyPr/>
-      <a:lstStyle/>
-      <a:style>
-        <a:lnRef idx="1">
-          <a:schemeClr val="accent1"/>
-        </a:lnRef>
-        <a:fillRef idx="3">
-          <a:schemeClr val="accent1"/>
-        </a:fillRef>
-        <a:effectRef idx="2">
-          <a:schemeClr val="accent1"/>
-        </a:effectRef>
-        <a:fontRef idx="minor">
-          <a:schemeClr val="lt1"/>
-        </a:fontRef>
-      </a:style>
-    </a:spDef>
-    <a:lnDef>
-      <a:spPr/>
-      <a:bodyPr/>
-      <a:lstStyle/>
-      <a:style>
-        <a:lnRef idx="2">
-          <a:schemeClr val="accent1"/>
-        </a:lnRef>
-        <a:fillRef idx="0">
-          <a:schemeClr val="accent1"/>
-        </a:fillRef>
-        <a:effectRef idx="1">
-          <a:schemeClr val="accent1"/>
-        </a:effectRef>
-        <a:fontRef idx="minor">
-          <a:schemeClr val="tx1"/>
-        </a:fontRef>
-      </a:style>
-    </a:lnDef>
-  </a:objectDefaults>
-  <a:extraClrSchemeLst/>
-</a:theme>
-</file>
-
-<file path=ppt/theme/theme2.xml><?xml version="1.0" encoding="utf-8"?>
-<a:theme xmlns:a="http://schemas.openxmlformats.org/drawingml/2006/main" name="Office Theme">
-  <a:themeElements>
-    <a:clrScheme name="Office">
-      <a:dk1>
-        <a:sysClr val="windowText" lastClr="000000"/>
-      </a:dk1>
-      <a:lt1>
-        <a:sysClr val="window" lastClr="FFFFFF"/>
-      </a:lt1>
-      <a:dk2>
-        <a:srgbClr val="1F497D"/>
-      </a:dk2>
-      <a:lt2>
-        <a:srgbClr val="EEECE1"/>
-      </a:lt2>
-      <a:accent1>
-        <a:srgbClr val="4F81BD"/>
-      </a:accent1>
-      <a:accent2>
-        <a:srgbClr val="C0504D"/>
-      </a:accent2>
-      <a:accent3>
-        <a:srgbClr val="9BBB59"/>
-      </a:accent3>
-      <a:accent4>
-        <a:srgbClr val="8064A2"/>
-      </a:accent4>
-      <a:accent5>
-        <a:srgbClr val="4BACC6"/>
-      </a:accent5>
-      <a:accent6>
-        <a:srgbClr val="F79646"/>
-      </a:accent6>
-      <a:hlink>
-        <a:srgbClr val="0000FF"/>
-      </a:hlink>
-      <a:folHlink>
-        <a:srgbClr val="800080"/>
-      </a:folHlink>
-    </a:clrScheme>
-    <a:fontScheme name="Office">
-      <a:majorFont>
-        <a:latin typeface="Calibri"/>
-        <a:ea typeface=""/>
-        <a:cs typeface=""/>
-        <a:font script="Jpan" typeface="ＭＳ Ｐゴシック"/>
-        <a:font script="Hang" typeface="맑은 고딕"/>
-        <a:font script="Hans" typeface="宋体"/>
-        <a:font script="Hant" typeface="新細明體"/>
-        <a:font script="Arab" typeface="Times New Roman"/>
-        <a:font script="Hebr" typeface="Times New Roman"/>
-        <a:font script="Thai" typeface="Angsana New"/>
-        <a:font script="Ethi" typeface="Nyala"/>
-        <a:font script="Beng" typeface="Vrinda"/>
-        <a:font script="Gujr" typeface="Shruti"/>
-        <a:font script="Khmr" typeface="MoolBoran"/>
-        <a:font script="Knda" typeface="Tunga"/>
-        <a:font script="Guru" typeface="Raavi"/>
-        <a:font script="Cans" typeface="Euphemia"/>
-        <a:font script="Cher" typeface="Plantagenet Cherokee"/>
-        <a:font script="Yiii" typeface="Microsoft Yi Baiti"/>
-        <a:font script="Tibt" typeface="Microsoft Himalaya"/>
-        <a:font script="Thaa" typeface="MV Boli"/>
-        <a:font script="Deva" typeface="Mangal"/>
-        <a:font script="Telu" typeface="Gautami"/>
-        <a:font script="Taml" typeface="Latha"/>
-        <a:font script="Syrc" typeface="Estrangelo Edessa"/>
-        <a:font script="Orya" typeface="Kalinga"/>
-        <a:font script="Mlym" typeface="Kartika"/>
-        <a:font script="Laoo" typeface="DokChampa"/>
-        <a:font script="Sinh" typeface="Iskoola Pota"/>
-        <a:font script="Mong" typeface="Mongolian Baiti"/>
-        <a:font script="Viet" typeface="Times New Roman"/>
-        <a:font script="Uigh" typeface="Microsoft Uighur"/>
-        <a:font script="Geor" typeface="Sylfaen"/>
-      </a:majorFont>
-      <a:minorFont>
-        <a:latin typeface="Calibri"/>
-        <a:ea typeface=""/>
-        <a:cs typeface=""/>
-        <a:font script="Jpan" typeface="ＭＳ Ｐゴシック"/>
-        <a:font script="Hang" typeface="맑은 고딕"/>
-        <a:font script="Hans" typeface="宋体"/>
-        <a:font script="Hant" typeface="新細明體"/>
-        <a:font script="Arab" typeface="Arial"/>
-        <a:font script="Hebr" typeface="Arial"/>
-        <a:font script="Thai" typeface="Cordia New"/>
-        <a:font script="Ethi" typeface="Nyala"/>
-        <a:font script="Beng" typeface="Vrinda"/>
-        <a:font script="Gujr" typeface="Shruti"/>
-        <a:font script="Khmr" typeface="DaunPenh"/>
-        <a:font script="Knda" typeface="Tunga"/>
-        <a:font script="Guru" typeface="Raavi"/>
-        <a:font script="Cans" typeface="Euphemia"/>
-        <a:font script="Cher" typeface="Plantagenet Cherokee"/>
-        <a:font script="Yiii" typeface="Microsoft Yi Baiti"/>
-        <a:font script="Tibt" typeface="Microsoft Himalaya"/>
-        <a:font script="Thaa" typeface="MV Boli"/>
-        <a:font script="Deva" typeface="Mangal"/>
-        <a:font script="Telu" typeface="Gautami"/>
-        <a:font script="Taml" typeface="Latha"/>
-        <a:font script="Syrc" typeface="Estrangelo Edessa"/>
-        <a:font script="Orya" typeface="Kalinga"/>
-        <a:font script="Mlym" typeface="Kartika"/>
-        <a:font script="Laoo" typeface="DokChampa"/>
-        <a:font script="Sinh" typeface="Iskoola Pota"/>
-        <a:font script="Mong" typeface="Mongolian Baiti"/>
-        <a:font script="Viet" typeface="Arial"/>
-        <a:font script="Uigh" typeface="Microsoft Uighur"/>
-        <a:font script="Geor" typeface="Sylfaen"/>
-      </a:minorFont>
-    </a:fontScheme>
-    <a:fmtScheme name="Office">
-      <a:fillStyleLst>
         <a:solidFill>
-          <a:schemeClr val="phClr"/>
+          <a:schemeClr val="phClr">
+            <a:tint val="95000"/>
+            <a:satMod val="170000"/>
+          </a:schemeClr>
         </a:solidFill>
         <a:gradFill rotWithShape="1">
           <a:gsLst>
             <a:gs pos="0">
               <a:schemeClr val="phClr">
-                <a:tint val="50000"/>
-                <a:satMod val="300000"/>
+                <a:tint val="93000"/>
+                <a:satMod val="150000"/>
+                <a:shade val="98000"/>
+                <a:lumMod val="102000"/>
               </a:schemeClr>
             </a:gs>
-            <a:gs pos="35000">
+            <a:gs pos="50000">
               <a:schemeClr val="phClr">
-                <a:tint val="37000"/>
-                <a:satMod val="300000"/>
+                <a:tint val="98000"/>
+                <a:satMod val="130000"/>
+                <a:shade val="90000"/>
+                <a:lumMod val="103000"/>
               </a:schemeClr>
             </a:gs>
             <a:gs pos="100000">
               <a:schemeClr val="phClr">
-                <a:tint val="15000"/>
-                <a:satMod val="350000"/>
+                <a:shade val="63000"/>
+                <a:satMod val="120000"/>
               </a:schemeClr>
             </a:gs>
           </a:gsLst>
-          <a:lin ang="16200000" scaled="1"/>
-        </a:gradFill>
-        <a:gradFill rotWithShape="1">
-          <a:gsLst>
-            <a:gs pos="0">
-              <a:schemeClr val="phClr">
-                <a:tint val="100000"/>
-                <a:shade val="100000"/>
-                <a:satMod val="130000"/>
-              </a:schemeClr>
-            </a:gs>
-            <a:gs pos="100000">
-              <a:schemeClr val="phClr">
-                <a:tint val="50000"/>
-                <a:shade val="100000"/>
-                <a:satMod val="350000"/>
-              </a:schemeClr>
-            </a:gs>
-          </a:gsLst>
-          <a:lin ang="16200000" scaled="0"/>
-        </a:gradFill>
-      </a:fillStyleLst>
-      <a:lnStyleLst>
-        <a:ln w="9525" cap="flat" cmpd="sng" algn="ctr">
-          <a:solidFill>
-            <a:schemeClr val="phClr">
-              <a:shade val="95000"/>
-              <a:satMod val="105000"/>
-            </a:schemeClr>
-          </a:solidFill>
-          <a:prstDash val="solid"/>
-        </a:ln>
-        <a:ln w="25400" cap="flat" cmpd="sng" algn="ctr">
-          <a:solidFill>
-            <a:schemeClr val="phClr"/>
-          </a:solidFill>
-          <a:prstDash val="solid"/>
-        </a:ln>
-        <a:ln w="38100" cap="flat" cmpd="sng" algn="ctr">
-          <a:solidFill>
-            <a:schemeClr val="phClr"/>
-          </a:solidFill>
-          <a:prstDash val="solid"/>
-        </a:ln>
-      </a:lnStyleLst>
-      <a:effectStyleLst>
-        <a:effectStyle>
-          <a:effectLst>
-            <a:outerShdw blurRad="40000" dist="20000" dir="5400000" rotWithShape="0">
-              <a:srgbClr val="000000">
-                <a:alpha val="38000"/>
-              </a:srgbClr>
-            </a:outerShdw>
-          </a:effectLst>
-        </a:effectStyle>
-        <a:effectStyle>
-          <a:effectLst>
-            <a:outerShdw blurRad="40000" dist="23000" dir="5400000" rotWithShape="0">
-              <a:srgbClr val="000000">
-                <a:alpha val="35000"/>
-              </a:srgbClr>
-            </a:outerShdw>
-          </a:effectLst>
-        </a:effectStyle>
-        <a:effectStyle>
-          <a:effectLst>
-            <a:outerShdw blurRad="40000" dist="23000" dir="5400000" rotWithShape="0">
-              <a:srgbClr val="000000">
-                <a:alpha val="35000"/>
-              </a:srgbClr>
-            </a:outerShdw>
-          </a:effectLst>
-          <a:scene3d>
-            <a:camera prst="orthographicFront">
-              <a:rot lat="0" lon="0" rev="0"/>
-            </a:camera>
-            <a:lightRig rig="threePt" dir="t">
-              <a:rot lat="0" lon="0" rev="1200000"/>
-            </a:lightRig>
-          </a:scene3d>
-          <a:sp3d>
-            <a:bevelT w="63500" h="25400"/>
-          </a:sp3d>
-        </a:effectStyle>
-      </a:effectStyleLst>
-      <a:bgFillStyleLst>
-        <a:solidFill>
-          <a:schemeClr val="phClr"/>
-        </a:solidFill>
-        <a:gradFill rotWithShape="1">
-          <a:gsLst>
-            <a:gs pos="0">
-              <a:schemeClr val="phClr">
-                <a:tint val="40000"/>
-                <a:satMod val="350000"/>
-              </a:schemeClr>
-            </a:gs>
-            <a:gs pos="40000">
-              <a:schemeClr val="phClr">
-                <a:tint val="45000"/>
-                <a:shade val="99000"/>
-                <a:satMod val="350000"/>
-              </a:schemeClr>
-            </a:gs>
-            <a:gs pos="100000">
-              <a:schemeClr val="phClr">
-                <a:shade val="20000"/>
-                <a:satMod val="255000"/>
-              </a:schemeClr>
-            </a:gs>
-          </a:gsLst>
-          <a:path path="circle">
-            <a:fillToRect l="50000" t="-80000" r="50000" b="180000"/>
-          </a:path>
-        </a:gradFill>
-        <a:gradFill rotWithShape="1">
-          <a:gsLst>
-            <a:gs pos="0">
-              <a:schemeClr val="phClr">
-                <a:tint val="80000"/>
-                <a:satMod val="300000"/>
-              </a:schemeClr>
-            </a:gs>
-            <a:gs pos="100000">
-              <a:schemeClr val="phClr">
-                <a:shade val="30000"/>
-                <a:satMod val="200000"/>
-              </a:schemeClr>
-            </a:gs>
-          </a:gsLst>
-          <a:path path="circle">
-            <a:fillToRect l="50000" t="50000" r="50000" b="50000"/>
-          </a:path>
+          <a:lin ang="5400000" scaled="0"/>
         </a:gradFill>
       </a:bgFillStyleLst>
     </a:fmtScheme>
   </a:themeElements>
-  <a:objectDefaults>
-    <a:spDef>
-      <a:spPr/>
-      <a:bodyPr/>
-      <a:lstStyle/>
-      <a:style>
-        <a:lnRef idx="1">
-          <a:schemeClr val="accent1"/>
-        </a:lnRef>
-        <a:fillRef idx="3">
-          <a:schemeClr val="accent1"/>
-        </a:fillRef>
-        <a:effectRef idx="2">
-          <a:schemeClr val="accent1"/>
-        </a:effectRef>
-        <a:fontRef idx="minor">
-          <a:schemeClr val="lt1"/>
-        </a:fontRef>
-      </a:style>
-    </a:spDef>
-    <a:lnDef>
-      <a:spPr/>
-      <a:bodyPr/>
-      <a:lstStyle/>
-      <a:style>
-        <a:lnRef idx="2">
-          <a:schemeClr val="accent1"/>
-        </a:lnRef>
-        <a:fillRef idx="0">
-          <a:schemeClr val="accent1"/>
-        </a:fillRef>
-        <a:effectRef idx="1">
-          <a:schemeClr val="accent1"/>
-        </a:effectRef>
-        <a:fontRef idx="minor">
-          <a:schemeClr val="tx1"/>
-        </a:fontRef>
-      </a:style>
-    </a:lnDef>
-  </a:objectDefaults>
+  <a:objectDefaults/>
   <a:extraClrSchemeLst/>
+  <a:extLst>
+    <a:ext uri="{05A4C25C-085E-4340-85A3-A5531E510DB2}">
+      <thm15:themeFamily xmlns:thm15="http://schemas.microsoft.com/office/thememl/2012/main" name="Office Theme" id="{62F939B6-93AF-4DB8-9C6B-D6C7DFDC589F}" vid="{4A3C46E8-61CC-4603-A589-7422A47A8E4A}"/>
+    </a:ext>
+  </a:extLst>
 </a:theme>
 </file>